--- a/DX 제출용 장표/[회의록] LGE 부자재 검출 System 도임을 위한 협력사 협의_240105.pptx
+++ b/DX 제출용 장표/[회의록] LGE 부자재 검출 System 도임을 위한 협력사 협의_240105.pptx
@@ -3242,7 +3242,7 @@
           <p:cNvPr id="2" name="직선 연결선 1">
             <a:extLst>
               <a:ext uri="{FF2B5EF4-FFF2-40B4-BE49-F238E27FC236}">
-                <a16:creationId xmlns:a16="http://schemas.microsoft.com/office/drawing/2014/main" xmlns="" id="{C4239F93-FDAB-4B39-9BD2-D4AB37740E5E}"/>
+                <a16:creationId xmlns="" xmlns:a16="http://schemas.microsoft.com/office/drawing/2014/main" id="{C4239F93-FDAB-4B39-9BD2-D4AB37740E5E}"/>
               </a:ext>
             </a:extLst>
           </p:cNvPr>
@@ -3778,7 +3778,7 @@
           <p:cNvPr id="4" name="Line 39">
             <a:extLst>
               <a:ext uri="{FF2B5EF4-FFF2-40B4-BE49-F238E27FC236}">
-                <a16:creationId xmlns:a16="http://schemas.microsoft.com/office/drawing/2014/main" xmlns="" id="{85B34CEF-AA14-41B3-872F-D47F8C8191F0}"/>
+                <a16:creationId xmlns="" xmlns:a16="http://schemas.microsoft.com/office/drawing/2014/main" id="{85B34CEF-AA14-41B3-872F-D47F8C8191F0}"/>
               </a:ext>
             </a:extLst>
           </p:cNvPr>
@@ -5443,13 +5443,13 @@
           <p:nvPr>
             <p:extLst>
               <p:ext uri="{D42A27DB-BD31-4B8C-83A1-F6EECF244321}">
-                <p14:modId xmlns:p14="http://schemas.microsoft.com/office/powerpoint/2010/main" val="3276670084"/>
+                <p14:modId xmlns:p14="http://schemas.microsoft.com/office/powerpoint/2010/main" val="482918453"/>
               </p:ext>
             </p:extLst>
           </p:nvPr>
         </p:nvGraphicFramePr>
         <p:xfrm>
-          <a:off x="263353" y="467214"/>
+          <a:off x="263353" y="458070"/>
           <a:ext cx="11629291" cy="6346162"/>
         </p:xfrm>
         <a:graphic>
@@ -5713,65 +5713,8 @@
                           <a:ea typeface="LG스마트체 Regular" panose="020B0600000101010101" pitchFamily="50" charset="-127"/>
                           <a:cs typeface="Arial" pitchFamily="34" charset="0"/>
                         </a:rPr>
-                        <a:t>) </a:t>
-                      </a:r>
-                      <a:r>
-                        <a:rPr kumimoji="1" lang="en-US" altLang="ko-KR" sz="1100" b="1" i="0" u="none" strike="noStrike" cap="none" normalizeH="0" baseline="0" dirty="0" smtClean="0">
-                          <a:ln>
-                            <a:noFill/>
-                          </a:ln>
-                          <a:solidFill>
-                            <a:schemeClr val="tx1"/>
-                          </a:solidFill>
-                          <a:effectLst/>
-                          <a:latin typeface="Arial Narrow" panose="020B0606020202030204" pitchFamily="34" charset="0"/>
-                          <a:ea typeface="LG스마트체 Regular" panose="020B0600000101010101" pitchFamily="50" charset="-127"/>
-                          <a:cs typeface="Arial" pitchFamily="34" charset="0"/>
-                        </a:rPr>
-                        <a:t>15:30 </a:t>
-                      </a:r>
-                      <a:r>
-                        <a:rPr kumimoji="1" lang="en-US" altLang="ko-KR" sz="1100" b="1" i="0" u="none" strike="noStrike" cap="none" normalizeH="0" baseline="0" dirty="0" smtClean="0">
-                          <a:ln>
-                            <a:noFill/>
-                          </a:ln>
-                          <a:solidFill>
-                            <a:schemeClr val="tx1"/>
-                          </a:solidFill>
-                          <a:effectLst/>
-                          <a:latin typeface="Arial Narrow" panose="020B0606020202030204" pitchFamily="34" charset="0"/>
-                          <a:ea typeface="LG스마트체 Regular" panose="020B0600000101010101" pitchFamily="50" charset="-127"/>
-                          <a:cs typeface="Arial" pitchFamily="34" charset="0"/>
-                        </a:rPr>
-                        <a:t>~ </a:t>
-                      </a:r>
-                      <a:r>
-                        <a:rPr kumimoji="1" lang="en-US" altLang="ko-KR" sz="1100" b="1" i="0" u="none" strike="noStrike" cap="none" normalizeH="0" baseline="0" dirty="0" smtClean="0">
-                          <a:ln>
-                            <a:noFill/>
-                          </a:ln>
-                          <a:solidFill>
-                            <a:schemeClr val="tx1"/>
-                          </a:solidFill>
-                          <a:effectLst/>
-                          <a:latin typeface="Arial Narrow" panose="020B0606020202030204" pitchFamily="34" charset="0"/>
-                          <a:ea typeface="LG스마트체 Regular" panose="020B0600000101010101" pitchFamily="50" charset="-127"/>
-                          <a:cs typeface="Arial" pitchFamily="34" charset="0"/>
-                        </a:rPr>
-                        <a:t>16:20</a:t>
-                      </a:r>
-                      <a:endParaRPr kumimoji="1" lang="en-US" altLang="ko-KR" sz="1100" b="1" i="0" u="none" strike="noStrike" cap="none" normalizeH="0" baseline="0" dirty="0" smtClean="0">
-                        <a:ln>
-                          <a:noFill/>
-                        </a:ln>
-                        <a:solidFill>
-                          <a:schemeClr val="tx1"/>
-                        </a:solidFill>
-                        <a:effectLst/>
-                        <a:latin typeface="Arial Narrow" panose="020B0606020202030204" pitchFamily="34" charset="0"/>
-                        <a:ea typeface="LG스마트체 Regular" panose="020B0600000101010101" pitchFamily="50" charset="-127"/>
-                        <a:cs typeface="Arial" pitchFamily="34" charset="0"/>
-                      </a:endParaRPr>
+                        <a:t>) 15:30 ~ 16:20</a:t>
+                      </a:r>
                     </a:p>
                   </a:txBody>
                   <a:tcPr marL="0" marR="0" marT="0" marB="0" anchor="ctr" horzOverflow="overflow">
@@ -7076,7 +7019,7 @@
                         <a:defRPr/>
                       </a:pPr>
                       <a:r>
-                        <a:rPr kumimoji="1" lang="en-US" altLang="ko-KR" sz="1100" b="0" i="0" u="none" strike="noStrike" kern="1200" cap="none" spc="0" normalizeH="0" baseline="0" noProof="0" dirty="0" smtClean="0">
+                        <a:rPr kumimoji="1" lang="en-US" altLang="ko-KR" sz="1000" b="0" i="0" u="none" strike="noStrike" kern="1200" cap="none" spc="0" normalizeH="0" baseline="0" noProof="0" dirty="0" smtClean="0">
                           <a:ln>
                             <a:noFill/>
                           </a:ln>
@@ -7094,7 +7037,7 @@
                         <a:t>1. </a:t>
                       </a:r>
                       <a:r>
-                        <a:rPr kumimoji="1" lang="ko-KR" altLang="en-US" sz="1100" b="0" i="0" u="none" strike="noStrike" kern="1200" cap="none" spc="0" normalizeH="0" baseline="0" noProof="0" dirty="0" smtClean="0">
+                        <a:rPr kumimoji="1" lang="ko-KR" altLang="en-US" sz="1000" b="0" i="0" u="none" strike="noStrike" kern="1200" cap="none" spc="0" normalizeH="0" baseline="0" noProof="0" dirty="0" smtClean="0">
                           <a:ln>
                             <a:noFill/>
                           </a:ln>
@@ -7112,7 +7055,7 @@
                         <a:t>회의 안건 </a:t>
                       </a:r>
                       <a:r>
-                        <a:rPr kumimoji="1" lang="en-US" altLang="ko-KR" sz="1100" b="0" i="0" u="none" strike="noStrike" kern="1200" cap="none" spc="0" normalizeH="0" baseline="0" noProof="0" dirty="0" smtClean="0">
+                        <a:rPr kumimoji="1" lang="en-US" altLang="ko-KR" sz="1000" b="0" i="0" u="none" strike="noStrike" kern="1200" cap="none" spc="0" normalizeH="0" baseline="0" noProof="0" dirty="0" smtClean="0">
                           <a:ln>
                             <a:noFill/>
                           </a:ln>
@@ -7130,7 +7073,7 @@
                         <a:t>: LGE </a:t>
                       </a:r>
                       <a:r>
-                        <a:rPr kumimoji="1" lang="ko-KR" altLang="en-US" sz="1100" b="0" i="0" u="none" strike="noStrike" kern="1200" cap="none" spc="0" normalizeH="0" baseline="0" noProof="0" dirty="0" smtClean="0">
+                        <a:rPr kumimoji="1" lang="ko-KR" altLang="en-US" sz="1000" b="0" i="0" u="none" strike="noStrike" kern="1200" cap="none" spc="0" normalizeH="0" baseline="0" noProof="0" dirty="0" smtClean="0">
                           <a:ln>
                             <a:noFill/>
                           </a:ln>
@@ -7148,7 +7091,7 @@
                         <a:t>부자재 부착 판정 </a:t>
                       </a:r>
                       <a:r>
-                        <a:rPr kumimoji="1" lang="en-US" altLang="ko-KR" sz="1100" b="0" i="0" u="none" strike="noStrike" kern="1200" cap="none" spc="0" normalizeH="0" baseline="0" noProof="0" dirty="0" smtClean="0">
+                        <a:rPr kumimoji="1" lang="en-US" altLang="ko-KR" sz="1000" b="0" i="0" u="none" strike="noStrike" kern="1200" cap="none" spc="0" normalizeH="0" baseline="0" noProof="0" dirty="0" smtClean="0">
                           <a:ln>
                             <a:noFill/>
                           </a:ln>
@@ -7166,7 +7109,7 @@
                         <a:t>System </a:t>
                       </a:r>
                       <a:r>
-                        <a:rPr kumimoji="1" lang="ko-KR" altLang="en-US" sz="1100" b="0" i="0" u="none" strike="noStrike" kern="1200" cap="none" spc="0" normalizeH="0" baseline="0" noProof="0" dirty="0" smtClean="0">
+                        <a:rPr kumimoji="1" lang="ko-KR" altLang="en-US" sz="1000" b="0" i="0" u="none" strike="noStrike" kern="1200" cap="none" spc="0" normalizeH="0" baseline="0" noProof="0" dirty="0" smtClean="0">
                           <a:ln>
                             <a:noFill/>
                           </a:ln>
@@ -7184,7 +7127,7 @@
                         <a:t>작동 원리 설명 및 부자재 부착 검출 시연 진행</a:t>
                       </a:r>
                       <a:r>
-                        <a:rPr kumimoji="1" lang="en-US" altLang="ko-KR" sz="1100" b="0" i="0" u="none" strike="noStrike" kern="1200" cap="none" spc="0" normalizeH="0" baseline="0" noProof="0" dirty="0" smtClean="0">
+                        <a:rPr kumimoji="1" lang="en-US" altLang="ko-KR" sz="1000" b="0" i="0" u="none" strike="noStrike" kern="1200" cap="none" spc="0" normalizeH="0" baseline="0" noProof="0" dirty="0" smtClean="0">
                           <a:ln>
                             <a:noFill/>
                           </a:ln>
@@ -7202,7 +7145,7 @@
                         <a:t>(</a:t>
                       </a:r>
                       <a:r>
-                        <a:rPr kumimoji="1" lang="ko-KR" altLang="en-US" sz="1100" b="0" i="0" u="none" strike="noStrike" kern="1200" cap="none" spc="0" normalizeH="0" baseline="0" noProof="0" dirty="0" smtClean="0">
+                        <a:rPr kumimoji="1" lang="ko-KR" altLang="en-US" sz="1000" b="0" i="0" u="none" strike="noStrike" kern="1200" cap="none" spc="0" normalizeH="0" baseline="0" noProof="0" dirty="0" smtClean="0">
                           <a:ln>
                             <a:noFill/>
                           </a:ln>
@@ -7220,7 +7163,7 @@
                         <a:t>원종권 선임</a:t>
                       </a:r>
                       <a:r>
-                        <a:rPr kumimoji="1" lang="en-US" altLang="ko-KR" sz="1100" b="0" i="0" u="none" strike="noStrike" kern="1200" cap="none" spc="0" normalizeH="0" baseline="0" noProof="0" dirty="0" smtClean="0">
+                        <a:rPr kumimoji="1" lang="en-US" altLang="ko-KR" sz="1000" b="0" i="0" u="none" strike="noStrike" kern="1200" cap="none" spc="0" normalizeH="0" baseline="0" noProof="0" dirty="0" smtClean="0">
                           <a:ln>
                             <a:noFill/>
                           </a:ln>
@@ -7238,7 +7181,7 @@
                         <a:t>), </a:t>
                       </a:r>
                       <a:r>
-                        <a:rPr kumimoji="1" lang="ko-KR" altLang="en-US" sz="1100" b="0" i="0" u="none" strike="noStrike" kern="1200" cap="none" spc="0" normalizeH="0" baseline="0" noProof="0" dirty="0" smtClean="0">
+                        <a:rPr kumimoji="1" lang="ko-KR" altLang="en-US" sz="1000" b="0" i="0" u="none" strike="noStrike" kern="1200" cap="none" spc="0" normalizeH="0" baseline="0" noProof="0" dirty="0" smtClean="0">
                           <a:ln>
                             <a:noFill/>
                           </a:ln>
@@ -7255,42 +7198,6 @@
                         </a:rPr>
                         <a:t>시스템 적용을 위한 카메라 설치 가능 여부 검토 및 추가 검토 요청</a:t>
                       </a:r>
-                      <a:endParaRPr kumimoji="1" lang="en-US" altLang="ko-KR" sz="1100" b="0" i="0" u="none" strike="noStrike" kern="1200" cap="none" spc="0" normalizeH="0" baseline="0" noProof="0" dirty="0" smtClean="0">
-                        <a:ln>
-                          <a:noFill/>
-                        </a:ln>
-                        <a:solidFill>
-                          <a:schemeClr val="tx1"/>
-                        </a:solidFill>
-                        <a:effectLst/>
-                        <a:uLnTx/>
-                        <a:uFillTx/>
-                        <a:latin typeface="Arial Narrow" panose="020B0606020202030204" pitchFamily="34" charset="0"/>
-                        <a:ea typeface="LG스마트체 Regular" panose="020B0600000101010101" pitchFamily="50" charset="-127"/>
-                        <a:cs typeface="Arial" pitchFamily="34" charset="0"/>
-                        <a:sym typeface="Wingdings" pitchFamily="2" charset="2"/>
-                      </a:endParaRPr>
-                    </a:p>
-                    <a:p>
-                      <a:pPr marL="0" marR="0" lvl="0" indent="0" algn="l" defTabSz="914400" rtl="0" eaLnBrk="1" fontAlgn="auto" latinLnBrk="1" hangingPunct="1">
-                        <a:lnSpc>
-                          <a:spcPct val="150000"/>
-                        </a:lnSpc>
-                        <a:spcBef>
-                          <a:spcPts val="0"/>
-                        </a:spcBef>
-                        <a:spcAft>
-                          <a:spcPts val="0"/>
-                        </a:spcAft>
-                        <a:buClrTx/>
-                        <a:buSzTx/>
-                        <a:buFont typeface="Wingdings" pitchFamily="2" charset="2"/>
-                        <a:buNone/>
-                        <a:tabLst>
-                          <a:tab pos="541338" algn="l"/>
-                        </a:tabLst>
-                        <a:defRPr/>
-                      </a:pPr>
                       <a:endParaRPr kumimoji="1" lang="en-US" altLang="ko-KR" sz="1000" b="0" i="0" u="none" strike="noStrike" kern="1200" cap="none" spc="0" normalizeH="0" baseline="0" noProof="0" dirty="0" smtClean="0">
                         <a:ln>
                           <a:noFill/>
@@ -7327,43 +7234,7 @@
                         </a:tabLst>
                         <a:defRPr/>
                       </a:pPr>
-                      <a:r>
-                        <a:rPr kumimoji="1" lang="en-US" altLang="ko-KR" sz="1100" b="0" i="0" u="none" strike="noStrike" kern="1200" cap="none" spc="0" normalizeH="0" baseline="0" noProof="0" dirty="0" smtClean="0">
-                          <a:ln>
-                            <a:noFill/>
-                          </a:ln>
-                          <a:solidFill>
-                            <a:schemeClr val="tx1"/>
-                          </a:solidFill>
-                          <a:effectLst/>
-                          <a:uLnTx/>
-                          <a:uFillTx/>
-                          <a:latin typeface="Arial Narrow" panose="020B0606020202030204" pitchFamily="34" charset="0"/>
-                          <a:ea typeface="LG스마트체 Regular" panose="020B0600000101010101" pitchFamily="50" charset="-127"/>
-                          <a:cs typeface="Arial" pitchFamily="34" charset="0"/>
-                          <a:sym typeface="Wingdings" pitchFamily="2" charset="2"/>
-                        </a:rPr>
-                        <a:t>2 </a:t>
-                      </a:r>
-                      <a:r>
-                        <a:rPr kumimoji="1" lang="ko-KR" altLang="en-US" sz="1100" b="0" i="0" u="none" strike="noStrike" kern="1200" cap="none" spc="0" normalizeH="0" baseline="0" noProof="0" dirty="0" smtClean="0">
-                          <a:ln>
-                            <a:noFill/>
-                          </a:ln>
-                          <a:solidFill>
-                            <a:schemeClr val="tx1"/>
-                          </a:solidFill>
-                          <a:effectLst/>
-                          <a:uLnTx/>
-                          <a:uFillTx/>
-                          <a:latin typeface="Arial Narrow" panose="020B0606020202030204" pitchFamily="34" charset="0"/>
-                          <a:ea typeface="LG스마트체 Regular" panose="020B0600000101010101" pitchFamily="50" charset="-127"/>
-                          <a:cs typeface="Arial" pitchFamily="34" charset="0"/>
-                          <a:sym typeface="Wingdings" pitchFamily="2" charset="2"/>
-                        </a:rPr>
-                        <a:t>논의사항</a:t>
-                      </a:r>
-                      <a:endParaRPr kumimoji="1" lang="en-US" altLang="ko-KR" sz="1100" b="0" i="0" u="none" strike="noStrike" kern="1200" cap="none" spc="0" normalizeH="0" baseline="0" noProof="0" dirty="0" smtClean="0">
+                      <a:endParaRPr kumimoji="1" lang="en-US" altLang="ko-KR" sz="900" b="0" i="0" u="none" strike="noStrike" kern="1200" cap="none" spc="0" normalizeH="0" baseline="0" noProof="0" dirty="0" smtClean="0">
                         <a:ln>
                           <a:noFill/>
                         </a:ln>
@@ -7400,7 +7271,7 @@
                         <a:defRPr/>
                       </a:pPr>
                       <a:r>
-                        <a:rPr kumimoji="1" lang="en-US" altLang="ko-KR" sz="1100" b="0" i="0" u="none" strike="noStrike" kern="1200" cap="none" spc="0" normalizeH="0" baseline="0" noProof="0" dirty="0" smtClean="0">
+                        <a:rPr kumimoji="1" lang="en-US" altLang="ko-KR" sz="1000" b="0" i="0" u="none" strike="noStrike" kern="1200" cap="none" spc="0" normalizeH="0" baseline="0" noProof="0" dirty="0" smtClean="0">
                           <a:ln>
                             <a:noFill/>
                           </a:ln>
@@ -7415,10 +7286,10 @@
                           <a:cs typeface="Arial" pitchFamily="34" charset="0"/>
                           <a:sym typeface="Wingdings" pitchFamily="2" charset="2"/>
                         </a:rPr>
-                        <a:t>1) </a:t>
-                      </a:r>
-                      <a:r>
-                        <a:rPr kumimoji="1" lang="ko-KR" altLang="en-US" sz="1100" b="0" i="0" u="none" strike="noStrike" kern="1200" cap="none" spc="0" normalizeH="0" baseline="0" noProof="0" dirty="0" smtClean="0">
+                        <a:t>2 </a:t>
+                      </a:r>
+                      <a:r>
+                        <a:rPr kumimoji="1" lang="ko-KR" altLang="en-US" sz="1000" b="0" i="0" u="none" strike="noStrike" kern="1200" cap="none" spc="0" normalizeH="0" baseline="0" noProof="0" dirty="0" smtClean="0">
                           <a:ln>
                             <a:noFill/>
                           </a:ln>
@@ -7433,458 +7304,8 @@
                           <a:cs typeface="Arial" pitchFamily="34" charset="0"/>
                           <a:sym typeface="Wingdings" pitchFamily="2" charset="2"/>
                         </a:rPr>
-                        <a:t>라인 내 카메라 설치 관련 논의</a:t>
-                      </a:r>
-                      <a:endParaRPr kumimoji="1" lang="en-US" altLang="ko-KR" sz="1100" b="0" i="0" u="none" strike="noStrike" kern="1200" cap="none" spc="0" normalizeH="0" baseline="0" noProof="0" dirty="0" smtClean="0">
-                        <a:ln>
-                          <a:noFill/>
-                        </a:ln>
-                        <a:solidFill>
-                          <a:schemeClr val="tx1"/>
-                        </a:solidFill>
-                        <a:effectLst/>
-                        <a:uLnTx/>
-                        <a:uFillTx/>
-                        <a:latin typeface="Arial Narrow" panose="020B0606020202030204" pitchFamily="34" charset="0"/>
-                        <a:ea typeface="LG스마트체 Regular" panose="020B0600000101010101" pitchFamily="50" charset="-127"/>
-                        <a:cs typeface="Arial" pitchFamily="34" charset="0"/>
-                        <a:sym typeface="Wingdings" pitchFamily="2" charset="2"/>
-                      </a:endParaRPr>
-                    </a:p>
-                    <a:p>
-                      <a:pPr marL="0" marR="0" lvl="0" indent="0" algn="l" defTabSz="914400" rtl="0" eaLnBrk="1" fontAlgn="auto" latinLnBrk="1" hangingPunct="1">
-                        <a:lnSpc>
-                          <a:spcPct val="150000"/>
-                        </a:lnSpc>
-                        <a:spcBef>
-                          <a:spcPts val="0"/>
-                        </a:spcBef>
-                        <a:spcAft>
-                          <a:spcPts val="0"/>
-                        </a:spcAft>
-                        <a:buClrTx/>
-                        <a:buSzTx/>
-                        <a:buFont typeface="Wingdings" pitchFamily="2" charset="2"/>
-                        <a:buNone/>
-                        <a:tabLst>
-                          <a:tab pos="541338" algn="l"/>
-                        </a:tabLst>
-                        <a:defRPr/>
-                      </a:pPr>
-                      <a:r>
-                        <a:rPr kumimoji="1" lang="en-US" altLang="ko-KR" sz="1100" b="0" i="0" u="none" strike="noStrike" kern="1200" cap="none" spc="0" normalizeH="0" baseline="0" noProof="0" dirty="0" smtClean="0">
-                          <a:ln>
-                            <a:noFill/>
-                          </a:ln>
-                          <a:solidFill>
-                            <a:schemeClr val="tx1"/>
-                          </a:solidFill>
-                          <a:effectLst/>
-                          <a:uLnTx/>
-                          <a:uFillTx/>
-                          <a:latin typeface="Arial Narrow" panose="020B0606020202030204" pitchFamily="34" charset="0"/>
-                          <a:ea typeface="LG스마트체 Regular" panose="020B0600000101010101" pitchFamily="50" charset="-127"/>
-                          <a:cs typeface="Arial" pitchFamily="34" charset="0"/>
-                          <a:sym typeface="Wingdings" pitchFamily="2" charset="2"/>
-                        </a:rPr>
-                        <a:t>-. </a:t>
-                      </a:r>
-                      <a:r>
-                        <a:rPr kumimoji="1" lang="ko-KR" altLang="en-US" sz="1100" b="0" i="0" u="none" strike="noStrike" kern="1200" cap="none" spc="0" normalizeH="0" baseline="0" noProof="0" dirty="0" smtClean="0">
-                          <a:ln>
-                            <a:noFill/>
-                          </a:ln>
-                          <a:solidFill>
-                            <a:schemeClr val="tx1"/>
-                          </a:solidFill>
-                          <a:effectLst/>
-                          <a:uLnTx/>
-                          <a:uFillTx/>
-                          <a:latin typeface="Arial Narrow" panose="020B0606020202030204" pitchFamily="34" charset="0"/>
-                          <a:ea typeface="LG스마트체 Regular" panose="020B0600000101010101" pitchFamily="50" charset="-127"/>
-                          <a:cs typeface="Arial" pitchFamily="34" charset="0"/>
-                          <a:sym typeface="Wingdings" pitchFamily="2" charset="2"/>
-                        </a:rPr>
-                        <a:t>희성전자 생산 라인 내 공간이 협소하여 카메라 설치가 어려울 것으로 예상됨</a:t>
-                      </a:r>
-                      <a:endParaRPr kumimoji="1" lang="en-US" altLang="ko-KR" sz="1100" b="0" i="0" u="none" strike="noStrike" kern="1200" cap="none" spc="0" normalizeH="0" baseline="0" noProof="0" dirty="0" smtClean="0">
-                        <a:ln>
-                          <a:noFill/>
-                        </a:ln>
-                        <a:solidFill>
-                          <a:schemeClr val="tx1"/>
-                        </a:solidFill>
-                        <a:effectLst/>
-                        <a:uLnTx/>
-                        <a:uFillTx/>
-                        <a:latin typeface="Arial Narrow" panose="020B0606020202030204" pitchFamily="34" charset="0"/>
-                        <a:ea typeface="LG스마트체 Regular" panose="020B0600000101010101" pitchFamily="50" charset="-127"/>
-                        <a:cs typeface="Arial" pitchFamily="34" charset="0"/>
-                        <a:sym typeface="Wingdings" pitchFamily="2" charset="2"/>
-                      </a:endParaRPr>
-                    </a:p>
-                    <a:p>
-                      <a:pPr marL="0" marR="0" lvl="0" indent="0" algn="l" defTabSz="914400" rtl="0" eaLnBrk="1" fontAlgn="auto" latinLnBrk="1" hangingPunct="1">
-                        <a:lnSpc>
-                          <a:spcPct val="150000"/>
-                        </a:lnSpc>
-                        <a:spcBef>
-                          <a:spcPts val="0"/>
-                        </a:spcBef>
-                        <a:spcAft>
-                          <a:spcPts val="0"/>
-                        </a:spcAft>
-                        <a:buClrTx/>
-                        <a:buSzTx/>
-                        <a:buFont typeface="Wingdings" pitchFamily="2" charset="2"/>
-                        <a:buNone/>
-                        <a:tabLst>
-                          <a:tab pos="541338" algn="l"/>
-                        </a:tabLst>
-                        <a:defRPr/>
-                      </a:pPr>
-                      <a:r>
-                        <a:rPr kumimoji="1" lang="en-US" altLang="ko-KR" sz="1100" b="0" i="0" u="none" strike="noStrike" kern="1200" cap="none" spc="0" normalizeH="0" baseline="0" noProof="0" dirty="0" smtClean="0">
-                          <a:ln>
-                            <a:noFill/>
-                          </a:ln>
-                          <a:solidFill>
-                            <a:schemeClr val="tx1"/>
-                          </a:solidFill>
-                          <a:effectLst/>
-                          <a:uLnTx/>
-                          <a:uFillTx/>
-                          <a:latin typeface="Arial Narrow" panose="020B0606020202030204" pitchFamily="34" charset="0"/>
-                          <a:ea typeface="LG스마트체 Regular" panose="020B0600000101010101" pitchFamily="50" charset="-127"/>
-                          <a:cs typeface="Arial" pitchFamily="34" charset="0"/>
-                          <a:sym typeface="Wingdings" pitchFamily="2" charset="2"/>
-                        </a:rPr>
-                        <a:t>-. Press / </a:t>
-                      </a:r>
-                      <a:r>
-                        <a:rPr kumimoji="1" lang="ko-KR" altLang="en-US" sz="1100" b="0" i="0" u="none" strike="noStrike" kern="1200" cap="none" spc="0" normalizeH="0" baseline="0" noProof="0" dirty="0" err="1" smtClean="0">
-                          <a:ln>
-                            <a:noFill/>
-                          </a:ln>
-                          <a:solidFill>
-                            <a:schemeClr val="tx1"/>
-                          </a:solidFill>
-                          <a:effectLst/>
-                          <a:uLnTx/>
-                          <a:uFillTx/>
-                          <a:latin typeface="Arial Narrow" panose="020B0606020202030204" pitchFamily="34" charset="0"/>
-                          <a:ea typeface="LG스마트체 Regular" panose="020B0600000101010101" pitchFamily="50" charset="-127"/>
-                          <a:cs typeface="Arial" pitchFamily="34" charset="0"/>
-                          <a:sym typeface="Wingdings" pitchFamily="2" charset="2"/>
-                        </a:rPr>
-                        <a:t>사출처의</a:t>
-                      </a:r>
-                      <a:r>
-                        <a:rPr kumimoji="1" lang="ko-KR" altLang="en-US" sz="1100" b="0" i="0" u="none" strike="noStrike" kern="1200" cap="none" spc="0" normalizeH="0" baseline="0" noProof="0" dirty="0" smtClean="0">
-                          <a:ln>
-                            <a:noFill/>
-                          </a:ln>
-                          <a:solidFill>
-                            <a:schemeClr val="tx1"/>
-                          </a:solidFill>
-                          <a:effectLst/>
-                          <a:uLnTx/>
-                          <a:uFillTx/>
-                          <a:latin typeface="Arial Narrow" panose="020B0606020202030204" pitchFamily="34" charset="0"/>
-                          <a:ea typeface="LG스마트체 Regular" panose="020B0600000101010101" pitchFamily="50" charset="-127"/>
-                          <a:cs typeface="Arial" pitchFamily="34" charset="0"/>
-                          <a:sym typeface="Wingdings" pitchFamily="2" charset="2"/>
-                        </a:rPr>
-                        <a:t> 경우 천장에 고정하는 방식으로 설치가 가능할 것으로 생각되나 실질적인 판정을 위해서는 후면</a:t>
-                      </a:r>
-                      <a:r>
-                        <a:rPr kumimoji="1" lang="en-US" altLang="ko-KR" sz="1100" b="0" i="0" u="none" strike="noStrike" kern="1200" cap="none" spc="0" normalizeH="0" baseline="0" noProof="0" dirty="0" smtClean="0">
-                          <a:ln>
-                            <a:noFill/>
-                          </a:ln>
-                          <a:solidFill>
-                            <a:schemeClr val="tx1"/>
-                          </a:solidFill>
-                          <a:effectLst/>
-                          <a:uLnTx/>
-                          <a:uFillTx/>
-                          <a:latin typeface="Arial Narrow" panose="020B0606020202030204" pitchFamily="34" charset="0"/>
-                          <a:ea typeface="LG스마트체 Regular" panose="020B0600000101010101" pitchFamily="50" charset="-127"/>
-                          <a:cs typeface="Arial" pitchFamily="34" charset="0"/>
-                          <a:sym typeface="Wingdings" pitchFamily="2" charset="2"/>
-                        </a:rPr>
-                        <a:t>, </a:t>
-                      </a:r>
-                      <a:r>
-                        <a:rPr kumimoji="1" lang="ko-KR" altLang="en-US" sz="1100" b="0" i="0" u="none" strike="noStrike" kern="1200" cap="none" spc="0" normalizeH="0" baseline="0" noProof="0" dirty="0" smtClean="0">
-                          <a:ln>
-                            <a:noFill/>
-                          </a:ln>
-                          <a:solidFill>
-                            <a:schemeClr val="tx1"/>
-                          </a:solidFill>
-                          <a:effectLst/>
-                          <a:uLnTx/>
-                          <a:uFillTx/>
-                          <a:latin typeface="Arial Narrow" panose="020B0606020202030204" pitchFamily="34" charset="0"/>
-                          <a:ea typeface="LG스마트체 Regular" panose="020B0600000101010101" pitchFamily="50" charset="-127"/>
-                          <a:cs typeface="Arial" pitchFamily="34" charset="0"/>
-                          <a:sym typeface="Wingdings" pitchFamily="2" charset="2"/>
-                        </a:rPr>
-                        <a:t>측면 등 여러 방향에서의 판정이 필요함</a:t>
-                      </a:r>
-                      <a:endParaRPr kumimoji="1" lang="en-US" altLang="ko-KR" sz="1100" b="0" i="0" u="none" strike="noStrike" kern="1200" cap="none" spc="0" normalizeH="0" baseline="0" noProof="0" dirty="0" smtClean="0">
-                        <a:ln>
-                          <a:noFill/>
-                        </a:ln>
-                        <a:solidFill>
-                          <a:schemeClr val="tx1"/>
-                        </a:solidFill>
-                        <a:effectLst/>
-                        <a:uLnTx/>
-                        <a:uFillTx/>
-                        <a:latin typeface="Arial Narrow" panose="020B0606020202030204" pitchFamily="34" charset="0"/>
-                        <a:ea typeface="LG스마트체 Regular" panose="020B0600000101010101" pitchFamily="50" charset="-127"/>
-                        <a:cs typeface="Arial" pitchFamily="34" charset="0"/>
-                        <a:sym typeface="Wingdings" pitchFamily="2" charset="2"/>
-                      </a:endParaRPr>
-                    </a:p>
-                    <a:p>
-                      <a:pPr marL="0" marR="0" lvl="0" indent="0" algn="l" defTabSz="914400" rtl="0" eaLnBrk="1" fontAlgn="auto" latinLnBrk="1" hangingPunct="1">
-                        <a:lnSpc>
-                          <a:spcPct val="150000"/>
-                        </a:lnSpc>
-                        <a:spcBef>
-                          <a:spcPts val="0"/>
-                        </a:spcBef>
-                        <a:spcAft>
-                          <a:spcPts val="0"/>
-                        </a:spcAft>
-                        <a:buClrTx/>
-                        <a:buSzTx/>
-                        <a:buFont typeface="Wingdings" pitchFamily="2" charset="2"/>
-                        <a:buNone/>
-                        <a:tabLst>
-                          <a:tab pos="541338" algn="l"/>
-                        </a:tabLst>
-                        <a:defRPr/>
-                      </a:pPr>
-                      <a:r>
-                        <a:rPr kumimoji="1" lang="ko-KR" altLang="en-US" sz="1100" b="0" i="0" u="none" strike="noStrike" kern="1200" cap="none" spc="0" normalizeH="0" baseline="0" noProof="0" dirty="0" smtClean="0">
-                          <a:ln>
-                            <a:noFill/>
-                          </a:ln>
-                          <a:solidFill>
-                            <a:schemeClr val="tx1"/>
-                          </a:solidFill>
-                          <a:effectLst/>
-                          <a:uLnTx/>
-                          <a:uFillTx/>
-                          <a:latin typeface="Arial Narrow" panose="020B0606020202030204" pitchFamily="34" charset="0"/>
-                          <a:ea typeface="LG스마트체 Regular" panose="020B0600000101010101" pitchFamily="50" charset="-127"/>
-                          <a:cs typeface="Arial" pitchFamily="34" charset="0"/>
-                          <a:sym typeface="Wingdings" pitchFamily="2" charset="2"/>
-                        </a:rPr>
-                        <a:t>   → 추후 출장 대응을 통해 업체별 라인 점검 및 카메라 설치 가능 여부 확인 예정</a:t>
-                      </a:r>
-                      <a:endParaRPr kumimoji="1" lang="en-US" altLang="ko-KR" sz="1100" b="0" i="0" u="none" strike="noStrike" kern="1200" cap="none" spc="0" normalizeH="0" baseline="0" noProof="0" dirty="0" smtClean="0">
-                        <a:ln>
-                          <a:noFill/>
-                        </a:ln>
-                        <a:solidFill>
-                          <a:schemeClr val="tx1"/>
-                        </a:solidFill>
-                        <a:effectLst/>
-                        <a:uLnTx/>
-                        <a:uFillTx/>
-                        <a:latin typeface="Arial Narrow" panose="020B0606020202030204" pitchFamily="34" charset="0"/>
-                        <a:ea typeface="LG스마트체 Regular" panose="020B0600000101010101" pitchFamily="50" charset="-127"/>
-                        <a:cs typeface="Arial" pitchFamily="34" charset="0"/>
-                        <a:sym typeface="Wingdings" pitchFamily="2" charset="2"/>
-                      </a:endParaRPr>
-                    </a:p>
-                    <a:p>
-                      <a:pPr marL="0" marR="0" lvl="0" indent="0" algn="l" defTabSz="914400" rtl="0" eaLnBrk="1" fontAlgn="auto" latinLnBrk="1" hangingPunct="1">
-                        <a:lnSpc>
-                          <a:spcPct val="150000"/>
-                        </a:lnSpc>
-                        <a:spcBef>
-                          <a:spcPts val="0"/>
-                        </a:spcBef>
-                        <a:spcAft>
-                          <a:spcPts val="0"/>
-                        </a:spcAft>
-                        <a:buClrTx/>
-                        <a:buSzTx/>
-                        <a:buFont typeface="Wingdings" pitchFamily="2" charset="2"/>
-                        <a:buNone/>
-                        <a:tabLst>
-                          <a:tab pos="541338" algn="l"/>
-                        </a:tabLst>
-                        <a:defRPr/>
-                      </a:pPr>
-                      <a:r>
-                        <a:rPr kumimoji="1" lang="ko-KR" altLang="en-US" sz="1100" b="0" i="0" u="none" strike="noStrike" kern="1200" cap="none" spc="0" normalizeH="0" baseline="0" noProof="0" dirty="0" smtClean="0">
-                          <a:ln>
-                            <a:noFill/>
-                          </a:ln>
-                          <a:solidFill>
-                            <a:schemeClr val="tx1"/>
-                          </a:solidFill>
-                          <a:effectLst/>
-                          <a:uLnTx/>
-                          <a:uFillTx/>
-                          <a:latin typeface="Arial Narrow" panose="020B0606020202030204" pitchFamily="34" charset="0"/>
-                          <a:ea typeface="LG스마트체 Regular" panose="020B0600000101010101" pitchFamily="50" charset="-127"/>
-                          <a:cs typeface="Arial" pitchFamily="34" charset="0"/>
-                          <a:sym typeface="Wingdings" pitchFamily="2" charset="2"/>
-                        </a:rPr>
-                        <a:t>   → 천장 고정 방식의 경우 공간 확보에는 유리하나 측정 거리에 대한 검토가 선행되어야 함</a:t>
-                      </a:r>
-                      <a:r>
-                        <a:rPr kumimoji="1" lang="en-US" altLang="ko-KR" sz="1100" b="0" i="0" u="none" strike="noStrike" kern="1200" cap="none" spc="0" normalizeH="0" baseline="0" noProof="0" dirty="0" smtClean="0">
-                          <a:ln>
-                            <a:noFill/>
-                          </a:ln>
-                          <a:solidFill>
-                            <a:schemeClr val="tx1"/>
-                          </a:solidFill>
-                          <a:effectLst/>
-                          <a:uLnTx/>
-                          <a:uFillTx/>
-                          <a:latin typeface="Arial Narrow" panose="020B0606020202030204" pitchFamily="34" charset="0"/>
-                          <a:ea typeface="LG스마트체 Regular" panose="020B0600000101010101" pitchFamily="50" charset="-127"/>
-                          <a:cs typeface="Arial" pitchFamily="34" charset="0"/>
-                          <a:sym typeface="Wingdings" pitchFamily="2" charset="2"/>
-                        </a:rPr>
-                        <a:t>(</a:t>
-                      </a:r>
-                      <a:r>
-                        <a:rPr kumimoji="1" lang="ko-KR" altLang="en-US" sz="1100" b="0" i="0" u="none" strike="noStrike" kern="1200" cap="none" spc="0" normalizeH="0" baseline="0" noProof="0" dirty="0" smtClean="0">
-                          <a:ln>
-                            <a:noFill/>
-                          </a:ln>
-                          <a:solidFill>
-                            <a:schemeClr val="tx1"/>
-                          </a:solidFill>
-                          <a:effectLst/>
-                          <a:uLnTx/>
-                          <a:uFillTx/>
-                          <a:latin typeface="Arial Narrow" panose="020B0606020202030204" pitchFamily="34" charset="0"/>
-                          <a:ea typeface="LG스마트체 Regular" panose="020B0600000101010101" pitchFamily="50" charset="-127"/>
-                          <a:cs typeface="Arial" pitchFamily="34" charset="0"/>
-                          <a:sym typeface="Wingdings" pitchFamily="2" charset="2"/>
-                        </a:rPr>
-                        <a:t>자체 </a:t>
-                      </a:r>
-                      <a:r>
-                        <a:rPr kumimoji="1" lang="ko-KR" altLang="en-US" sz="1100" b="0" i="0" u="none" strike="noStrike" kern="1200" cap="none" spc="0" normalizeH="0" baseline="0" noProof="0" dirty="0" err="1" smtClean="0">
-                          <a:ln>
-                            <a:noFill/>
-                          </a:ln>
-                          <a:solidFill>
-                            <a:schemeClr val="tx1"/>
-                          </a:solidFill>
-                          <a:effectLst/>
-                          <a:uLnTx/>
-                          <a:uFillTx/>
-                          <a:latin typeface="Arial Narrow" panose="020B0606020202030204" pitchFamily="34" charset="0"/>
-                          <a:ea typeface="LG스마트체 Regular" panose="020B0600000101010101" pitchFamily="50" charset="-127"/>
-                          <a:cs typeface="Arial" pitchFamily="34" charset="0"/>
-                          <a:sym typeface="Wingdings" pitchFamily="2" charset="2"/>
-                        </a:rPr>
-                        <a:t>검토시</a:t>
-                      </a:r>
-                      <a:r>
-                        <a:rPr kumimoji="1" lang="ko-KR" altLang="en-US" sz="1100" b="0" i="0" u="none" strike="noStrike" kern="1200" cap="none" spc="0" normalizeH="0" baseline="0" noProof="0" dirty="0" smtClean="0">
-                          <a:ln>
-                            <a:noFill/>
-                          </a:ln>
-                          <a:solidFill>
-                            <a:schemeClr val="tx1"/>
-                          </a:solidFill>
-                          <a:effectLst/>
-                          <a:uLnTx/>
-                          <a:uFillTx/>
-                          <a:latin typeface="Arial Narrow" panose="020B0606020202030204" pitchFamily="34" charset="0"/>
-                          <a:ea typeface="LG스마트체 Regular" panose="020B0600000101010101" pitchFamily="50" charset="-127"/>
-                          <a:cs typeface="Arial" pitchFamily="34" charset="0"/>
-                          <a:sym typeface="Wingdings" pitchFamily="2" charset="2"/>
-                        </a:rPr>
-                        <a:t> 측정 거리에 따른 판정 정확도 </a:t>
-                      </a:r>
-                      <a:r>
-                        <a:rPr kumimoji="1" lang="ko-KR" altLang="en-US" sz="1100" b="0" i="0" u="none" strike="noStrike" kern="1200" cap="none" spc="0" normalizeH="0" baseline="0" noProof="0" dirty="0" err="1" smtClean="0">
-                          <a:ln>
-                            <a:noFill/>
-                          </a:ln>
-                          <a:solidFill>
-                            <a:schemeClr val="tx1"/>
-                          </a:solidFill>
-                          <a:effectLst/>
-                          <a:uLnTx/>
-                          <a:uFillTx/>
-                          <a:latin typeface="Arial Narrow" panose="020B0606020202030204" pitchFamily="34" charset="0"/>
-                          <a:ea typeface="LG스마트체 Regular" panose="020B0600000101010101" pitchFamily="50" charset="-127"/>
-                          <a:cs typeface="Arial" pitchFamily="34" charset="0"/>
-                          <a:sym typeface="Wingdings" pitchFamily="2" charset="2"/>
-                        </a:rPr>
-                        <a:t>유의차</a:t>
-                      </a:r>
-                      <a:r>
-                        <a:rPr kumimoji="1" lang="ko-KR" altLang="en-US" sz="1100" b="0" i="0" u="none" strike="noStrike" kern="1200" cap="none" spc="0" normalizeH="0" baseline="0" noProof="0" dirty="0" smtClean="0">
-                          <a:ln>
-                            <a:noFill/>
-                          </a:ln>
-                          <a:solidFill>
-                            <a:schemeClr val="tx1"/>
-                          </a:solidFill>
-                          <a:effectLst/>
-                          <a:uLnTx/>
-                          <a:uFillTx/>
-                          <a:latin typeface="Arial Narrow" panose="020B0606020202030204" pitchFamily="34" charset="0"/>
-                          <a:ea typeface="LG스마트체 Regular" panose="020B0600000101010101" pitchFamily="50" charset="-127"/>
-                          <a:cs typeface="Arial" pitchFamily="34" charset="0"/>
-                          <a:sym typeface="Wingdings" pitchFamily="2" charset="2"/>
-                        </a:rPr>
-                        <a:t> 존재</a:t>
-                      </a:r>
-                      <a:endParaRPr kumimoji="1" lang="en-US" altLang="ko-KR" sz="1100" b="0" i="0" u="none" strike="noStrike" kern="1200" cap="none" spc="0" normalizeH="0" baseline="0" noProof="0" dirty="0" smtClean="0">
-                        <a:ln>
-                          <a:noFill/>
-                        </a:ln>
-                        <a:solidFill>
-                          <a:schemeClr val="tx1"/>
-                        </a:solidFill>
-                        <a:effectLst/>
-                        <a:uLnTx/>
-                        <a:uFillTx/>
-                        <a:latin typeface="Arial Narrow" panose="020B0606020202030204" pitchFamily="34" charset="0"/>
-                        <a:ea typeface="LG스마트체 Regular" panose="020B0600000101010101" pitchFamily="50" charset="-127"/>
-                        <a:cs typeface="Arial" pitchFamily="34" charset="0"/>
-                        <a:sym typeface="Wingdings" pitchFamily="2" charset="2"/>
-                      </a:endParaRPr>
-                    </a:p>
-                    <a:p>
-                      <a:pPr marL="0" marR="0" lvl="0" indent="0" algn="l" defTabSz="914400" rtl="0" eaLnBrk="1" fontAlgn="auto" latinLnBrk="1" hangingPunct="1">
-                        <a:lnSpc>
-                          <a:spcPct val="150000"/>
-                        </a:lnSpc>
-                        <a:spcBef>
-                          <a:spcPts val="0"/>
-                        </a:spcBef>
-                        <a:spcAft>
-                          <a:spcPts val="0"/>
-                        </a:spcAft>
-                        <a:buClrTx/>
-                        <a:buSzTx/>
-                        <a:buFont typeface="Wingdings" pitchFamily="2" charset="2"/>
-                        <a:buNone/>
-                        <a:tabLst>
-                          <a:tab pos="541338" algn="l"/>
-                        </a:tabLst>
-                        <a:defRPr/>
-                      </a:pPr>
+                        <a:t>논의사항</a:t>
+                      </a:r>
                       <a:endParaRPr kumimoji="1" lang="en-US" altLang="ko-KR" sz="1000" b="0" i="0" u="none" strike="noStrike" kern="1200" cap="none" spc="0" normalizeH="0" baseline="0" noProof="0" dirty="0" smtClean="0">
                         <a:ln>
                           <a:noFill/>
@@ -7922,7 +7343,7 @@
                         <a:defRPr/>
                       </a:pPr>
                       <a:r>
-                        <a:rPr kumimoji="1" lang="en-US" altLang="ko-KR" sz="1100" b="0" i="0" u="none" strike="noStrike" kern="1200" cap="none" spc="0" normalizeH="0" baseline="0" noProof="0" dirty="0" smtClean="0">
+                        <a:rPr kumimoji="1" lang="en-US" altLang="ko-KR" sz="1000" b="0" i="0" u="none" strike="noStrike" kern="1200" cap="none" spc="0" normalizeH="0" baseline="0" noProof="0" dirty="0" smtClean="0">
                           <a:ln>
                             <a:noFill/>
                           </a:ln>
@@ -7937,10 +7358,10 @@
                           <a:cs typeface="Arial" pitchFamily="34" charset="0"/>
                           <a:sym typeface="Wingdings" pitchFamily="2" charset="2"/>
                         </a:rPr>
-                        <a:t>2) </a:t>
-                      </a:r>
-                      <a:r>
-                        <a:rPr kumimoji="1" lang="ko-KR" altLang="en-US" sz="1100" b="0" i="0" u="none" strike="noStrike" kern="1200" cap="none" spc="0" normalizeH="0" baseline="0" noProof="0" dirty="0" smtClean="0">
+                        <a:t>1) </a:t>
+                      </a:r>
+                      <a:r>
+                        <a:rPr kumimoji="1" lang="ko-KR" altLang="en-US" sz="1000" b="0" i="0" u="none" strike="noStrike" kern="1200" cap="none" spc="0" normalizeH="0" baseline="0" noProof="0" dirty="0" smtClean="0">
                           <a:ln>
                             <a:noFill/>
                           </a:ln>
@@ -7955,332 +7376,8 @@
                           <a:cs typeface="Arial" pitchFamily="34" charset="0"/>
                           <a:sym typeface="Wingdings" pitchFamily="2" charset="2"/>
                         </a:rPr>
-                        <a:t>흐름라인에서의 양</a:t>
-                      </a:r>
-                      <a:r>
-                        <a:rPr kumimoji="1" lang="en-US" altLang="ko-KR" sz="1100" b="0" i="0" u="none" strike="noStrike" kern="1200" cap="none" spc="0" normalizeH="0" baseline="0" noProof="0" dirty="0" smtClean="0">
-                          <a:ln>
-                            <a:noFill/>
-                          </a:ln>
-                          <a:solidFill>
-                            <a:schemeClr val="tx1"/>
-                          </a:solidFill>
-                          <a:effectLst/>
-                          <a:uLnTx/>
-                          <a:uFillTx/>
-                          <a:latin typeface="Arial Narrow" panose="020B0606020202030204" pitchFamily="34" charset="0"/>
-                          <a:ea typeface="LG스마트체 Regular" panose="020B0600000101010101" pitchFamily="50" charset="-127"/>
-                          <a:cs typeface="Arial" pitchFamily="34" charset="0"/>
-                          <a:sym typeface="Wingdings" pitchFamily="2" charset="2"/>
-                        </a:rPr>
-                        <a:t>/</a:t>
-                      </a:r>
-                      <a:r>
-                        <a:rPr kumimoji="1" lang="ko-KR" altLang="en-US" sz="1100" b="0" i="0" u="none" strike="noStrike" kern="1200" cap="none" spc="0" normalizeH="0" baseline="0" noProof="0" dirty="0" smtClean="0">
-                          <a:ln>
-                            <a:noFill/>
-                          </a:ln>
-                          <a:solidFill>
-                            <a:schemeClr val="tx1"/>
-                          </a:solidFill>
-                          <a:effectLst/>
-                          <a:uLnTx/>
-                          <a:uFillTx/>
-                          <a:latin typeface="Arial Narrow" panose="020B0606020202030204" pitchFamily="34" charset="0"/>
-                          <a:ea typeface="LG스마트체 Regular" panose="020B0600000101010101" pitchFamily="50" charset="-127"/>
-                          <a:cs typeface="Arial" pitchFamily="34" charset="0"/>
-                          <a:sym typeface="Wingdings" pitchFamily="2" charset="2"/>
-                        </a:rPr>
-                        <a:t>불 판정을 위해 판정 속도에 대한 검토 필요</a:t>
-                      </a:r>
-                      <a:endParaRPr kumimoji="1" lang="en-US" altLang="ko-KR" sz="1100" b="0" i="0" u="none" strike="noStrike" kern="1200" cap="none" spc="0" normalizeH="0" baseline="0" noProof="0" dirty="0" smtClean="0">
-                        <a:ln>
-                          <a:noFill/>
-                        </a:ln>
-                        <a:solidFill>
-                          <a:schemeClr val="tx1"/>
-                        </a:solidFill>
-                        <a:effectLst/>
-                        <a:uLnTx/>
-                        <a:uFillTx/>
-                        <a:latin typeface="Arial Narrow" panose="020B0606020202030204" pitchFamily="34" charset="0"/>
-                        <a:ea typeface="LG스마트체 Regular" panose="020B0600000101010101" pitchFamily="50" charset="-127"/>
-                        <a:cs typeface="Arial" pitchFamily="34" charset="0"/>
-                        <a:sym typeface="Wingdings" pitchFamily="2" charset="2"/>
-                      </a:endParaRPr>
-                    </a:p>
-                    <a:p>
-                      <a:pPr marL="0" marR="0" lvl="0" indent="0" algn="l" defTabSz="914400" rtl="0" eaLnBrk="1" fontAlgn="auto" latinLnBrk="1" hangingPunct="1">
-                        <a:lnSpc>
-                          <a:spcPct val="150000"/>
-                        </a:lnSpc>
-                        <a:spcBef>
-                          <a:spcPts val="0"/>
-                        </a:spcBef>
-                        <a:spcAft>
-                          <a:spcPts val="0"/>
-                        </a:spcAft>
-                        <a:buClrTx/>
-                        <a:buSzTx/>
-                        <a:buFont typeface="Wingdings" pitchFamily="2" charset="2"/>
-                        <a:buNone/>
-                        <a:tabLst>
-                          <a:tab pos="541338" algn="l"/>
-                        </a:tabLst>
-                        <a:defRPr/>
-                      </a:pPr>
-                      <a:r>
-                        <a:rPr kumimoji="1" lang="en-US" altLang="ko-KR" sz="1100" b="0" i="0" u="none" strike="noStrike" kern="1200" cap="none" spc="0" normalizeH="0" baseline="0" noProof="0" dirty="0" smtClean="0">
-                          <a:ln>
-                            <a:noFill/>
-                          </a:ln>
-                          <a:solidFill>
-                            <a:schemeClr val="tx1"/>
-                          </a:solidFill>
-                          <a:effectLst/>
-                          <a:uLnTx/>
-                          <a:uFillTx/>
-                          <a:latin typeface="Arial Narrow" panose="020B0606020202030204" pitchFamily="34" charset="0"/>
-                          <a:ea typeface="LG스마트체 Regular" panose="020B0600000101010101" pitchFamily="50" charset="-127"/>
-                          <a:cs typeface="Arial" pitchFamily="34" charset="0"/>
-                          <a:sym typeface="Wingdings" pitchFamily="2" charset="2"/>
-                        </a:rPr>
-                        <a:t>-. Tack Time </a:t>
-                      </a:r>
-                      <a:r>
-                        <a:rPr kumimoji="1" lang="ko-KR" altLang="en-US" sz="1100" b="0" i="0" u="none" strike="noStrike" kern="1200" cap="none" spc="0" normalizeH="0" baseline="0" noProof="0" dirty="0" smtClean="0">
-                          <a:ln>
-                            <a:noFill/>
-                          </a:ln>
-                          <a:solidFill>
-                            <a:schemeClr val="tx1"/>
-                          </a:solidFill>
-                          <a:effectLst/>
-                          <a:uLnTx/>
-                          <a:uFillTx/>
-                          <a:latin typeface="Arial Narrow" panose="020B0606020202030204" pitchFamily="34" charset="0"/>
-                          <a:ea typeface="LG스마트체 Regular" panose="020B0600000101010101" pitchFamily="50" charset="-127"/>
-                          <a:cs typeface="Arial" pitchFamily="34" charset="0"/>
-                          <a:sym typeface="Wingdings" pitchFamily="2" charset="2"/>
-                        </a:rPr>
-                        <a:t>기준 약 </a:t>
-                      </a:r>
-                      <a:r>
-                        <a:rPr kumimoji="1" lang="en-US" altLang="ko-KR" sz="1100" b="0" i="0" u="none" strike="noStrike" kern="1200" cap="none" spc="0" normalizeH="0" baseline="0" noProof="0" dirty="0" smtClean="0">
-                          <a:ln>
-                            <a:noFill/>
-                          </a:ln>
-                          <a:solidFill>
-                            <a:schemeClr val="tx1"/>
-                          </a:solidFill>
-                          <a:effectLst/>
-                          <a:uLnTx/>
-                          <a:uFillTx/>
-                          <a:latin typeface="Arial Narrow" panose="020B0606020202030204" pitchFamily="34" charset="0"/>
-                          <a:ea typeface="LG스마트체 Regular" panose="020B0600000101010101" pitchFamily="50" charset="-127"/>
-                          <a:cs typeface="Arial" pitchFamily="34" charset="0"/>
-                          <a:sym typeface="Wingdings" pitchFamily="2" charset="2"/>
-                        </a:rPr>
-                        <a:t>7</a:t>
-                      </a:r>
-                      <a:r>
-                        <a:rPr kumimoji="1" lang="ko-KR" altLang="en-US" sz="1100" b="0" i="0" u="none" strike="noStrike" kern="1200" cap="none" spc="0" normalizeH="0" baseline="0" noProof="0" dirty="0" smtClean="0">
-                          <a:ln>
-                            <a:noFill/>
-                          </a:ln>
-                          <a:solidFill>
-                            <a:schemeClr val="tx1"/>
-                          </a:solidFill>
-                          <a:effectLst/>
-                          <a:uLnTx/>
-                          <a:uFillTx/>
-                          <a:latin typeface="Arial Narrow" panose="020B0606020202030204" pitchFamily="34" charset="0"/>
-                          <a:ea typeface="LG스마트체 Regular" panose="020B0600000101010101" pitchFamily="50" charset="-127"/>
-                          <a:cs typeface="Arial" pitchFamily="34" charset="0"/>
-                          <a:sym typeface="Wingdings" pitchFamily="2" charset="2"/>
-                        </a:rPr>
-                        <a:t>초의 속도에서도 판정 가능한 수준의 정확도 확보가 필요함</a:t>
-                      </a:r>
-                      <a:endParaRPr kumimoji="1" lang="en-US" altLang="ko-KR" sz="1100" b="0" i="0" u="none" strike="noStrike" kern="1200" cap="none" spc="0" normalizeH="0" baseline="0" noProof="0" dirty="0" smtClean="0">
-                        <a:ln>
-                          <a:noFill/>
-                        </a:ln>
-                        <a:solidFill>
-                          <a:schemeClr val="tx1"/>
-                        </a:solidFill>
-                        <a:effectLst/>
-                        <a:uLnTx/>
-                        <a:uFillTx/>
-                        <a:latin typeface="Arial Narrow" panose="020B0606020202030204" pitchFamily="34" charset="0"/>
-                        <a:ea typeface="LG스마트체 Regular" panose="020B0600000101010101" pitchFamily="50" charset="-127"/>
-                        <a:cs typeface="Arial" pitchFamily="34" charset="0"/>
-                        <a:sym typeface="Wingdings" pitchFamily="2" charset="2"/>
-                      </a:endParaRPr>
-                    </a:p>
-                    <a:p>
-                      <a:pPr marL="0" marR="0" lvl="0" indent="0" algn="l" defTabSz="914400" rtl="0" eaLnBrk="1" fontAlgn="auto" latinLnBrk="1" hangingPunct="1">
-                        <a:lnSpc>
-                          <a:spcPct val="150000"/>
-                        </a:lnSpc>
-                        <a:spcBef>
-                          <a:spcPts val="0"/>
-                        </a:spcBef>
-                        <a:spcAft>
-                          <a:spcPts val="0"/>
-                        </a:spcAft>
-                        <a:buClrTx/>
-                        <a:buSzTx/>
-                        <a:buFont typeface="Wingdings" pitchFamily="2" charset="2"/>
-                        <a:buNone/>
-                        <a:tabLst>
-                          <a:tab pos="541338" algn="l"/>
-                        </a:tabLst>
-                        <a:defRPr/>
-                      </a:pPr>
-                      <a:r>
-                        <a:rPr kumimoji="1" lang="en-US" altLang="ko-KR" sz="1100" b="0" i="0" u="none" strike="noStrike" kern="1200" cap="none" spc="0" normalizeH="0" baseline="0" noProof="0" dirty="0" smtClean="0">
-                          <a:ln>
-                            <a:noFill/>
-                          </a:ln>
-                          <a:solidFill>
-                            <a:schemeClr val="tx1"/>
-                          </a:solidFill>
-                          <a:effectLst/>
-                          <a:uLnTx/>
-                          <a:uFillTx/>
-                          <a:latin typeface="Arial Narrow" panose="020B0606020202030204" pitchFamily="34" charset="0"/>
-                          <a:ea typeface="LG스마트체 Regular" panose="020B0600000101010101" pitchFamily="50" charset="-127"/>
-                          <a:cs typeface="Arial" pitchFamily="34" charset="0"/>
-                          <a:sym typeface="Wingdings" pitchFamily="2" charset="2"/>
-                        </a:rPr>
-                        <a:t>   </a:t>
-                      </a:r>
-                      <a:r>
-                        <a:rPr kumimoji="1" lang="ko-KR" altLang="en-US" sz="1100" b="0" i="0" u="none" strike="noStrike" kern="1200" cap="none" spc="0" normalizeH="0" baseline="0" noProof="0" dirty="0" smtClean="0">
-                          <a:ln>
-                            <a:noFill/>
-                          </a:ln>
-                          <a:solidFill>
-                            <a:schemeClr val="tx1"/>
-                          </a:solidFill>
-                          <a:effectLst/>
-                          <a:uLnTx/>
-                          <a:uFillTx/>
-                          <a:latin typeface="Arial Narrow" panose="020B0606020202030204" pitchFamily="34" charset="0"/>
-                          <a:ea typeface="LG스마트체 Regular" panose="020B0600000101010101" pitchFamily="50" charset="-127"/>
-                          <a:cs typeface="Arial" pitchFamily="34" charset="0"/>
-                          <a:sym typeface="Wingdings" pitchFamily="2" charset="2"/>
-                        </a:rPr>
-                        <a:t>→ 자체 </a:t>
-                      </a:r>
-                      <a:r>
-                        <a:rPr kumimoji="1" lang="en-US" altLang="ko-KR" sz="1100" b="0" i="0" u="none" strike="noStrike" kern="1200" cap="none" spc="0" normalizeH="0" baseline="0" noProof="0" dirty="0" smtClean="0">
-                          <a:ln>
-                            <a:noFill/>
-                          </a:ln>
-                          <a:solidFill>
-                            <a:schemeClr val="tx1"/>
-                          </a:solidFill>
-                          <a:effectLst/>
-                          <a:uLnTx/>
-                          <a:uFillTx/>
-                          <a:latin typeface="Arial Narrow" panose="020B0606020202030204" pitchFamily="34" charset="0"/>
-                          <a:ea typeface="LG스마트체 Regular" panose="020B0600000101010101" pitchFamily="50" charset="-127"/>
-                          <a:cs typeface="Arial" pitchFamily="34" charset="0"/>
-                          <a:sym typeface="Wingdings" pitchFamily="2" charset="2"/>
-                        </a:rPr>
-                        <a:t>Test</a:t>
-                      </a:r>
-                      <a:r>
-                        <a:rPr kumimoji="1" lang="ko-KR" altLang="en-US" sz="1100" b="0" i="0" u="none" strike="noStrike" kern="1200" cap="none" spc="0" normalizeH="0" baseline="0" noProof="0" dirty="0" smtClean="0">
-                          <a:ln>
-                            <a:noFill/>
-                          </a:ln>
-                          <a:solidFill>
-                            <a:schemeClr val="tx1"/>
-                          </a:solidFill>
-                          <a:effectLst/>
-                          <a:uLnTx/>
-                          <a:uFillTx/>
-                          <a:latin typeface="Arial Narrow" panose="020B0606020202030204" pitchFamily="34" charset="0"/>
-                          <a:ea typeface="LG스마트체 Regular" panose="020B0600000101010101" pitchFamily="50" charset="-127"/>
-                          <a:cs typeface="Arial" pitchFamily="34" charset="0"/>
-                          <a:sym typeface="Wingdings" pitchFamily="2" charset="2"/>
-                        </a:rPr>
-                        <a:t>를 통한 모듈 이동 속도 별 검출 성능 차이 확인 및 </a:t>
-                      </a:r>
-                      <a:r>
-                        <a:rPr kumimoji="1" lang="en-US" altLang="ko-KR" sz="1100" b="0" i="0" u="none" strike="noStrike" kern="1200" cap="none" spc="0" normalizeH="0" baseline="0" noProof="0" dirty="0" smtClean="0">
-                          <a:ln>
-                            <a:noFill/>
-                          </a:ln>
-                          <a:solidFill>
-                            <a:schemeClr val="tx1"/>
-                          </a:solidFill>
-                          <a:effectLst/>
-                          <a:uLnTx/>
-                          <a:uFillTx/>
-                          <a:latin typeface="Arial Narrow" panose="020B0606020202030204" pitchFamily="34" charset="0"/>
-                          <a:ea typeface="LG스마트체 Regular" panose="020B0600000101010101" pitchFamily="50" charset="-127"/>
-                          <a:cs typeface="Arial" pitchFamily="34" charset="0"/>
-                          <a:sym typeface="Wingdings" pitchFamily="2" charset="2"/>
-                        </a:rPr>
-                        <a:t>Tack Time</a:t>
-                      </a:r>
-                      <a:r>
-                        <a:rPr kumimoji="1" lang="ko-KR" altLang="en-US" sz="1100" b="0" i="0" u="none" strike="noStrike" kern="1200" cap="none" spc="0" normalizeH="0" baseline="0" noProof="0" dirty="0" smtClean="0">
-                          <a:ln>
-                            <a:noFill/>
-                          </a:ln>
-                          <a:solidFill>
-                            <a:schemeClr val="tx1"/>
-                          </a:solidFill>
-                          <a:effectLst/>
-                          <a:uLnTx/>
-                          <a:uFillTx/>
-                          <a:latin typeface="Arial Narrow" panose="020B0606020202030204" pitchFamily="34" charset="0"/>
-                          <a:ea typeface="LG스마트체 Regular" panose="020B0600000101010101" pitchFamily="50" charset="-127"/>
-                          <a:cs typeface="Arial" pitchFamily="34" charset="0"/>
-                          <a:sym typeface="Wingdings" pitchFamily="2" charset="2"/>
-                        </a:rPr>
-                        <a:t>에 따른 흐름라인의 이동 속도 계산 필요</a:t>
-                      </a:r>
-                      <a:endParaRPr kumimoji="1" lang="en-US" altLang="ko-KR" sz="1100" b="0" i="0" u="none" strike="noStrike" kern="1200" cap="none" spc="0" normalizeH="0" baseline="0" noProof="0" dirty="0" smtClean="0">
-                        <a:ln>
-                          <a:noFill/>
-                        </a:ln>
-                        <a:solidFill>
-                          <a:schemeClr val="tx1"/>
-                        </a:solidFill>
-                        <a:effectLst/>
-                        <a:uLnTx/>
-                        <a:uFillTx/>
-                        <a:latin typeface="Arial Narrow" panose="020B0606020202030204" pitchFamily="34" charset="0"/>
-                        <a:ea typeface="LG스마트체 Regular" panose="020B0600000101010101" pitchFamily="50" charset="-127"/>
-                        <a:cs typeface="Arial" pitchFamily="34" charset="0"/>
-                        <a:sym typeface="Wingdings" pitchFamily="2" charset="2"/>
-                      </a:endParaRPr>
-                    </a:p>
-                    <a:p>
-                      <a:pPr marL="0" marR="0" lvl="0" indent="0" algn="l" defTabSz="914400" rtl="0" eaLnBrk="1" fontAlgn="auto" latinLnBrk="1" hangingPunct="1">
-                        <a:lnSpc>
-                          <a:spcPct val="150000"/>
-                        </a:lnSpc>
-                        <a:spcBef>
-                          <a:spcPts val="0"/>
-                        </a:spcBef>
-                        <a:spcAft>
-                          <a:spcPts val="0"/>
-                        </a:spcAft>
-                        <a:buClrTx/>
-                        <a:buSzTx/>
-                        <a:buFont typeface="Wingdings" pitchFamily="2" charset="2"/>
-                        <a:buNone/>
-                        <a:tabLst>
-                          <a:tab pos="541338" algn="l"/>
-                        </a:tabLst>
-                        <a:defRPr/>
-                      </a:pPr>
+                        <a:t>라인 내 카메라 설치 관련 논의</a:t>
+                      </a:r>
                       <a:endParaRPr kumimoji="1" lang="en-US" altLang="ko-KR" sz="1000" b="0" i="0" u="none" strike="noStrike" kern="1200" cap="none" spc="0" normalizeH="0" baseline="0" noProof="0" dirty="0" smtClean="0">
                         <a:ln>
                           <a:noFill/>
@@ -8318,7 +7415,7 @@
                         <a:defRPr/>
                       </a:pPr>
                       <a:r>
-                        <a:rPr kumimoji="1" lang="en-US" altLang="ko-KR" sz="1100" b="0" i="0" u="none" strike="noStrike" kern="1200" cap="none" spc="0" normalizeH="0" baseline="0" noProof="0" dirty="0" smtClean="0">
+                        <a:rPr kumimoji="1" lang="en-US" altLang="ko-KR" sz="1000" b="0" i="0" u="none" strike="noStrike" kern="1200" cap="none" spc="0" normalizeH="0" baseline="0" noProof="0" dirty="0" smtClean="0">
                           <a:ln>
                             <a:noFill/>
                           </a:ln>
@@ -8333,10 +7430,10 @@
                           <a:cs typeface="Arial" pitchFamily="34" charset="0"/>
                           <a:sym typeface="Wingdings" pitchFamily="2" charset="2"/>
                         </a:rPr>
-                        <a:t>3) </a:t>
-                      </a:r>
-                      <a:r>
-                        <a:rPr kumimoji="1" lang="ko-KR" altLang="en-US" sz="1100" b="0" i="0" u="none" strike="noStrike" kern="1200" cap="none" spc="0" normalizeH="0" baseline="0" noProof="0" dirty="0" smtClean="0">
+                        <a:t>-. </a:t>
+                      </a:r>
+                      <a:r>
+                        <a:rPr kumimoji="1" lang="ko-KR" altLang="en-US" sz="1000" b="0" i="0" u="none" strike="noStrike" kern="1200" cap="none" spc="0" normalizeH="0" baseline="0" noProof="0" dirty="0" smtClean="0">
                           <a:ln>
                             <a:noFill/>
                           </a:ln>
@@ -8351,479 +7448,8 @@
                           <a:cs typeface="Arial" pitchFamily="34" charset="0"/>
                           <a:sym typeface="Wingdings" pitchFamily="2" charset="2"/>
                         </a:rPr>
-                        <a:t>판정 장비 도입 시 투자비용 문의 </a:t>
-                      </a:r>
-                      <a:r>
-                        <a:rPr kumimoji="1" lang="en-US" altLang="ko-KR" sz="1100" b="0" i="0" u="none" strike="noStrike" kern="1200" cap="none" spc="0" normalizeH="0" baseline="0" noProof="0" dirty="0" smtClean="0">
-                          <a:ln>
-                            <a:noFill/>
-                          </a:ln>
-                          <a:solidFill>
-                            <a:schemeClr val="tx1"/>
-                          </a:solidFill>
-                          <a:effectLst/>
-                          <a:uLnTx/>
-                          <a:uFillTx/>
-                          <a:latin typeface="Arial Narrow" panose="020B0606020202030204" pitchFamily="34" charset="0"/>
-                          <a:ea typeface="LG스마트체 Regular" panose="020B0600000101010101" pitchFamily="50" charset="-127"/>
-                          <a:cs typeface="Arial" pitchFamily="34" charset="0"/>
-                          <a:sym typeface="Wingdings" pitchFamily="2" charset="2"/>
-                        </a:rPr>
-                        <a:t>: </a:t>
-                      </a:r>
-                      <a:r>
-                        <a:rPr kumimoji="1" lang="ko-KR" altLang="en-US" sz="1100" b="0" i="0" u="none" strike="noStrike" kern="1200" cap="none" spc="0" normalizeH="0" baseline="0" noProof="0" dirty="0" smtClean="0">
-                          <a:ln>
-                            <a:noFill/>
-                          </a:ln>
-                          <a:solidFill>
-                            <a:schemeClr val="tx1"/>
-                          </a:solidFill>
-                          <a:effectLst/>
-                          <a:uLnTx/>
-                          <a:uFillTx/>
-                          <a:latin typeface="Arial Narrow" panose="020B0606020202030204" pitchFamily="34" charset="0"/>
-                          <a:ea typeface="LG스마트체 Regular" panose="020B0600000101010101" pitchFamily="50" charset="-127"/>
-                          <a:cs typeface="Arial" pitchFamily="34" charset="0"/>
-                          <a:sym typeface="Wingdings" pitchFamily="2" charset="2"/>
-                        </a:rPr>
-                        <a:t>자체 </a:t>
-                      </a:r>
-                      <a:r>
-                        <a:rPr kumimoji="1" lang="en-US" altLang="ko-KR" sz="1100" b="0" i="0" u="none" strike="noStrike" kern="1200" cap="none" spc="0" normalizeH="0" baseline="0" noProof="0" dirty="0" smtClean="0">
-                          <a:ln>
-                            <a:noFill/>
-                          </a:ln>
-                          <a:solidFill>
-                            <a:schemeClr val="tx1"/>
-                          </a:solidFill>
-                          <a:effectLst/>
-                          <a:uLnTx/>
-                          <a:uFillTx/>
-                          <a:latin typeface="Arial Narrow" panose="020B0606020202030204" pitchFamily="34" charset="0"/>
-                          <a:ea typeface="LG스마트체 Regular" panose="020B0600000101010101" pitchFamily="50" charset="-127"/>
-                          <a:cs typeface="Arial" pitchFamily="34" charset="0"/>
-                          <a:sym typeface="Wingdings" pitchFamily="2" charset="2"/>
-                        </a:rPr>
-                        <a:t>Test </a:t>
-                      </a:r>
-                      <a:r>
-                        <a:rPr kumimoji="1" lang="ko-KR" altLang="en-US" sz="1100" b="0" i="0" u="none" strike="noStrike" kern="1200" cap="none" spc="0" normalizeH="0" baseline="0" noProof="0" dirty="0" smtClean="0">
-                          <a:ln>
-                            <a:noFill/>
-                          </a:ln>
-                          <a:solidFill>
-                            <a:schemeClr val="tx1"/>
-                          </a:solidFill>
-                          <a:effectLst/>
-                          <a:uLnTx/>
-                          <a:uFillTx/>
-                          <a:latin typeface="Arial Narrow" panose="020B0606020202030204" pitchFamily="34" charset="0"/>
-                          <a:ea typeface="LG스마트체 Regular" panose="020B0600000101010101" pitchFamily="50" charset="-127"/>
-                          <a:cs typeface="Arial" pitchFamily="34" charset="0"/>
-                          <a:sym typeface="Wingdings" pitchFamily="2" charset="2"/>
-                        </a:rPr>
-                        <a:t>진행한 카메라의 경우 약 </a:t>
-                      </a:r>
-                      <a:r>
-                        <a:rPr kumimoji="1" lang="en-US" altLang="ko-KR" sz="1100" b="0" i="0" u="none" strike="noStrike" kern="1200" cap="none" spc="0" normalizeH="0" baseline="0" noProof="0" dirty="0" smtClean="0">
-                          <a:ln>
-                            <a:noFill/>
-                          </a:ln>
-                          <a:solidFill>
-                            <a:schemeClr val="tx1"/>
-                          </a:solidFill>
-                          <a:effectLst/>
-                          <a:uLnTx/>
-                          <a:uFillTx/>
-                          <a:latin typeface="Arial Narrow" panose="020B0606020202030204" pitchFamily="34" charset="0"/>
-                          <a:ea typeface="LG스마트체 Regular" panose="020B0600000101010101" pitchFamily="50" charset="-127"/>
-                          <a:cs typeface="Arial" pitchFamily="34" charset="0"/>
-                          <a:sym typeface="Wingdings" pitchFamily="2" charset="2"/>
-                        </a:rPr>
-                        <a:t>50</a:t>
-                      </a:r>
-                      <a:r>
-                        <a:rPr kumimoji="1" lang="ko-KR" altLang="en-US" sz="1100" b="0" i="0" u="none" strike="noStrike" kern="1200" cap="none" spc="0" normalizeH="0" baseline="0" noProof="0" dirty="0" smtClean="0">
-                          <a:ln>
-                            <a:noFill/>
-                          </a:ln>
-                          <a:solidFill>
-                            <a:schemeClr val="tx1"/>
-                          </a:solidFill>
-                          <a:effectLst/>
-                          <a:uLnTx/>
-                          <a:uFillTx/>
-                          <a:latin typeface="Arial Narrow" panose="020B0606020202030204" pitchFamily="34" charset="0"/>
-                          <a:ea typeface="LG스마트체 Regular" panose="020B0600000101010101" pitchFamily="50" charset="-127"/>
-                          <a:cs typeface="Arial" pitchFamily="34" charset="0"/>
-                          <a:sym typeface="Wingdings" pitchFamily="2" charset="2"/>
-                        </a:rPr>
-                        <a:t>만원 이내 비용 발생 및 별도 코딩 작업 </a:t>
-                      </a:r>
-                      <a:r>
-                        <a:rPr kumimoji="1" lang="en-US" altLang="ko-KR" sz="1100" b="0" i="0" u="none" strike="noStrike" kern="1200" cap="none" spc="0" normalizeH="0" baseline="0" noProof="0" dirty="0" smtClean="0">
-                          <a:ln>
-                            <a:noFill/>
-                          </a:ln>
-                          <a:solidFill>
-                            <a:schemeClr val="tx1"/>
-                          </a:solidFill>
-                          <a:effectLst/>
-                          <a:uLnTx/>
-                          <a:uFillTx/>
-                          <a:latin typeface="Arial Narrow" panose="020B0606020202030204" pitchFamily="34" charset="0"/>
-                          <a:ea typeface="LG스마트체 Regular" panose="020B0600000101010101" pitchFamily="50" charset="-127"/>
-                          <a:cs typeface="Arial" pitchFamily="34" charset="0"/>
-                          <a:sym typeface="Wingdings" pitchFamily="2" charset="2"/>
-                        </a:rPr>
-                        <a:t>/ </a:t>
-                      </a:r>
-                      <a:r>
-                        <a:rPr kumimoji="1" lang="ko-KR" altLang="en-US" sz="1100" b="0" i="0" u="none" strike="noStrike" kern="1200" cap="none" spc="0" normalizeH="0" baseline="0" noProof="0" dirty="0" smtClean="0">
-                          <a:ln>
-                            <a:noFill/>
-                          </a:ln>
-                          <a:solidFill>
-                            <a:schemeClr val="tx1"/>
-                          </a:solidFill>
-                          <a:effectLst/>
-                          <a:uLnTx/>
-                          <a:uFillTx/>
-                          <a:latin typeface="Arial Narrow" panose="020B0606020202030204" pitchFamily="34" charset="0"/>
-                          <a:ea typeface="LG스마트체 Regular" panose="020B0600000101010101" pitchFamily="50" charset="-127"/>
-                          <a:cs typeface="Arial" pitchFamily="34" charset="0"/>
-                          <a:sym typeface="Wingdings" pitchFamily="2" charset="2"/>
-                        </a:rPr>
-                        <a:t>사후 유지보수 필요</a:t>
-                      </a:r>
-                      <a:endParaRPr kumimoji="1" lang="en-US" altLang="ko-KR" sz="1100" b="0" i="0" u="none" strike="noStrike" kern="1200" cap="none" spc="0" normalizeH="0" baseline="0" noProof="0" dirty="0" smtClean="0">
-                        <a:ln>
-                          <a:noFill/>
-                        </a:ln>
-                        <a:solidFill>
-                          <a:schemeClr val="tx1"/>
-                        </a:solidFill>
-                        <a:effectLst/>
-                        <a:uLnTx/>
-                        <a:uFillTx/>
-                        <a:latin typeface="Arial Narrow" panose="020B0606020202030204" pitchFamily="34" charset="0"/>
-                        <a:ea typeface="LG스마트체 Regular" panose="020B0600000101010101" pitchFamily="50" charset="-127"/>
-                        <a:cs typeface="Arial" pitchFamily="34" charset="0"/>
-                        <a:sym typeface="Wingdings" pitchFamily="2" charset="2"/>
-                      </a:endParaRPr>
-                    </a:p>
-                    <a:p>
-                      <a:pPr marL="0" marR="0" lvl="0" indent="0" algn="l" defTabSz="914400" rtl="0" eaLnBrk="1" fontAlgn="auto" latinLnBrk="1" hangingPunct="1">
-                        <a:lnSpc>
-                          <a:spcPct val="150000"/>
-                        </a:lnSpc>
-                        <a:spcBef>
-                          <a:spcPts val="0"/>
-                        </a:spcBef>
-                        <a:spcAft>
-                          <a:spcPts val="0"/>
-                        </a:spcAft>
-                        <a:buClrTx/>
-                        <a:buSzTx/>
-                        <a:buFont typeface="Wingdings" pitchFamily="2" charset="2"/>
-                        <a:buNone/>
-                        <a:tabLst>
-                          <a:tab pos="541338" algn="l"/>
-                        </a:tabLst>
-                        <a:defRPr/>
-                      </a:pPr>
-                      <a:r>
-                        <a:rPr kumimoji="1" lang="en-US" altLang="ko-KR" sz="1100" b="0" i="0" u="none" strike="noStrike" kern="1200" cap="none" spc="0" normalizeH="0" baseline="0" noProof="0" dirty="0" smtClean="0">
-                          <a:ln>
-                            <a:noFill/>
-                          </a:ln>
-                          <a:solidFill>
-                            <a:schemeClr val="tx1"/>
-                          </a:solidFill>
-                          <a:effectLst/>
-                          <a:uLnTx/>
-                          <a:uFillTx/>
-                          <a:latin typeface="Arial Narrow" panose="020B0606020202030204" pitchFamily="34" charset="0"/>
-                          <a:ea typeface="LG스마트체 Regular" panose="020B0600000101010101" pitchFamily="50" charset="-127"/>
-                          <a:cs typeface="Arial" pitchFamily="34" charset="0"/>
-                          <a:sym typeface="Wingdings" pitchFamily="2" charset="2"/>
-                        </a:rPr>
-                        <a:t>   </a:t>
-                      </a:r>
-                      <a:r>
-                        <a:rPr kumimoji="1" lang="ko-KR" altLang="en-US" sz="1100" b="0" i="0" u="none" strike="noStrike" kern="1200" cap="none" spc="0" normalizeH="0" baseline="0" noProof="0" dirty="0" smtClean="0">
-                          <a:ln>
-                            <a:noFill/>
-                          </a:ln>
-                          <a:solidFill>
-                            <a:schemeClr val="tx1"/>
-                          </a:solidFill>
-                          <a:effectLst/>
-                          <a:uLnTx/>
-                          <a:uFillTx/>
-                          <a:latin typeface="Arial Narrow" panose="020B0606020202030204" pitchFamily="34" charset="0"/>
-                          <a:ea typeface="LG스마트체 Regular" panose="020B0600000101010101" pitchFamily="50" charset="-127"/>
-                          <a:cs typeface="Arial" pitchFamily="34" charset="0"/>
-                          <a:sym typeface="Wingdings" pitchFamily="2" charset="2"/>
-                        </a:rPr>
-                        <a:t>→ 비전 카메라 장비 등 기존 장비에 대해 저렴하며 자체 유지보수가 가능하기에 </a:t>
-                      </a:r>
-                      <a:r>
-                        <a:rPr kumimoji="1" lang="ko-KR" altLang="en-US" sz="1100" b="0" i="0" u="none" strike="noStrike" kern="1200" cap="none" spc="0" normalizeH="0" baseline="0" noProof="0" dirty="0" err="1" smtClean="0">
-                          <a:ln>
-                            <a:noFill/>
-                          </a:ln>
-                          <a:solidFill>
-                            <a:schemeClr val="tx1"/>
-                          </a:solidFill>
-                          <a:effectLst/>
-                          <a:uLnTx/>
-                          <a:uFillTx/>
-                          <a:latin typeface="Arial Narrow" panose="020B0606020202030204" pitchFamily="34" charset="0"/>
-                          <a:ea typeface="LG스마트체 Regular" panose="020B0600000101010101" pitchFamily="50" charset="-127"/>
-                          <a:cs typeface="Arial" pitchFamily="34" charset="0"/>
-                          <a:sym typeface="Wingdings" pitchFamily="2" charset="2"/>
-                        </a:rPr>
-                        <a:t>비용면에서</a:t>
-                      </a:r>
-                      <a:r>
-                        <a:rPr kumimoji="1" lang="ko-KR" altLang="en-US" sz="1100" b="0" i="0" u="none" strike="noStrike" kern="1200" cap="none" spc="0" normalizeH="0" baseline="0" noProof="0" dirty="0" smtClean="0">
-                          <a:ln>
-                            <a:noFill/>
-                          </a:ln>
-                          <a:solidFill>
-                            <a:schemeClr val="tx1"/>
-                          </a:solidFill>
-                          <a:effectLst/>
-                          <a:uLnTx/>
-                          <a:uFillTx/>
-                          <a:latin typeface="Arial Narrow" panose="020B0606020202030204" pitchFamily="34" charset="0"/>
-                          <a:ea typeface="LG스마트체 Regular" panose="020B0600000101010101" pitchFamily="50" charset="-127"/>
-                          <a:cs typeface="Arial" pitchFamily="34" charset="0"/>
-                          <a:sym typeface="Wingdings" pitchFamily="2" charset="2"/>
-                        </a:rPr>
-                        <a:t> 유리하다 판단 됨</a:t>
-                      </a:r>
-                      <a:endParaRPr kumimoji="1" lang="en-US" altLang="ko-KR" sz="1100" b="0" i="0" u="none" strike="noStrike" kern="1200" cap="none" spc="0" normalizeH="0" baseline="0" noProof="0" dirty="0" smtClean="0">
-                        <a:ln>
-                          <a:noFill/>
-                        </a:ln>
-                        <a:solidFill>
-                          <a:schemeClr val="tx1"/>
-                        </a:solidFill>
-                        <a:effectLst/>
-                        <a:uLnTx/>
-                        <a:uFillTx/>
-                        <a:latin typeface="Arial Narrow" panose="020B0606020202030204" pitchFamily="34" charset="0"/>
-                        <a:ea typeface="LG스마트체 Regular" panose="020B0600000101010101" pitchFamily="50" charset="-127"/>
-                        <a:cs typeface="Arial" pitchFamily="34" charset="0"/>
-                        <a:sym typeface="Wingdings" pitchFamily="2" charset="2"/>
-                      </a:endParaRPr>
-                    </a:p>
-                    <a:p>
-                      <a:pPr marL="0" marR="0" lvl="0" indent="0" algn="l" defTabSz="914400" rtl="0" eaLnBrk="1" fontAlgn="auto" latinLnBrk="1" hangingPunct="1">
-                        <a:lnSpc>
-                          <a:spcPct val="150000"/>
-                        </a:lnSpc>
-                        <a:spcBef>
-                          <a:spcPts val="0"/>
-                        </a:spcBef>
-                        <a:spcAft>
-                          <a:spcPts val="0"/>
-                        </a:spcAft>
-                        <a:buClrTx/>
-                        <a:buSzTx/>
-                        <a:buFont typeface="Wingdings" pitchFamily="2" charset="2"/>
-                        <a:buNone/>
-                        <a:tabLst>
-                          <a:tab pos="541338" algn="l"/>
-                        </a:tabLst>
-                        <a:defRPr/>
-                      </a:pPr>
-                      <a:r>
-                        <a:rPr kumimoji="1" lang="en-US" altLang="ko-KR" sz="1100" b="0" i="0" u="none" strike="noStrike" kern="1200" cap="none" spc="0" normalizeH="0" baseline="0" noProof="0" dirty="0" smtClean="0">
-                          <a:ln>
-                            <a:noFill/>
-                          </a:ln>
-                          <a:solidFill>
-                            <a:schemeClr val="tx1"/>
-                          </a:solidFill>
-                          <a:effectLst/>
-                          <a:uLnTx/>
-                          <a:uFillTx/>
-                          <a:latin typeface="Arial Narrow" panose="020B0606020202030204" pitchFamily="34" charset="0"/>
-                          <a:ea typeface="LG스마트체 Regular" panose="020B0600000101010101" pitchFamily="50" charset="-127"/>
-                          <a:cs typeface="Arial" pitchFamily="34" charset="0"/>
-                          <a:sym typeface="Wingdings" pitchFamily="2" charset="2"/>
-                        </a:rPr>
-                        <a:t>   </a:t>
-                      </a:r>
-                      <a:r>
-                        <a:rPr kumimoji="1" lang="ko-KR" altLang="en-US" sz="1100" b="0" i="0" u="none" strike="noStrike" kern="1200" cap="none" spc="0" normalizeH="0" baseline="0" noProof="0" dirty="0" smtClean="0">
-                          <a:ln>
-                            <a:noFill/>
-                          </a:ln>
-                          <a:solidFill>
-                            <a:schemeClr val="tx1"/>
-                          </a:solidFill>
-                          <a:effectLst/>
-                          <a:uLnTx/>
-                          <a:uFillTx/>
-                          <a:latin typeface="Arial Narrow" panose="020B0606020202030204" pitchFamily="34" charset="0"/>
-                          <a:ea typeface="LG스마트체 Regular" panose="020B0600000101010101" pitchFamily="50" charset="-127"/>
-                          <a:cs typeface="Arial" pitchFamily="34" charset="0"/>
-                          <a:sym typeface="Wingdings" pitchFamily="2" charset="2"/>
-                        </a:rPr>
-                        <a:t>→ 최초 </a:t>
-                      </a:r>
-                      <a:r>
-                        <a:rPr kumimoji="1" lang="en-US" altLang="ko-KR" sz="1100" b="0" i="0" u="none" strike="noStrike" kern="1200" cap="none" spc="0" normalizeH="0" baseline="0" noProof="0" dirty="0" smtClean="0">
-                          <a:ln>
-                            <a:noFill/>
-                          </a:ln>
-                          <a:solidFill>
-                            <a:schemeClr val="tx1"/>
-                          </a:solidFill>
-                          <a:effectLst/>
-                          <a:uLnTx/>
-                          <a:uFillTx/>
-                          <a:latin typeface="Arial Narrow" panose="020B0606020202030204" pitchFamily="34" charset="0"/>
-                          <a:ea typeface="LG스마트체 Regular" panose="020B0600000101010101" pitchFamily="50" charset="-127"/>
-                          <a:cs typeface="Arial" pitchFamily="34" charset="0"/>
-                          <a:sym typeface="Wingdings" pitchFamily="2" charset="2"/>
-                        </a:rPr>
-                        <a:t>Pilot Test</a:t>
-                      </a:r>
-                      <a:r>
-                        <a:rPr kumimoji="1" lang="ko-KR" altLang="en-US" sz="1100" b="0" i="0" u="none" strike="noStrike" kern="1200" cap="none" spc="0" normalizeH="0" baseline="0" noProof="0" dirty="0" smtClean="0">
-                          <a:ln>
-                            <a:noFill/>
-                          </a:ln>
-                          <a:solidFill>
-                            <a:schemeClr val="tx1"/>
-                          </a:solidFill>
-                          <a:effectLst/>
-                          <a:uLnTx/>
-                          <a:uFillTx/>
-                          <a:latin typeface="Arial Narrow" panose="020B0606020202030204" pitchFamily="34" charset="0"/>
-                          <a:ea typeface="LG스마트체 Regular" panose="020B0600000101010101" pitchFamily="50" charset="-127"/>
-                          <a:cs typeface="Arial" pitchFamily="34" charset="0"/>
-                          <a:sym typeface="Wingdings" pitchFamily="2" charset="2"/>
-                        </a:rPr>
-                        <a:t>를 위해 현재 검토한 비전 카메라 장비 대여 요청</a:t>
-                      </a:r>
-                      <a:r>
-                        <a:rPr kumimoji="1" lang="en-US" altLang="ko-KR" sz="1100" b="0" i="0" u="none" strike="noStrike" kern="1200" cap="none" spc="0" normalizeH="0" baseline="0" noProof="0" dirty="0" smtClean="0">
-                          <a:ln>
-                            <a:noFill/>
-                          </a:ln>
-                          <a:solidFill>
-                            <a:schemeClr val="tx1"/>
-                          </a:solidFill>
-                          <a:effectLst/>
-                          <a:uLnTx/>
-                          <a:uFillTx/>
-                          <a:latin typeface="Arial Narrow" panose="020B0606020202030204" pitchFamily="34" charset="0"/>
-                          <a:ea typeface="LG스마트체 Regular" panose="020B0600000101010101" pitchFamily="50" charset="-127"/>
-                          <a:cs typeface="Arial" pitchFamily="34" charset="0"/>
-                          <a:sym typeface="Wingdings" pitchFamily="2" charset="2"/>
-                        </a:rPr>
-                        <a:t>(</a:t>
-                      </a:r>
-                      <a:r>
-                        <a:rPr kumimoji="1" lang="ko-KR" altLang="en-US" sz="1100" b="0" i="0" u="none" strike="noStrike" kern="1200" cap="none" spc="0" normalizeH="0" baseline="0" noProof="0" dirty="0" smtClean="0">
-                          <a:ln>
-                            <a:noFill/>
-                          </a:ln>
-                          <a:solidFill>
-                            <a:schemeClr val="tx1"/>
-                          </a:solidFill>
-                          <a:effectLst/>
-                          <a:uLnTx/>
-                          <a:uFillTx/>
-                          <a:latin typeface="Arial Narrow" panose="020B0606020202030204" pitchFamily="34" charset="0"/>
-                          <a:ea typeface="LG스마트체 Regular" panose="020B0600000101010101" pitchFamily="50" charset="-127"/>
-                          <a:cs typeface="Arial" pitchFamily="34" charset="0"/>
-                          <a:sym typeface="Wingdings" pitchFamily="2" charset="2"/>
-                        </a:rPr>
-                        <a:t>추후 출장자 통해 </a:t>
-                      </a:r>
-                      <a:r>
-                        <a:rPr kumimoji="1" lang="en-US" altLang="ko-KR" sz="1100" b="0" i="0" u="none" strike="noStrike" kern="1200" cap="none" spc="0" normalizeH="0" baseline="0" noProof="0" dirty="0" smtClean="0">
-                          <a:ln>
-                            <a:noFill/>
-                          </a:ln>
-                          <a:solidFill>
-                            <a:schemeClr val="tx1"/>
-                          </a:solidFill>
-                          <a:effectLst/>
-                          <a:uLnTx/>
-                          <a:uFillTx/>
-                          <a:latin typeface="Arial Narrow" panose="020B0606020202030204" pitchFamily="34" charset="0"/>
-                          <a:ea typeface="LG스마트체 Regular" panose="020B0600000101010101" pitchFamily="50" charset="-127"/>
-                          <a:cs typeface="Arial" pitchFamily="34" charset="0"/>
-                          <a:sym typeface="Wingdings" pitchFamily="2" charset="2"/>
-                        </a:rPr>
-                        <a:t>Hand-Carry </a:t>
-                      </a:r>
-                      <a:r>
-                        <a:rPr kumimoji="1" lang="ko-KR" altLang="en-US" sz="1100" b="0" i="0" u="none" strike="noStrike" kern="1200" cap="none" spc="0" normalizeH="0" baseline="0" noProof="0" dirty="0" smtClean="0">
-                          <a:ln>
-                            <a:noFill/>
-                          </a:ln>
-                          <a:solidFill>
-                            <a:schemeClr val="tx1"/>
-                          </a:solidFill>
-                          <a:effectLst/>
-                          <a:uLnTx/>
-                          <a:uFillTx/>
-                          <a:latin typeface="Arial Narrow" panose="020B0606020202030204" pitchFamily="34" charset="0"/>
-                          <a:ea typeface="LG스마트체 Regular" panose="020B0600000101010101" pitchFamily="50" charset="-127"/>
-                          <a:cs typeface="Arial" pitchFamily="34" charset="0"/>
-                          <a:sym typeface="Wingdings" pitchFamily="2" charset="2"/>
-                        </a:rPr>
-                        <a:t>필요</a:t>
-                      </a:r>
-                      <a:r>
-                        <a:rPr kumimoji="1" lang="en-US" altLang="ko-KR" sz="1100" b="0" i="0" u="none" strike="noStrike" kern="1200" cap="none" spc="0" normalizeH="0" baseline="0" noProof="0" dirty="0" smtClean="0">
-                          <a:ln>
-                            <a:noFill/>
-                          </a:ln>
-                          <a:solidFill>
-                            <a:schemeClr val="tx1"/>
-                          </a:solidFill>
-                          <a:effectLst/>
-                          <a:uLnTx/>
-                          <a:uFillTx/>
-                          <a:latin typeface="Arial Narrow" panose="020B0606020202030204" pitchFamily="34" charset="0"/>
-                          <a:ea typeface="LG스마트체 Regular" panose="020B0600000101010101" pitchFamily="50" charset="-127"/>
-                          <a:cs typeface="Arial" pitchFamily="34" charset="0"/>
-                          <a:sym typeface="Wingdings" pitchFamily="2" charset="2"/>
-                        </a:rPr>
-                        <a:t>)</a:t>
-                      </a:r>
-                    </a:p>
-                    <a:p>
-                      <a:pPr marL="0" marR="0" lvl="0" indent="0" algn="l" defTabSz="914400" rtl="0" eaLnBrk="1" fontAlgn="auto" latinLnBrk="1" hangingPunct="1">
-                        <a:lnSpc>
-                          <a:spcPct val="150000"/>
-                        </a:lnSpc>
-                        <a:spcBef>
-                          <a:spcPts val="0"/>
-                        </a:spcBef>
-                        <a:spcAft>
-                          <a:spcPts val="0"/>
-                        </a:spcAft>
-                        <a:buClrTx/>
-                        <a:buSzTx/>
-                        <a:buFont typeface="Wingdings" pitchFamily="2" charset="2"/>
-                        <a:buNone/>
-                        <a:tabLst>
-                          <a:tab pos="541338" algn="l"/>
-                        </a:tabLst>
-                        <a:defRPr/>
-                      </a:pPr>
+                        <a:t>희성전자 생산 라인 내 공간이 협소하여 카메라 설치가 어려울 것으로 예상됨</a:t>
+                      </a:r>
                       <a:endParaRPr kumimoji="1" lang="en-US" altLang="ko-KR" sz="1000" b="0" i="0" u="none" strike="noStrike" kern="1200" cap="none" spc="0" normalizeH="0" baseline="0" noProof="0" dirty="0" smtClean="0">
                         <a:ln>
                           <a:noFill/>
@@ -8861,7 +7487,7 @@
                         <a:defRPr/>
                       </a:pPr>
                       <a:r>
-                        <a:rPr kumimoji="1" lang="en-US" altLang="ko-KR" sz="1100" b="0" i="0" u="none" strike="noStrike" kern="1200" cap="none" spc="0" normalizeH="0" baseline="0" noProof="0" dirty="0" smtClean="0">
+                        <a:rPr kumimoji="1" lang="en-US" altLang="ko-KR" sz="1000" b="0" i="0" u="none" strike="noStrike" kern="1200" cap="none" spc="0" normalizeH="0" baseline="0" noProof="0" dirty="0" smtClean="0">
                           <a:ln>
                             <a:noFill/>
                           </a:ln>
@@ -8876,10 +7502,10 @@
                           <a:cs typeface="Arial" pitchFamily="34" charset="0"/>
                           <a:sym typeface="Wingdings" pitchFamily="2" charset="2"/>
                         </a:rPr>
-                        <a:t>4) </a:t>
-                      </a:r>
-                      <a:r>
-                        <a:rPr kumimoji="1" lang="ko-KR" altLang="en-US" sz="1100" b="0" i="0" u="none" strike="noStrike" kern="1200" cap="none" spc="0" normalizeH="0" baseline="0" noProof="0" dirty="0" smtClean="0">
+                        <a:t>-. Press / </a:t>
+                      </a:r>
+                      <a:r>
+                        <a:rPr kumimoji="1" lang="ko-KR" altLang="en-US" sz="1000" b="0" i="0" u="none" strike="noStrike" kern="1200" cap="none" spc="0" normalizeH="0" baseline="0" noProof="0" dirty="0" err="1" smtClean="0">
                           <a:ln>
                             <a:noFill/>
                           </a:ln>
@@ -8894,10 +7520,10 @@
                           <a:cs typeface="Arial" pitchFamily="34" charset="0"/>
                           <a:sym typeface="Wingdings" pitchFamily="2" charset="2"/>
                         </a:rPr>
-                        <a:t>프로그램 도입 후 유지보수 방법 문의 </a:t>
-                      </a:r>
-                      <a:r>
-                        <a:rPr kumimoji="1" lang="en-US" altLang="ko-KR" sz="1100" b="0" i="0" u="none" strike="noStrike" kern="1200" cap="none" spc="0" normalizeH="0" baseline="0" noProof="0" dirty="0" smtClean="0">
+                        <a:t>사출처의</a:t>
+                      </a:r>
+                      <a:r>
+                        <a:rPr kumimoji="1" lang="ko-KR" altLang="en-US" sz="1000" b="0" i="0" u="none" strike="noStrike" kern="1200" cap="none" spc="0" normalizeH="0" baseline="0" noProof="0" dirty="0" smtClean="0">
                           <a:ln>
                             <a:noFill/>
                           </a:ln>
@@ -8912,10 +7538,10 @@
                           <a:cs typeface="Arial" pitchFamily="34" charset="0"/>
                           <a:sym typeface="Wingdings" pitchFamily="2" charset="2"/>
                         </a:rPr>
-                        <a:t>: </a:t>
-                      </a:r>
-                      <a:r>
-                        <a:rPr kumimoji="1" lang="ko-KR" altLang="en-US" sz="1100" b="0" i="0" u="none" strike="noStrike" kern="1200" cap="none" spc="0" normalizeH="0" baseline="0" noProof="0" dirty="0" smtClean="0">
+                        <a:t> 경우 천장에 고정하는 방식으로 설치가 가능할 것으로 생각되나 실질적인 판정을 위해서는 후면</a:t>
+                      </a:r>
+                      <a:r>
+                        <a:rPr kumimoji="1" lang="en-US" altLang="ko-KR" sz="1000" b="0" i="0" u="none" strike="noStrike" kern="1200" cap="none" spc="0" normalizeH="0" baseline="0" noProof="0" dirty="0" smtClean="0">
                           <a:ln>
                             <a:noFill/>
                           </a:ln>
@@ -8930,10 +7556,10 @@
                           <a:cs typeface="Arial" pitchFamily="34" charset="0"/>
                           <a:sym typeface="Wingdings" pitchFamily="2" charset="2"/>
                         </a:rPr>
-                        <a:t>현재 존재하는 비전장비 </a:t>
-                      </a:r>
-                      <a:r>
-                        <a:rPr kumimoji="1" lang="ko-KR" altLang="en-US" sz="1100" b="0" i="0" u="none" strike="noStrike" kern="1200" cap="none" spc="0" normalizeH="0" baseline="0" noProof="0" dirty="0" err="1" smtClean="0">
+                        <a:t>, </a:t>
+                      </a:r>
+                      <a:r>
+                        <a:rPr kumimoji="1" lang="ko-KR" altLang="en-US" sz="1000" b="0" i="0" u="none" strike="noStrike" kern="1200" cap="none" spc="0" normalizeH="0" baseline="0" noProof="0" dirty="0" smtClean="0">
                           <a:ln>
                             <a:noFill/>
                           </a:ln>
@@ -8948,278 +7574,8 @@
                           <a:cs typeface="Arial" pitchFamily="34" charset="0"/>
                           <a:sym typeface="Wingdings" pitchFamily="2" charset="2"/>
                         </a:rPr>
-                        <a:t>도입시</a:t>
-                      </a:r>
-                      <a:r>
-                        <a:rPr kumimoji="1" lang="ko-KR" altLang="en-US" sz="1100" b="0" i="0" u="none" strike="noStrike" kern="1200" cap="none" spc="0" normalizeH="0" baseline="0" noProof="0" dirty="0" smtClean="0">
-                          <a:ln>
-                            <a:noFill/>
-                          </a:ln>
-                          <a:solidFill>
-                            <a:schemeClr val="tx1"/>
-                          </a:solidFill>
-                          <a:effectLst/>
-                          <a:uLnTx/>
-                          <a:uFillTx/>
-                          <a:latin typeface="Arial Narrow" panose="020B0606020202030204" pitchFamily="34" charset="0"/>
-                          <a:ea typeface="LG스마트체 Regular" panose="020B0600000101010101" pitchFamily="50" charset="-127"/>
-                          <a:cs typeface="Arial" pitchFamily="34" charset="0"/>
-                          <a:sym typeface="Wingdings" pitchFamily="2" charset="2"/>
-                        </a:rPr>
-                        <a:t> 도입비용 및 사후관리 비용 발생으로 인해 적용</a:t>
-                      </a:r>
-                      <a:r>
-                        <a:rPr kumimoji="1" lang="en-US" altLang="ko-KR" sz="1100" b="0" i="0" u="none" strike="noStrike" kern="1200" cap="none" spc="0" normalizeH="0" baseline="0" noProof="0" dirty="0" smtClean="0">
-                          <a:ln>
-                            <a:noFill/>
-                          </a:ln>
-                          <a:solidFill>
-                            <a:schemeClr val="tx1"/>
-                          </a:solidFill>
-                          <a:effectLst/>
-                          <a:uLnTx/>
-                          <a:uFillTx/>
-                          <a:latin typeface="Arial Narrow" panose="020B0606020202030204" pitchFamily="34" charset="0"/>
-                          <a:ea typeface="LG스마트체 Regular" panose="020B0600000101010101" pitchFamily="50" charset="-127"/>
-                          <a:cs typeface="Arial" pitchFamily="34" charset="0"/>
-                          <a:sym typeface="Wingdings" pitchFamily="2" charset="2"/>
-                        </a:rPr>
-                        <a:t>, </a:t>
-                      </a:r>
-                      <a:r>
-                        <a:rPr kumimoji="1" lang="ko-KR" altLang="en-US" sz="1100" b="0" i="0" u="none" strike="noStrike" kern="1200" cap="none" spc="0" normalizeH="0" baseline="0" noProof="0" dirty="0" smtClean="0">
-                          <a:ln>
-                            <a:noFill/>
-                          </a:ln>
-                          <a:solidFill>
-                            <a:schemeClr val="tx1"/>
-                          </a:solidFill>
-                          <a:effectLst/>
-                          <a:uLnTx/>
-                          <a:uFillTx/>
-                          <a:latin typeface="Arial Narrow" panose="020B0606020202030204" pitchFamily="34" charset="0"/>
-                          <a:ea typeface="LG스마트체 Regular" panose="020B0600000101010101" pitchFamily="50" charset="-127"/>
-                          <a:cs typeface="Arial" pitchFamily="34" charset="0"/>
-                          <a:sym typeface="Wingdings" pitchFamily="2" charset="2"/>
-                        </a:rPr>
-                        <a:t>검토에 어려움이 있음</a:t>
-                      </a:r>
-                      <a:endParaRPr kumimoji="1" lang="en-US" altLang="ko-KR" sz="1100" b="0" i="0" u="none" strike="noStrike" kern="1200" cap="none" spc="0" normalizeH="0" baseline="0" noProof="0" dirty="0" smtClean="0">
-                        <a:ln>
-                          <a:noFill/>
-                        </a:ln>
-                        <a:solidFill>
-                          <a:schemeClr val="tx1"/>
-                        </a:solidFill>
-                        <a:effectLst/>
-                        <a:uLnTx/>
-                        <a:uFillTx/>
-                        <a:latin typeface="Arial Narrow" panose="020B0606020202030204" pitchFamily="34" charset="0"/>
-                        <a:ea typeface="LG스마트체 Regular" panose="020B0600000101010101" pitchFamily="50" charset="-127"/>
-                        <a:cs typeface="Arial" pitchFamily="34" charset="0"/>
-                        <a:sym typeface="Wingdings" pitchFamily="2" charset="2"/>
-                      </a:endParaRPr>
-                    </a:p>
-                    <a:p>
-                      <a:pPr marL="0" marR="0" lvl="0" indent="0" algn="l" defTabSz="914400" rtl="0" eaLnBrk="1" fontAlgn="auto" latinLnBrk="1" hangingPunct="1">
-                        <a:lnSpc>
-                          <a:spcPct val="150000"/>
-                        </a:lnSpc>
-                        <a:spcBef>
-                          <a:spcPts val="0"/>
-                        </a:spcBef>
-                        <a:spcAft>
-                          <a:spcPts val="0"/>
-                        </a:spcAft>
-                        <a:buClrTx/>
-                        <a:buSzTx/>
-                        <a:buFont typeface="Wingdings" pitchFamily="2" charset="2"/>
-                        <a:buNone/>
-                        <a:tabLst>
-                          <a:tab pos="541338" algn="l"/>
-                        </a:tabLst>
-                        <a:defRPr/>
-                      </a:pPr>
-                      <a:r>
-                        <a:rPr kumimoji="1" lang="en-US" altLang="ko-KR" sz="1100" b="0" i="0" u="none" strike="noStrike" kern="1200" cap="none" spc="0" normalizeH="0" baseline="0" noProof="0" dirty="0" smtClean="0">
-                          <a:ln>
-                            <a:noFill/>
-                          </a:ln>
-                          <a:solidFill>
-                            <a:schemeClr val="tx1"/>
-                          </a:solidFill>
-                          <a:effectLst/>
-                          <a:uLnTx/>
-                          <a:uFillTx/>
-                          <a:latin typeface="Arial Narrow" panose="020B0606020202030204" pitchFamily="34" charset="0"/>
-                          <a:ea typeface="LG스마트체 Regular" panose="020B0600000101010101" pitchFamily="50" charset="-127"/>
-                          <a:cs typeface="Arial" pitchFamily="34" charset="0"/>
-                          <a:sym typeface="Wingdings" pitchFamily="2" charset="2"/>
-                        </a:rPr>
-                        <a:t>   </a:t>
-                      </a:r>
-                      <a:r>
-                        <a:rPr kumimoji="1" lang="ko-KR" altLang="en-US" sz="1100" b="0" i="0" u="none" strike="noStrike" kern="1200" cap="none" spc="0" normalizeH="0" baseline="0" noProof="0" dirty="0" smtClean="0">
-                          <a:ln>
-                            <a:noFill/>
-                          </a:ln>
-                          <a:solidFill>
-                            <a:schemeClr val="tx1"/>
-                          </a:solidFill>
-                          <a:effectLst/>
-                          <a:uLnTx/>
-                          <a:uFillTx/>
-                          <a:latin typeface="Arial Narrow" panose="020B0606020202030204" pitchFamily="34" charset="0"/>
-                          <a:ea typeface="LG스마트체 Regular" panose="020B0600000101010101" pitchFamily="50" charset="-127"/>
-                          <a:cs typeface="Arial" pitchFamily="34" charset="0"/>
-                          <a:sym typeface="Wingdings" pitchFamily="2" charset="2"/>
-                        </a:rPr>
-                        <a:t>→</a:t>
-                      </a:r>
-                      <a:r>
-                        <a:rPr kumimoji="1" lang="en-US" altLang="ko-KR" sz="1100" b="0" i="0" u="none" strike="noStrike" kern="1200" cap="none" spc="0" normalizeH="0" baseline="0" noProof="0" dirty="0" smtClean="0">
-                          <a:ln>
-                            <a:noFill/>
-                          </a:ln>
-                          <a:solidFill>
-                            <a:schemeClr val="tx1"/>
-                          </a:solidFill>
-                          <a:effectLst/>
-                          <a:uLnTx/>
-                          <a:uFillTx/>
-                          <a:latin typeface="Arial Narrow" panose="020B0606020202030204" pitchFamily="34" charset="0"/>
-                          <a:ea typeface="LG스마트체 Regular" panose="020B0600000101010101" pitchFamily="50" charset="-127"/>
-                          <a:cs typeface="Arial" pitchFamily="34" charset="0"/>
-                          <a:sym typeface="Wingdings" pitchFamily="2" charset="2"/>
-                        </a:rPr>
-                        <a:t> 3D </a:t>
-                      </a:r>
-                      <a:r>
-                        <a:rPr kumimoji="1" lang="ko-KR" altLang="en-US" sz="1100" b="0" i="0" u="none" strike="noStrike" kern="1200" cap="none" spc="0" normalizeH="0" baseline="0" noProof="0" dirty="0" smtClean="0">
-                          <a:ln>
-                            <a:noFill/>
-                          </a:ln>
-                          <a:solidFill>
-                            <a:schemeClr val="tx1"/>
-                          </a:solidFill>
-                          <a:effectLst/>
-                          <a:uLnTx/>
-                          <a:uFillTx/>
-                          <a:latin typeface="Arial Narrow" panose="020B0606020202030204" pitchFamily="34" charset="0"/>
-                          <a:ea typeface="LG스마트체 Regular" panose="020B0600000101010101" pitchFamily="50" charset="-127"/>
-                          <a:cs typeface="Arial" pitchFamily="34" charset="0"/>
-                          <a:sym typeface="Wingdings" pitchFamily="2" charset="2"/>
-                        </a:rPr>
-                        <a:t>도면만으로 </a:t>
-                      </a:r>
-                      <a:r>
-                        <a:rPr kumimoji="1" lang="en-US" altLang="ko-KR" sz="1100" b="0" i="0" u="none" strike="noStrike" kern="1200" cap="none" spc="0" normalizeH="0" baseline="0" noProof="0" dirty="0" smtClean="0">
-                          <a:ln>
-                            <a:noFill/>
-                          </a:ln>
-                          <a:solidFill>
-                            <a:schemeClr val="tx1"/>
-                          </a:solidFill>
-                          <a:effectLst/>
-                          <a:uLnTx/>
-                          <a:uFillTx/>
-                          <a:latin typeface="Arial Narrow" panose="020B0606020202030204" pitchFamily="34" charset="0"/>
-                          <a:ea typeface="LG스마트체 Regular" panose="020B0600000101010101" pitchFamily="50" charset="-127"/>
-                          <a:cs typeface="Arial" pitchFamily="34" charset="0"/>
-                          <a:sym typeface="Wingdings" pitchFamily="2" charset="2"/>
-                        </a:rPr>
-                        <a:t>Data Set</a:t>
-                      </a:r>
-                      <a:r>
-                        <a:rPr kumimoji="1" lang="ko-KR" altLang="en-US" sz="1100" b="0" i="0" u="none" strike="noStrike" kern="1200" cap="none" spc="0" normalizeH="0" baseline="0" noProof="0" dirty="0" smtClean="0">
-                          <a:ln>
-                            <a:noFill/>
-                          </a:ln>
-                          <a:solidFill>
-                            <a:schemeClr val="tx1"/>
-                          </a:solidFill>
-                          <a:effectLst/>
-                          <a:uLnTx/>
-                          <a:uFillTx/>
-                          <a:latin typeface="Arial Narrow" panose="020B0606020202030204" pitchFamily="34" charset="0"/>
-                          <a:ea typeface="LG스마트체 Regular" panose="020B0600000101010101" pitchFamily="50" charset="-127"/>
-                          <a:cs typeface="Arial" pitchFamily="34" charset="0"/>
-                          <a:sym typeface="Wingdings" pitchFamily="2" charset="2"/>
-                        </a:rPr>
-                        <a:t>의 업데이트가 가능하며</a:t>
-                      </a:r>
-                      <a:r>
-                        <a:rPr kumimoji="1" lang="en-US" altLang="ko-KR" sz="1100" b="0" i="0" u="none" strike="noStrike" kern="1200" cap="none" spc="0" normalizeH="0" baseline="0" noProof="0" dirty="0" smtClean="0">
-                          <a:ln>
-                            <a:noFill/>
-                          </a:ln>
-                          <a:solidFill>
-                            <a:schemeClr val="tx1"/>
-                          </a:solidFill>
-                          <a:effectLst/>
-                          <a:uLnTx/>
-                          <a:uFillTx/>
-                          <a:latin typeface="Arial Narrow" panose="020B0606020202030204" pitchFamily="34" charset="0"/>
-                          <a:ea typeface="LG스마트체 Regular" panose="020B0600000101010101" pitchFamily="50" charset="-127"/>
-                          <a:cs typeface="Arial" pitchFamily="34" charset="0"/>
-                          <a:sym typeface="Wingdings" pitchFamily="2" charset="2"/>
-                        </a:rPr>
-                        <a:t>, </a:t>
-                      </a:r>
-                      <a:r>
-                        <a:rPr kumimoji="1" lang="ko-KR" altLang="en-US" sz="1100" b="0" i="0" u="none" strike="noStrike" kern="1200" cap="none" spc="0" normalizeH="0" baseline="0" noProof="0" dirty="0" smtClean="0">
-                          <a:ln>
-                            <a:noFill/>
-                          </a:ln>
-                          <a:solidFill>
-                            <a:schemeClr val="tx1"/>
-                          </a:solidFill>
-                          <a:effectLst/>
-                          <a:uLnTx/>
-                          <a:uFillTx/>
-                          <a:latin typeface="Arial Narrow" panose="020B0606020202030204" pitchFamily="34" charset="0"/>
-                          <a:ea typeface="LG스마트체 Regular" panose="020B0600000101010101" pitchFamily="50" charset="-127"/>
-                          <a:cs typeface="Arial" pitchFamily="34" charset="0"/>
-                          <a:sym typeface="Wingdings" pitchFamily="2" charset="2"/>
-                        </a:rPr>
-                        <a:t>추후 업데이트를 위한 가이드 제작 및 배포</a:t>
-                      </a:r>
-                      <a:endParaRPr kumimoji="1" lang="en-US" altLang="ko-KR" sz="1100" b="0" i="0" u="none" strike="noStrike" kern="1200" cap="none" spc="0" normalizeH="0" baseline="0" noProof="0" dirty="0" smtClean="0">
-                        <a:ln>
-                          <a:noFill/>
-                        </a:ln>
-                        <a:solidFill>
-                          <a:schemeClr val="tx1"/>
-                        </a:solidFill>
-                        <a:effectLst/>
-                        <a:uLnTx/>
-                        <a:uFillTx/>
-                        <a:latin typeface="Arial Narrow" panose="020B0606020202030204" pitchFamily="34" charset="0"/>
-                        <a:ea typeface="LG스마트체 Regular" panose="020B0600000101010101" pitchFamily="50" charset="-127"/>
-                        <a:cs typeface="Arial" pitchFamily="34" charset="0"/>
-                        <a:sym typeface="Wingdings" pitchFamily="2" charset="2"/>
-                      </a:endParaRPr>
-                    </a:p>
-                    <a:p>
-                      <a:pPr marL="0" marR="0" lvl="0" indent="0" algn="l" defTabSz="914400" rtl="0" eaLnBrk="1" fontAlgn="auto" latinLnBrk="1" hangingPunct="1">
-                        <a:lnSpc>
-                          <a:spcPct val="150000"/>
-                        </a:lnSpc>
-                        <a:spcBef>
-                          <a:spcPts val="0"/>
-                        </a:spcBef>
-                        <a:spcAft>
-                          <a:spcPts val="0"/>
-                        </a:spcAft>
-                        <a:buClrTx/>
-                        <a:buSzTx/>
-                        <a:buFont typeface="Wingdings" pitchFamily="2" charset="2"/>
-                        <a:buNone/>
-                        <a:tabLst>
-                          <a:tab pos="541338" algn="l"/>
-                        </a:tabLst>
-                        <a:defRPr/>
-                      </a:pPr>
+                        <a:t>측면 등 여러 방향에서의 판정이 필요함</a:t>
+                      </a:r>
                       <a:endParaRPr kumimoji="1" lang="en-US" altLang="ko-KR" sz="1000" b="0" i="0" u="none" strike="noStrike" kern="1200" cap="none" spc="0" normalizeH="0" baseline="0" noProof="0" dirty="0" smtClean="0">
                         <a:ln>
                           <a:noFill/>
@@ -9257,7 +7613,7 @@
                         <a:defRPr/>
                       </a:pPr>
                       <a:r>
-                        <a:rPr kumimoji="1" lang="en-US" altLang="ko-KR" sz="1100" b="0" i="0" u="none" strike="noStrike" kern="1200" cap="none" spc="0" normalizeH="0" baseline="0" noProof="0" dirty="0" smtClean="0">
+                        <a:rPr kumimoji="1" lang="ko-KR" altLang="en-US" sz="1000" b="0" i="0" u="none" strike="noStrike" kern="1200" cap="none" spc="0" normalizeH="0" baseline="0" noProof="0" dirty="0" smtClean="0">
                           <a:ln>
                             <a:noFill/>
                           </a:ln>
@@ -9272,80 +7628,23 @@
                           <a:cs typeface="Arial" pitchFamily="34" charset="0"/>
                           <a:sym typeface="Wingdings" pitchFamily="2" charset="2"/>
                         </a:rPr>
-                        <a:t>5) </a:t>
-                      </a:r>
-                      <a:r>
-                        <a:rPr kumimoji="1" lang="ko-KR" altLang="en-US" sz="1100" b="0" i="0" u="none" strike="noStrike" kern="1200" cap="none" spc="0" normalizeH="0" baseline="0" noProof="0" dirty="0" smtClean="0">
-                          <a:ln>
-                            <a:noFill/>
-                          </a:ln>
-                          <a:solidFill>
-                            <a:schemeClr val="tx1"/>
-                          </a:solidFill>
-                          <a:effectLst/>
-                          <a:uLnTx/>
-                          <a:uFillTx/>
-                          <a:latin typeface="Arial Narrow" panose="020B0606020202030204" pitchFamily="34" charset="0"/>
-                          <a:ea typeface="LG스마트체 Regular" panose="020B0600000101010101" pitchFamily="50" charset="-127"/>
-                          <a:cs typeface="Arial" pitchFamily="34" charset="0"/>
-                          <a:sym typeface="Wingdings" pitchFamily="2" charset="2"/>
-                        </a:rPr>
-                        <a:t>실질적인 양불 판정 시스템의 적용을 위해 단순 판정만이 아닌</a:t>
-                      </a:r>
-                      <a:r>
-                        <a:rPr kumimoji="1" lang="en-US" altLang="ko-KR" sz="1100" b="0" i="0" u="none" strike="noStrike" kern="1200" cap="none" spc="0" normalizeH="0" baseline="0" noProof="0" dirty="0" smtClean="0">
-                          <a:ln>
-                            <a:noFill/>
-                          </a:ln>
-                          <a:solidFill>
-                            <a:schemeClr val="tx1"/>
-                          </a:solidFill>
-                          <a:effectLst/>
-                          <a:uLnTx/>
-                          <a:uFillTx/>
-                          <a:latin typeface="Arial Narrow" panose="020B0606020202030204" pitchFamily="34" charset="0"/>
-                          <a:ea typeface="LG스마트체 Regular" panose="020B0600000101010101" pitchFamily="50" charset="-127"/>
-                          <a:cs typeface="Arial" pitchFamily="34" charset="0"/>
-                          <a:sym typeface="Wingdings" pitchFamily="2" charset="2"/>
-                        </a:rPr>
-                        <a:t>, </a:t>
-                      </a:r>
-                      <a:r>
-                        <a:rPr kumimoji="1" lang="ko-KR" altLang="en-US" sz="1100" b="0" i="0" u="none" strike="noStrike" kern="1200" cap="none" spc="0" normalizeH="0" baseline="0" noProof="0" dirty="0" smtClean="0">
-                          <a:ln>
-                            <a:noFill/>
-                          </a:ln>
-                          <a:solidFill>
-                            <a:schemeClr val="tx1"/>
-                          </a:solidFill>
-                          <a:effectLst/>
-                          <a:uLnTx/>
-                          <a:uFillTx/>
-                          <a:latin typeface="Arial Narrow" panose="020B0606020202030204" pitchFamily="34" charset="0"/>
-                          <a:ea typeface="LG스마트체 Regular" panose="020B0600000101010101" pitchFamily="50" charset="-127"/>
-                          <a:cs typeface="Arial" pitchFamily="34" charset="0"/>
-                          <a:sym typeface="Wingdings" pitchFamily="2" charset="2"/>
-                        </a:rPr>
-                        <a:t>불량 발생시 컨베이어 라인의 정지 등 부가적인 기능 추가 요청 </a:t>
-                      </a:r>
-                      <a:r>
-                        <a:rPr kumimoji="1" lang="en-US" altLang="ko-KR" sz="1100" b="0" i="0" u="none" strike="noStrike" kern="1200" cap="none" spc="0" normalizeH="0" baseline="0" noProof="0" dirty="0" smtClean="0">
-                          <a:ln>
-                            <a:noFill/>
-                          </a:ln>
-                          <a:solidFill>
-                            <a:schemeClr val="tx1"/>
-                          </a:solidFill>
-                          <a:effectLst/>
-                          <a:uLnTx/>
-                          <a:uFillTx/>
-                          <a:latin typeface="Arial Narrow" panose="020B0606020202030204" pitchFamily="34" charset="0"/>
-                          <a:ea typeface="LG스마트체 Regular" panose="020B0600000101010101" pitchFamily="50" charset="-127"/>
-                          <a:cs typeface="Arial" pitchFamily="34" charset="0"/>
-                          <a:sym typeface="Wingdings" pitchFamily="2" charset="2"/>
-                        </a:rPr>
-                        <a:t>: </a:t>
-                      </a:r>
+                        <a:t>   → 추후 출장 대응을 통해 업체별 라인 점검 및 카메라 설치 가능 여부 확인 예정</a:t>
+                      </a:r>
+                      <a:endParaRPr kumimoji="1" lang="en-US" altLang="ko-KR" sz="1000" b="0" i="0" u="none" strike="noStrike" kern="1200" cap="none" spc="0" normalizeH="0" baseline="0" noProof="0" dirty="0" smtClean="0">
+                        <a:ln>
+                          <a:noFill/>
+                        </a:ln>
+                        <a:solidFill>
+                          <a:schemeClr val="tx1"/>
+                        </a:solidFill>
+                        <a:effectLst/>
+                        <a:uLnTx/>
+                        <a:uFillTx/>
+                        <a:latin typeface="Arial Narrow" panose="020B0606020202030204" pitchFamily="34" charset="0"/>
+                        <a:ea typeface="LG스마트체 Regular" panose="020B0600000101010101" pitchFamily="50" charset="-127"/>
+                        <a:cs typeface="Arial" pitchFamily="34" charset="0"/>
+                        <a:sym typeface="Wingdings" pitchFamily="2" charset="2"/>
+                      </a:endParaRPr>
                     </a:p>
                     <a:p>
                       <a:pPr marL="0" marR="0" lvl="0" indent="0" algn="l" defTabSz="914400" rtl="0" eaLnBrk="1" fontAlgn="auto" latinLnBrk="1" hangingPunct="1">
@@ -9368,7 +7667,7 @@
                         <a:defRPr/>
                       </a:pPr>
                       <a:r>
-                        <a:rPr kumimoji="1" lang="en-US" altLang="ko-KR" sz="1100" b="0" i="0" u="none" strike="noStrike" kern="1200" cap="none" spc="0" normalizeH="0" baseline="0" noProof="0" dirty="0" smtClean="0">
+                        <a:rPr kumimoji="1" lang="ko-KR" altLang="en-US" sz="1000" b="0" i="0" u="none" strike="noStrike" kern="1200" cap="none" spc="0" normalizeH="0" baseline="0" noProof="0" dirty="0" smtClean="0">
                           <a:ln>
                             <a:noFill/>
                           </a:ln>
@@ -9383,10 +7682,10 @@
                           <a:cs typeface="Arial" pitchFamily="34" charset="0"/>
                           <a:sym typeface="Wingdings" pitchFamily="2" charset="2"/>
                         </a:rPr>
-                        <a:t>  </a:t>
-                      </a:r>
-                      <a:r>
-                        <a:rPr kumimoji="1" lang="ko-KR" altLang="en-US" sz="1100" b="0" i="0" u="none" strike="noStrike" kern="1200" cap="none" spc="0" normalizeH="0" baseline="0" noProof="0" dirty="0" smtClean="0">
+                        <a:t>   → 천장 고정 방식의 경우 공간 확보에는 유리하나 측정 거리에 대한 검토가 선행되어야 함</a:t>
+                      </a:r>
+                      <a:r>
+                        <a:rPr kumimoji="1" lang="en-US" altLang="ko-KR" sz="1000" b="0" i="0" u="none" strike="noStrike" kern="1200" cap="none" spc="0" normalizeH="0" baseline="0" noProof="0" dirty="0" smtClean="0">
                           <a:ln>
                             <a:noFill/>
                           </a:ln>
@@ -9401,10 +7700,10 @@
                           <a:cs typeface="Arial" pitchFamily="34" charset="0"/>
                           <a:sym typeface="Wingdings" pitchFamily="2" charset="2"/>
                         </a:rPr>
-                        <a:t>→ 단기간에 추가하기는 어려운 가능이며</a:t>
-                      </a:r>
-                      <a:r>
-                        <a:rPr kumimoji="1" lang="en-US" altLang="ko-KR" sz="1100" b="0" i="0" u="none" strike="noStrike" kern="1200" cap="none" spc="0" normalizeH="0" baseline="0" noProof="0" dirty="0" smtClean="0">
+                        <a:t>(</a:t>
+                      </a:r>
+                      <a:r>
+                        <a:rPr kumimoji="1" lang="ko-KR" altLang="en-US" sz="1000" b="0" i="0" u="none" strike="noStrike" kern="1200" cap="none" spc="0" normalizeH="0" baseline="0" noProof="0" dirty="0" smtClean="0">
                           <a:ln>
                             <a:noFill/>
                           </a:ln>
@@ -9419,10 +7718,10 @@
                           <a:cs typeface="Arial" pitchFamily="34" charset="0"/>
                           <a:sym typeface="Wingdings" pitchFamily="2" charset="2"/>
                         </a:rPr>
-                        <a:t>, </a:t>
-                      </a:r>
-                      <a:r>
-                        <a:rPr kumimoji="1" lang="ko-KR" altLang="en-US" sz="1100" b="0" i="0" u="none" strike="noStrike" kern="1200" cap="none" spc="0" normalizeH="0" baseline="0" noProof="0" dirty="0" smtClean="0">
+                        <a:t>자체 </a:t>
+                      </a:r>
+                      <a:r>
+                        <a:rPr kumimoji="1" lang="ko-KR" altLang="en-US" sz="1000" b="0" i="0" u="none" strike="noStrike" kern="1200" cap="none" spc="0" normalizeH="0" baseline="0" noProof="0" dirty="0" err="1" smtClean="0">
                           <a:ln>
                             <a:noFill/>
                           </a:ln>
@@ -9437,9 +7736,2067 @@
                           <a:cs typeface="Arial" pitchFamily="34" charset="0"/>
                           <a:sym typeface="Wingdings" pitchFamily="2" charset="2"/>
                         </a:rPr>
-                        <a:t>장기 개선안으로 검토</a:t>
-                      </a:r>
-                      <a:endParaRPr kumimoji="1" lang="en-US" altLang="ko-KR" sz="1100" b="0" i="0" u="none" strike="noStrike" kern="1200" cap="none" spc="0" normalizeH="0" baseline="0" noProof="0" dirty="0" smtClean="0">
+                        <a:t>검토시</a:t>
+                      </a:r>
+                      <a:r>
+                        <a:rPr kumimoji="1" lang="ko-KR" altLang="en-US" sz="1000" b="0" i="0" u="none" strike="noStrike" kern="1200" cap="none" spc="0" normalizeH="0" baseline="0" noProof="0" dirty="0" smtClean="0">
+                          <a:ln>
+                            <a:noFill/>
+                          </a:ln>
+                          <a:solidFill>
+                            <a:schemeClr val="tx1"/>
+                          </a:solidFill>
+                          <a:effectLst/>
+                          <a:uLnTx/>
+                          <a:uFillTx/>
+                          <a:latin typeface="Arial Narrow" panose="020B0606020202030204" pitchFamily="34" charset="0"/>
+                          <a:ea typeface="LG스마트체 Regular" panose="020B0600000101010101" pitchFamily="50" charset="-127"/>
+                          <a:cs typeface="Arial" pitchFamily="34" charset="0"/>
+                          <a:sym typeface="Wingdings" pitchFamily="2" charset="2"/>
+                        </a:rPr>
+                        <a:t> 측정 거리에 따른 판정 정확도 </a:t>
+                      </a:r>
+                      <a:r>
+                        <a:rPr kumimoji="1" lang="ko-KR" altLang="en-US" sz="1000" b="0" i="0" u="none" strike="noStrike" kern="1200" cap="none" spc="0" normalizeH="0" baseline="0" noProof="0" dirty="0" err="1" smtClean="0">
+                          <a:ln>
+                            <a:noFill/>
+                          </a:ln>
+                          <a:solidFill>
+                            <a:schemeClr val="tx1"/>
+                          </a:solidFill>
+                          <a:effectLst/>
+                          <a:uLnTx/>
+                          <a:uFillTx/>
+                          <a:latin typeface="Arial Narrow" panose="020B0606020202030204" pitchFamily="34" charset="0"/>
+                          <a:ea typeface="LG스마트체 Regular" panose="020B0600000101010101" pitchFamily="50" charset="-127"/>
+                          <a:cs typeface="Arial" pitchFamily="34" charset="0"/>
+                          <a:sym typeface="Wingdings" pitchFamily="2" charset="2"/>
+                        </a:rPr>
+                        <a:t>유의차</a:t>
+                      </a:r>
+                      <a:r>
+                        <a:rPr kumimoji="1" lang="ko-KR" altLang="en-US" sz="1000" b="0" i="0" u="none" strike="noStrike" kern="1200" cap="none" spc="0" normalizeH="0" baseline="0" noProof="0" dirty="0" smtClean="0">
+                          <a:ln>
+                            <a:noFill/>
+                          </a:ln>
+                          <a:solidFill>
+                            <a:schemeClr val="tx1"/>
+                          </a:solidFill>
+                          <a:effectLst/>
+                          <a:uLnTx/>
+                          <a:uFillTx/>
+                          <a:latin typeface="Arial Narrow" panose="020B0606020202030204" pitchFamily="34" charset="0"/>
+                          <a:ea typeface="LG스마트체 Regular" panose="020B0600000101010101" pitchFamily="50" charset="-127"/>
+                          <a:cs typeface="Arial" pitchFamily="34" charset="0"/>
+                          <a:sym typeface="Wingdings" pitchFamily="2" charset="2"/>
+                        </a:rPr>
+                        <a:t> </a:t>
+                      </a:r>
+                      <a:r>
+                        <a:rPr kumimoji="1" lang="ko-KR" altLang="en-US" sz="1000" b="0" i="0" u="none" strike="noStrike" kern="1200" cap="none" spc="0" normalizeH="0" baseline="0" noProof="0" dirty="0" smtClean="0">
+                          <a:ln>
+                            <a:noFill/>
+                          </a:ln>
+                          <a:solidFill>
+                            <a:schemeClr val="tx1"/>
+                          </a:solidFill>
+                          <a:effectLst/>
+                          <a:uLnTx/>
+                          <a:uFillTx/>
+                          <a:latin typeface="Arial Narrow" panose="020B0606020202030204" pitchFamily="34" charset="0"/>
+                          <a:ea typeface="LG스마트체 Regular" panose="020B0600000101010101" pitchFamily="50" charset="-127"/>
+                          <a:cs typeface="Arial" pitchFamily="34" charset="0"/>
+                          <a:sym typeface="Wingdings" pitchFamily="2" charset="2"/>
+                        </a:rPr>
+                        <a:t>존재</a:t>
+                      </a:r>
+                      <a:r>
+                        <a:rPr kumimoji="1" lang="en-US" altLang="ko-KR" sz="1000" b="0" i="0" u="none" strike="noStrike" kern="1200" cap="none" spc="0" normalizeH="0" baseline="0" noProof="0" dirty="0" smtClean="0">
+                          <a:ln>
+                            <a:noFill/>
+                          </a:ln>
+                          <a:solidFill>
+                            <a:schemeClr val="tx1"/>
+                          </a:solidFill>
+                          <a:effectLst/>
+                          <a:uLnTx/>
+                          <a:uFillTx/>
+                          <a:latin typeface="Arial Narrow" panose="020B0606020202030204" pitchFamily="34" charset="0"/>
+                          <a:ea typeface="LG스마트체 Regular" panose="020B0600000101010101" pitchFamily="50" charset="-127"/>
+                          <a:cs typeface="Arial" pitchFamily="34" charset="0"/>
+                          <a:sym typeface="Wingdings" pitchFamily="2" charset="2"/>
+                        </a:rPr>
+                        <a:t>)</a:t>
+                      </a:r>
+                      <a:endParaRPr kumimoji="1" lang="en-US" altLang="ko-KR" sz="1000" b="0" i="0" u="none" strike="noStrike" kern="1200" cap="none" spc="0" normalizeH="0" baseline="0" noProof="0" dirty="0" smtClean="0">
+                        <a:ln>
+                          <a:noFill/>
+                        </a:ln>
+                        <a:solidFill>
+                          <a:schemeClr val="tx1"/>
+                        </a:solidFill>
+                        <a:effectLst/>
+                        <a:uLnTx/>
+                        <a:uFillTx/>
+                        <a:latin typeface="Arial Narrow" panose="020B0606020202030204" pitchFamily="34" charset="0"/>
+                        <a:ea typeface="LG스마트체 Regular" panose="020B0600000101010101" pitchFamily="50" charset="-127"/>
+                        <a:cs typeface="Arial" pitchFamily="34" charset="0"/>
+                        <a:sym typeface="Wingdings" pitchFamily="2" charset="2"/>
+                      </a:endParaRPr>
+                    </a:p>
+                    <a:p>
+                      <a:pPr marL="0" marR="0" lvl="0" indent="0" algn="l" defTabSz="914400" rtl="0" eaLnBrk="1" fontAlgn="auto" latinLnBrk="1" hangingPunct="1">
+                        <a:lnSpc>
+                          <a:spcPct val="150000"/>
+                        </a:lnSpc>
+                        <a:spcBef>
+                          <a:spcPts val="0"/>
+                        </a:spcBef>
+                        <a:spcAft>
+                          <a:spcPts val="0"/>
+                        </a:spcAft>
+                        <a:buClrTx/>
+                        <a:buSzTx/>
+                        <a:buFont typeface="Wingdings" pitchFamily="2" charset="2"/>
+                        <a:buNone/>
+                        <a:tabLst>
+                          <a:tab pos="541338" algn="l"/>
+                        </a:tabLst>
+                        <a:defRPr/>
+                      </a:pPr>
+                      <a:endParaRPr kumimoji="1" lang="en-US" altLang="ko-KR" sz="900" b="0" i="0" u="none" strike="noStrike" kern="1200" cap="none" spc="0" normalizeH="0" baseline="0" noProof="0" dirty="0" smtClean="0">
+                        <a:ln>
+                          <a:noFill/>
+                        </a:ln>
+                        <a:solidFill>
+                          <a:schemeClr val="tx1"/>
+                        </a:solidFill>
+                        <a:effectLst/>
+                        <a:uLnTx/>
+                        <a:uFillTx/>
+                        <a:latin typeface="Arial Narrow" panose="020B0606020202030204" pitchFamily="34" charset="0"/>
+                        <a:ea typeface="LG스마트체 Regular" panose="020B0600000101010101" pitchFamily="50" charset="-127"/>
+                        <a:cs typeface="Arial" pitchFamily="34" charset="0"/>
+                        <a:sym typeface="Wingdings" pitchFamily="2" charset="2"/>
+                      </a:endParaRPr>
+                    </a:p>
+                    <a:p>
+                      <a:pPr marL="0" marR="0" lvl="0" indent="0" algn="l" defTabSz="914400" rtl="0" eaLnBrk="1" fontAlgn="auto" latinLnBrk="1" hangingPunct="1">
+                        <a:lnSpc>
+                          <a:spcPct val="150000"/>
+                        </a:lnSpc>
+                        <a:spcBef>
+                          <a:spcPts val="0"/>
+                        </a:spcBef>
+                        <a:spcAft>
+                          <a:spcPts val="0"/>
+                        </a:spcAft>
+                        <a:buClrTx/>
+                        <a:buSzTx/>
+                        <a:buFont typeface="Wingdings" pitchFamily="2" charset="2"/>
+                        <a:buNone/>
+                        <a:tabLst>
+                          <a:tab pos="541338" algn="l"/>
+                        </a:tabLst>
+                        <a:defRPr/>
+                      </a:pPr>
+                      <a:r>
+                        <a:rPr kumimoji="1" lang="en-US" altLang="ko-KR" sz="1000" b="0" i="0" u="none" strike="noStrike" kern="1200" cap="none" spc="0" normalizeH="0" baseline="0" noProof="0" dirty="0" smtClean="0">
+                          <a:ln>
+                            <a:noFill/>
+                          </a:ln>
+                          <a:solidFill>
+                            <a:schemeClr val="tx1"/>
+                          </a:solidFill>
+                          <a:effectLst/>
+                          <a:uLnTx/>
+                          <a:uFillTx/>
+                          <a:latin typeface="Arial Narrow" panose="020B0606020202030204" pitchFamily="34" charset="0"/>
+                          <a:ea typeface="LG스마트체 Regular" panose="020B0600000101010101" pitchFamily="50" charset="-127"/>
+                          <a:cs typeface="Arial" pitchFamily="34" charset="0"/>
+                          <a:sym typeface="Wingdings" pitchFamily="2" charset="2"/>
+                        </a:rPr>
+                        <a:t>2) </a:t>
+                      </a:r>
+                      <a:r>
+                        <a:rPr kumimoji="1" lang="ko-KR" altLang="en-US" sz="1000" b="0" i="0" u="none" strike="noStrike" kern="1200" cap="none" spc="0" normalizeH="0" baseline="0" noProof="0" dirty="0" smtClean="0">
+                          <a:ln>
+                            <a:noFill/>
+                          </a:ln>
+                          <a:solidFill>
+                            <a:schemeClr val="tx1"/>
+                          </a:solidFill>
+                          <a:effectLst/>
+                          <a:uLnTx/>
+                          <a:uFillTx/>
+                          <a:latin typeface="Arial Narrow" panose="020B0606020202030204" pitchFamily="34" charset="0"/>
+                          <a:ea typeface="LG스마트체 Regular" panose="020B0600000101010101" pitchFamily="50" charset="-127"/>
+                          <a:cs typeface="Arial" pitchFamily="34" charset="0"/>
+                          <a:sym typeface="Wingdings" pitchFamily="2" charset="2"/>
+                        </a:rPr>
+                        <a:t>흐름라인에서의 양</a:t>
+                      </a:r>
+                      <a:r>
+                        <a:rPr kumimoji="1" lang="en-US" altLang="ko-KR" sz="1000" b="0" i="0" u="none" strike="noStrike" kern="1200" cap="none" spc="0" normalizeH="0" baseline="0" noProof="0" dirty="0" smtClean="0">
+                          <a:ln>
+                            <a:noFill/>
+                          </a:ln>
+                          <a:solidFill>
+                            <a:schemeClr val="tx1"/>
+                          </a:solidFill>
+                          <a:effectLst/>
+                          <a:uLnTx/>
+                          <a:uFillTx/>
+                          <a:latin typeface="Arial Narrow" panose="020B0606020202030204" pitchFamily="34" charset="0"/>
+                          <a:ea typeface="LG스마트체 Regular" panose="020B0600000101010101" pitchFamily="50" charset="-127"/>
+                          <a:cs typeface="Arial" pitchFamily="34" charset="0"/>
+                          <a:sym typeface="Wingdings" pitchFamily="2" charset="2"/>
+                        </a:rPr>
+                        <a:t>/</a:t>
+                      </a:r>
+                      <a:r>
+                        <a:rPr kumimoji="1" lang="ko-KR" altLang="en-US" sz="1000" b="0" i="0" u="none" strike="noStrike" kern="1200" cap="none" spc="0" normalizeH="0" baseline="0" noProof="0" dirty="0" smtClean="0">
+                          <a:ln>
+                            <a:noFill/>
+                          </a:ln>
+                          <a:solidFill>
+                            <a:schemeClr val="tx1"/>
+                          </a:solidFill>
+                          <a:effectLst/>
+                          <a:uLnTx/>
+                          <a:uFillTx/>
+                          <a:latin typeface="Arial Narrow" panose="020B0606020202030204" pitchFamily="34" charset="0"/>
+                          <a:ea typeface="LG스마트체 Regular" panose="020B0600000101010101" pitchFamily="50" charset="-127"/>
+                          <a:cs typeface="Arial" pitchFamily="34" charset="0"/>
+                          <a:sym typeface="Wingdings" pitchFamily="2" charset="2"/>
+                        </a:rPr>
+                        <a:t>불 판정을 위해 판정 속도에 대한 검토 필요</a:t>
+                      </a:r>
+                      <a:endParaRPr kumimoji="1" lang="en-US" altLang="ko-KR" sz="1000" b="0" i="0" u="none" strike="noStrike" kern="1200" cap="none" spc="0" normalizeH="0" baseline="0" noProof="0" dirty="0" smtClean="0">
+                        <a:ln>
+                          <a:noFill/>
+                        </a:ln>
+                        <a:solidFill>
+                          <a:schemeClr val="tx1"/>
+                        </a:solidFill>
+                        <a:effectLst/>
+                        <a:uLnTx/>
+                        <a:uFillTx/>
+                        <a:latin typeface="Arial Narrow" panose="020B0606020202030204" pitchFamily="34" charset="0"/>
+                        <a:ea typeface="LG스마트체 Regular" panose="020B0600000101010101" pitchFamily="50" charset="-127"/>
+                        <a:cs typeface="Arial" pitchFamily="34" charset="0"/>
+                        <a:sym typeface="Wingdings" pitchFamily="2" charset="2"/>
+                      </a:endParaRPr>
+                    </a:p>
+                    <a:p>
+                      <a:pPr marL="0" marR="0" lvl="0" indent="0" algn="l" defTabSz="914400" rtl="0" eaLnBrk="1" fontAlgn="auto" latinLnBrk="1" hangingPunct="1">
+                        <a:lnSpc>
+                          <a:spcPct val="150000"/>
+                        </a:lnSpc>
+                        <a:spcBef>
+                          <a:spcPts val="0"/>
+                        </a:spcBef>
+                        <a:spcAft>
+                          <a:spcPts val="0"/>
+                        </a:spcAft>
+                        <a:buClrTx/>
+                        <a:buSzTx/>
+                        <a:buFont typeface="Wingdings" pitchFamily="2" charset="2"/>
+                        <a:buNone/>
+                        <a:tabLst>
+                          <a:tab pos="541338" algn="l"/>
+                        </a:tabLst>
+                        <a:defRPr/>
+                      </a:pPr>
+                      <a:r>
+                        <a:rPr kumimoji="1" lang="en-US" altLang="ko-KR" sz="1000" b="0" i="0" u="none" strike="noStrike" kern="1200" cap="none" spc="0" normalizeH="0" baseline="0" noProof="0" dirty="0" smtClean="0">
+                          <a:ln>
+                            <a:noFill/>
+                          </a:ln>
+                          <a:solidFill>
+                            <a:schemeClr val="tx1"/>
+                          </a:solidFill>
+                          <a:effectLst/>
+                          <a:uLnTx/>
+                          <a:uFillTx/>
+                          <a:latin typeface="Arial Narrow" panose="020B0606020202030204" pitchFamily="34" charset="0"/>
+                          <a:ea typeface="LG스마트체 Regular" panose="020B0600000101010101" pitchFamily="50" charset="-127"/>
+                          <a:cs typeface="Arial" pitchFamily="34" charset="0"/>
+                          <a:sym typeface="Wingdings" pitchFamily="2" charset="2"/>
+                        </a:rPr>
+                        <a:t>-. Tack Time </a:t>
+                      </a:r>
+                      <a:r>
+                        <a:rPr kumimoji="1" lang="ko-KR" altLang="en-US" sz="1000" b="0" i="0" u="none" strike="noStrike" kern="1200" cap="none" spc="0" normalizeH="0" baseline="0" noProof="0" dirty="0" smtClean="0">
+                          <a:ln>
+                            <a:noFill/>
+                          </a:ln>
+                          <a:solidFill>
+                            <a:schemeClr val="tx1"/>
+                          </a:solidFill>
+                          <a:effectLst/>
+                          <a:uLnTx/>
+                          <a:uFillTx/>
+                          <a:latin typeface="Arial Narrow" panose="020B0606020202030204" pitchFamily="34" charset="0"/>
+                          <a:ea typeface="LG스마트체 Regular" panose="020B0600000101010101" pitchFamily="50" charset="-127"/>
+                          <a:cs typeface="Arial" pitchFamily="34" charset="0"/>
+                          <a:sym typeface="Wingdings" pitchFamily="2" charset="2"/>
+                        </a:rPr>
+                        <a:t>기준 약 </a:t>
+                      </a:r>
+                      <a:r>
+                        <a:rPr kumimoji="1" lang="en-US" altLang="ko-KR" sz="1000" b="0" i="0" u="none" strike="noStrike" kern="1200" cap="none" spc="0" normalizeH="0" baseline="0" noProof="0" dirty="0" smtClean="0">
+                          <a:ln>
+                            <a:noFill/>
+                          </a:ln>
+                          <a:solidFill>
+                            <a:schemeClr val="tx1"/>
+                          </a:solidFill>
+                          <a:effectLst/>
+                          <a:uLnTx/>
+                          <a:uFillTx/>
+                          <a:latin typeface="Arial Narrow" panose="020B0606020202030204" pitchFamily="34" charset="0"/>
+                          <a:ea typeface="LG스마트체 Regular" panose="020B0600000101010101" pitchFamily="50" charset="-127"/>
+                          <a:cs typeface="Arial" pitchFamily="34" charset="0"/>
+                          <a:sym typeface="Wingdings" pitchFamily="2" charset="2"/>
+                        </a:rPr>
+                        <a:t>7</a:t>
+                      </a:r>
+                      <a:r>
+                        <a:rPr kumimoji="1" lang="ko-KR" altLang="en-US" sz="1000" b="0" i="0" u="none" strike="noStrike" kern="1200" cap="none" spc="0" normalizeH="0" baseline="0" noProof="0" dirty="0" smtClean="0">
+                          <a:ln>
+                            <a:noFill/>
+                          </a:ln>
+                          <a:solidFill>
+                            <a:schemeClr val="tx1"/>
+                          </a:solidFill>
+                          <a:effectLst/>
+                          <a:uLnTx/>
+                          <a:uFillTx/>
+                          <a:latin typeface="Arial Narrow" panose="020B0606020202030204" pitchFamily="34" charset="0"/>
+                          <a:ea typeface="LG스마트체 Regular" panose="020B0600000101010101" pitchFamily="50" charset="-127"/>
+                          <a:cs typeface="Arial" pitchFamily="34" charset="0"/>
+                          <a:sym typeface="Wingdings" pitchFamily="2" charset="2"/>
+                        </a:rPr>
+                        <a:t>초의 속도에서도 판정 가능한 수준의 정확도 확보가 필요함</a:t>
+                      </a:r>
+                      <a:endParaRPr kumimoji="1" lang="en-US" altLang="ko-KR" sz="1000" b="0" i="0" u="none" strike="noStrike" kern="1200" cap="none" spc="0" normalizeH="0" baseline="0" noProof="0" dirty="0" smtClean="0">
+                        <a:ln>
+                          <a:noFill/>
+                        </a:ln>
+                        <a:solidFill>
+                          <a:schemeClr val="tx1"/>
+                        </a:solidFill>
+                        <a:effectLst/>
+                        <a:uLnTx/>
+                        <a:uFillTx/>
+                        <a:latin typeface="Arial Narrow" panose="020B0606020202030204" pitchFamily="34" charset="0"/>
+                        <a:ea typeface="LG스마트체 Regular" panose="020B0600000101010101" pitchFamily="50" charset="-127"/>
+                        <a:cs typeface="Arial" pitchFamily="34" charset="0"/>
+                        <a:sym typeface="Wingdings" pitchFamily="2" charset="2"/>
+                      </a:endParaRPr>
+                    </a:p>
+                    <a:p>
+                      <a:pPr marL="0" marR="0" lvl="0" indent="0" algn="l" defTabSz="914400" rtl="0" eaLnBrk="1" fontAlgn="auto" latinLnBrk="1" hangingPunct="1">
+                        <a:lnSpc>
+                          <a:spcPct val="150000"/>
+                        </a:lnSpc>
+                        <a:spcBef>
+                          <a:spcPts val="0"/>
+                        </a:spcBef>
+                        <a:spcAft>
+                          <a:spcPts val="0"/>
+                        </a:spcAft>
+                        <a:buClrTx/>
+                        <a:buSzTx/>
+                        <a:buFont typeface="Wingdings" pitchFamily="2" charset="2"/>
+                        <a:buNone/>
+                        <a:tabLst>
+                          <a:tab pos="541338" algn="l"/>
+                        </a:tabLst>
+                        <a:defRPr/>
+                      </a:pPr>
+                      <a:r>
+                        <a:rPr kumimoji="1" lang="en-US" altLang="ko-KR" sz="1000" b="0" i="0" u="none" strike="noStrike" kern="1200" cap="none" spc="0" normalizeH="0" baseline="0" noProof="0" dirty="0" smtClean="0">
+                          <a:ln>
+                            <a:noFill/>
+                          </a:ln>
+                          <a:solidFill>
+                            <a:schemeClr val="tx1"/>
+                          </a:solidFill>
+                          <a:effectLst/>
+                          <a:uLnTx/>
+                          <a:uFillTx/>
+                          <a:latin typeface="Arial Narrow" panose="020B0606020202030204" pitchFamily="34" charset="0"/>
+                          <a:ea typeface="LG스마트체 Regular" panose="020B0600000101010101" pitchFamily="50" charset="-127"/>
+                          <a:cs typeface="Arial" pitchFamily="34" charset="0"/>
+                          <a:sym typeface="Wingdings" pitchFamily="2" charset="2"/>
+                        </a:rPr>
+                        <a:t>   </a:t>
+                      </a:r>
+                      <a:r>
+                        <a:rPr kumimoji="1" lang="ko-KR" altLang="en-US" sz="1000" b="0" i="0" u="none" strike="noStrike" kern="1200" cap="none" spc="0" normalizeH="0" baseline="0" noProof="0" dirty="0" smtClean="0">
+                          <a:ln>
+                            <a:noFill/>
+                          </a:ln>
+                          <a:solidFill>
+                            <a:schemeClr val="tx1"/>
+                          </a:solidFill>
+                          <a:effectLst/>
+                          <a:uLnTx/>
+                          <a:uFillTx/>
+                          <a:latin typeface="Arial Narrow" panose="020B0606020202030204" pitchFamily="34" charset="0"/>
+                          <a:ea typeface="LG스마트체 Regular" panose="020B0600000101010101" pitchFamily="50" charset="-127"/>
+                          <a:cs typeface="Arial" pitchFamily="34" charset="0"/>
+                          <a:sym typeface="Wingdings" pitchFamily="2" charset="2"/>
+                        </a:rPr>
+                        <a:t>→ 자체 </a:t>
+                      </a:r>
+                      <a:r>
+                        <a:rPr kumimoji="1" lang="en-US" altLang="ko-KR" sz="1000" b="0" i="0" u="none" strike="noStrike" kern="1200" cap="none" spc="0" normalizeH="0" baseline="0" noProof="0" dirty="0" smtClean="0">
+                          <a:ln>
+                            <a:noFill/>
+                          </a:ln>
+                          <a:solidFill>
+                            <a:schemeClr val="tx1"/>
+                          </a:solidFill>
+                          <a:effectLst/>
+                          <a:uLnTx/>
+                          <a:uFillTx/>
+                          <a:latin typeface="Arial Narrow" panose="020B0606020202030204" pitchFamily="34" charset="0"/>
+                          <a:ea typeface="LG스마트체 Regular" panose="020B0600000101010101" pitchFamily="50" charset="-127"/>
+                          <a:cs typeface="Arial" pitchFamily="34" charset="0"/>
+                          <a:sym typeface="Wingdings" pitchFamily="2" charset="2"/>
+                        </a:rPr>
+                        <a:t>Test</a:t>
+                      </a:r>
+                      <a:r>
+                        <a:rPr kumimoji="1" lang="ko-KR" altLang="en-US" sz="1000" b="0" i="0" u="none" strike="noStrike" kern="1200" cap="none" spc="0" normalizeH="0" baseline="0" noProof="0" dirty="0" smtClean="0">
+                          <a:ln>
+                            <a:noFill/>
+                          </a:ln>
+                          <a:solidFill>
+                            <a:schemeClr val="tx1"/>
+                          </a:solidFill>
+                          <a:effectLst/>
+                          <a:uLnTx/>
+                          <a:uFillTx/>
+                          <a:latin typeface="Arial Narrow" panose="020B0606020202030204" pitchFamily="34" charset="0"/>
+                          <a:ea typeface="LG스마트체 Regular" panose="020B0600000101010101" pitchFamily="50" charset="-127"/>
+                          <a:cs typeface="Arial" pitchFamily="34" charset="0"/>
+                          <a:sym typeface="Wingdings" pitchFamily="2" charset="2"/>
+                        </a:rPr>
+                        <a:t>를 통한 모듈 이동 속도 별 검출 성능 차이 확인 및 </a:t>
+                      </a:r>
+                      <a:r>
+                        <a:rPr kumimoji="1" lang="en-US" altLang="ko-KR" sz="1000" b="0" i="0" u="none" strike="noStrike" kern="1200" cap="none" spc="0" normalizeH="0" baseline="0" noProof="0" dirty="0" smtClean="0">
+                          <a:ln>
+                            <a:noFill/>
+                          </a:ln>
+                          <a:solidFill>
+                            <a:schemeClr val="tx1"/>
+                          </a:solidFill>
+                          <a:effectLst/>
+                          <a:uLnTx/>
+                          <a:uFillTx/>
+                          <a:latin typeface="Arial Narrow" panose="020B0606020202030204" pitchFamily="34" charset="0"/>
+                          <a:ea typeface="LG스마트체 Regular" panose="020B0600000101010101" pitchFamily="50" charset="-127"/>
+                          <a:cs typeface="Arial" pitchFamily="34" charset="0"/>
+                          <a:sym typeface="Wingdings" pitchFamily="2" charset="2"/>
+                        </a:rPr>
+                        <a:t>Tack Time</a:t>
+                      </a:r>
+                      <a:r>
+                        <a:rPr kumimoji="1" lang="ko-KR" altLang="en-US" sz="1000" b="0" i="0" u="none" strike="noStrike" kern="1200" cap="none" spc="0" normalizeH="0" baseline="0" noProof="0" dirty="0" smtClean="0">
+                          <a:ln>
+                            <a:noFill/>
+                          </a:ln>
+                          <a:solidFill>
+                            <a:schemeClr val="tx1"/>
+                          </a:solidFill>
+                          <a:effectLst/>
+                          <a:uLnTx/>
+                          <a:uFillTx/>
+                          <a:latin typeface="Arial Narrow" panose="020B0606020202030204" pitchFamily="34" charset="0"/>
+                          <a:ea typeface="LG스마트체 Regular" panose="020B0600000101010101" pitchFamily="50" charset="-127"/>
+                          <a:cs typeface="Arial" pitchFamily="34" charset="0"/>
+                          <a:sym typeface="Wingdings" pitchFamily="2" charset="2"/>
+                        </a:rPr>
+                        <a:t>에 따른 흐름라인의 이동 속도 계산 필요</a:t>
+                      </a:r>
+                      <a:endParaRPr kumimoji="1" lang="en-US" altLang="ko-KR" sz="1000" b="0" i="0" u="none" strike="noStrike" kern="1200" cap="none" spc="0" normalizeH="0" baseline="0" noProof="0" dirty="0" smtClean="0">
+                        <a:ln>
+                          <a:noFill/>
+                        </a:ln>
+                        <a:solidFill>
+                          <a:schemeClr val="tx1"/>
+                        </a:solidFill>
+                        <a:effectLst/>
+                        <a:uLnTx/>
+                        <a:uFillTx/>
+                        <a:latin typeface="Arial Narrow" panose="020B0606020202030204" pitchFamily="34" charset="0"/>
+                        <a:ea typeface="LG스마트체 Regular" panose="020B0600000101010101" pitchFamily="50" charset="-127"/>
+                        <a:cs typeface="Arial" pitchFamily="34" charset="0"/>
+                        <a:sym typeface="Wingdings" pitchFamily="2" charset="2"/>
+                      </a:endParaRPr>
+                    </a:p>
+                    <a:p>
+                      <a:pPr marL="0" marR="0" lvl="0" indent="0" algn="l" defTabSz="914400" rtl="0" eaLnBrk="1" fontAlgn="auto" latinLnBrk="1" hangingPunct="1">
+                        <a:lnSpc>
+                          <a:spcPct val="150000"/>
+                        </a:lnSpc>
+                        <a:spcBef>
+                          <a:spcPts val="0"/>
+                        </a:spcBef>
+                        <a:spcAft>
+                          <a:spcPts val="0"/>
+                        </a:spcAft>
+                        <a:buClrTx/>
+                        <a:buSzTx/>
+                        <a:buFont typeface="Wingdings" pitchFamily="2" charset="2"/>
+                        <a:buNone/>
+                        <a:tabLst>
+                          <a:tab pos="541338" algn="l"/>
+                        </a:tabLst>
+                        <a:defRPr/>
+                      </a:pPr>
+                      <a:endParaRPr kumimoji="1" lang="en-US" altLang="ko-KR" sz="900" b="0" i="0" u="none" strike="noStrike" kern="1200" cap="none" spc="0" normalizeH="0" baseline="0" noProof="0" dirty="0" smtClean="0">
+                        <a:ln>
+                          <a:noFill/>
+                        </a:ln>
+                        <a:solidFill>
+                          <a:schemeClr val="tx1"/>
+                        </a:solidFill>
+                        <a:effectLst/>
+                        <a:uLnTx/>
+                        <a:uFillTx/>
+                        <a:latin typeface="Arial Narrow" panose="020B0606020202030204" pitchFamily="34" charset="0"/>
+                        <a:ea typeface="LG스마트체 Regular" panose="020B0600000101010101" pitchFamily="50" charset="-127"/>
+                        <a:cs typeface="Arial" pitchFamily="34" charset="0"/>
+                        <a:sym typeface="Wingdings" pitchFamily="2" charset="2"/>
+                      </a:endParaRPr>
+                    </a:p>
+                    <a:p>
+                      <a:pPr marL="0" marR="0" lvl="0" indent="0" algn="l" defTabSz="914400" rtl="0" eaLnBrk="1" fontAlgn="auto" latinLnBrk="1" hangingPunct="1">
+                        <a:lnSpc>
+                          <a:spcPct val="150000"/>
+                        </a:lnSpc>
+                        <a:spcBef>
+                          <a:spcPts val="0"/>
+                        </a:spcBef>
+                        <a:spcAft>
+                          <a:spcPts val="0"/>
+                        </a:spcAft>
+                        <a:buClrTx/>
+                        <a:buSzTx/>
+                        <a:buFont typeface="Wingdings" pitchFamily="2" charset="2"/>
+                        <a:buNone/>
+                        <a:tabLst>
+                          <a:tab pos="541338" algn="l"/>
+                        </a:tabLst>
+                        <a:defRPr/>
+                      </a:pPr>
+                      <a:r>
+                        <a:rPr kumimoji="1" lang="en-US" altLang="ko-KR" sz="1000" b="0" i="0" u="none" strike="noStrike" kern="1200" cap="none" spc="0" normalizeH="0" baseline="0" noProof="0" dirty="0" smtClean="0">
+                          <a:ln>
+                            <a:noFill/>
+                          </a:ln>
+                          <a:solidFill>
+                            <a:schemeClr val="tx1"/>
+                          </a:solidFill>
+                          <a:effectLst/>
+                          <a:uLnTx/>
+                          <a:uFillTx/>
+                          <a:latin typeface="Arial Narrow" panose="020B0606020202030204" pitchFamily="34" charset="0"/>
+                          <a:ea typeface="LG스마트체 Regular" panose="020B0600000101010101" pitchFamily="50" charset="-127"/>
+                          <a:cs typeface="Arial" pitchFamily="34" charset="0"/>
+                          <a:sym typeface="Wingdings" pitchFamily="2" charset="2"/>
+                        </a:rPr>
+                        <a:t>3) </a:t>
+                      </a:r>
+                      <a:r>
+                        <a:rPr kumimoji="1" lang="ko-KR" altLang="en-US" sz="1000" b="0" i="0" u="none" strike="noStrike" kern="1200" cap="none" spc="0" normalizeH="0" baseline="0" noProof="0" dirty="0" smtClean="0">
+                          <a:ln>
+                            <a:noFill/>
+                          </a:ln>
+                          <a:solidFill>
+                            <a:schemeClr val="tx1"/>
+                          </a:solidFill>
+                          <a:effectLst/>
+                          <a:uLnTx/>
+                          <a:uFillTx/>
+                          <a:latin typeface="Arial Narrow" panose="020B0606020202030204" pitchFamily="34" charset="0"/>
+                          <a:ea typeface="LG스마트체 Regular" panose="020B0600000101010101" pitchFamily="50" charset="-127"/>
+                          <a:cs typeface="Arial" pitchFamily="34" charset="0"/>
+                          <a:sym typeface="Wingdings" pitchFamily="2" charset="2"/>
+                        </a:rPr>
+                        <a:t>판정 장비 도입 시 투자비용 문의 </a:t>
+                      </a:r>
+                      <a:r>
+                        <a:rPr kumimoji="1" lang="en-US" altLang="ko-KR" sz="1000" b="0" i="0" u="none" strike="noStrike" kern="1200" cap="none" spc="0" normalizeH="0" baseline="0" noProof="0" dirty="0" smtClean="0">
+                          <a:ln>
+                            <a:noFill/>
+                          </a:ln>
+                          <a:solidFill>
+                            <a:schemeClr val="tx1"/>
+                          </a:solidFill>
+                          <a:effectLst/>
+                          <a:uLnTx/>
+                          <a:uFillTx/>
+                          <a:latin typeface="Arial Narrow" panose="020B0606020202030204" pitchFamily="34" charset="0"/>
+                          <a:ea typeface="LG스마트체 Regular" panose="020B0600000101010101" pitchFamily="50" charset="-127"/>
+                          <a:cs typeface="Arial" pitchFamily="34" charset="0"/>
+                          <a:sym typeface="Wingdings" pitchFamily="2" charset="2"/>
+                        </a:rPr>
+                        <a:t>: </a:t>
+                      </a:r>
+                      <a:r>
+                        <a:rPr kumimoji="1" lang="ko-KR" altLang="en-US" sz="1000" b="0" i="0" u="none" strike="noStrike" kern="1200" cap="none" spc="0" normalizeH="0" baseline="0" noProof="0" dirty="0" smtClean="0">
+                          <a:ln>
+                            <a:noFill/>
+                          </a:ln>
+                          <a:solidFill>
+                            <a:schemeClr val="tx1"/>
+                          </a:solidFill>
+                          <a:effectLst/>
+                          <a:uLnTx/>
+                          <a:uFillTx/>
+                          <a:latin typeface="Arial Narrow" panose="020B0606020202030204" pitchFamily="34" charset="0"/>
+                          <a:ea typeface="LG스마트체 Regular" panose="020B0600000101010101" pitchFamily="50" charset="-127"/>
+                          <a:cs typeface="Arial" pitchFamily="34" charset="0"/>
+                          <a:sym typeface="Wingdings" pitchFamily="2" charset="2"/>
+                        </a:rPr>
+                        <a:t>자체 </a:t>
+                      </a:r>
+                      <a:r>
+                        <a:rPr kumimoji="1" lang="en-US" altLang="ko-KR" sz="1000" b="0" i="0" u="none" strike="noStrike" kern="1200" cap="none" spc="0" normalizeH="0" baseline="0" noProof="0" dirty="0" smtClean="0">
+                          <a:ln>
+                            <a:noFill/>
+                          </a:ln>
+                          <a:solidFill>
+                            <a:schemeClr val="tx1"/>
+                          </a:solidFill>
+                          <a:effectLst/>
+                          <a:uLnTx/>
+                          <a:uFillTx/>
+                          <a:latin typeface="Arial Narrow" panose="020B0606020202030204" pitchFamily="34" charset="0"/>
+                          <a:ea typeface="LG스마트체 Regular" panose="020B0600000101010101" pitchFamily="50" charset="-127"/>
+                          <a:cs typeface="Arial" pitchFamily="34" charset="0"/>
+                          <a:sym typeface="Wingdings" pitchFamily="2" charset="2"/>
+                        </a:rPr>
+                        <a:t>Test </a:t>
+                      </a:r>
+                      <a:r>
+                        <a:rPr kumimoji="1" lang="ko-KR" altLang="en-US" sz="1000" b="0" i="0" u="none" strike="noStrike" kern="1200" cap="none" spc="0" normalizeH="0" baseline="0" noProof="0" dirty="0" smtClean="0">
+                          <a:ln>
+                            <a:noFill/>
+                          </a:ln>
+                          <a:solidFill>
+                            <a:schemeClr val="tx1"/>
+                          </a:solidFill>
+                          <a:effectLst/>
+                          <a:uLnTx/>
+                          <a:uFillTx/>
+                          <a:latin typeface="Arial Narrow" panose="020B0606020202030204" pitchFamily="34" charset="0"/>
+                          <a:ea typeface="LG스마트체 Regular" panose="020B0600000101010101" pitchFamily="50" charset="-127"/>
+                          <a:cs typeface="Arial" pitchFamily="34" charset="0"/>
+                          <a:sym typeface="Wingdings" pitchFamily="2" charset="2"/>
+                        </a:rPr>
+                        <a:t>진행한 카메라의 경우 약 </a:t>
+                      </a:r>
+                      <a:r>
+                        <a:rPr kumimoji="1" lang="en-US" altLang="ko-KR" sz="1000" b="0" i="0" u="none" strike="noStrike" kern="1200" cap="none" spc="0" normalizeH="0" baseline="0" noProof="0" dirty="0" smtClean="0">
+                          <a:ln>
+                            <a:noFill/>
+                          </a:ln>
+                          <a:solidFill>
+                            <a:schemeClr val="tx1"/>
+                          </a:solidFill>
+                          <a:effectLst/>
+                          <a:uLnTx/>
+                          <a:uFillTx/>
+                          <a:latin typeface="Arial Narrow" panose="020B0606020202030204" pitchFamily="34" charset="0"/>
+                          <a:ea typeface="LG스마트체 Regular" panose="020B0600000101010101" pitchFamily="50" charset="-127"/>
+                          <a:cs typeface="Arial" pitchFamily="34" charset="0"/>
+                          <a:sym typeface="Wingdings" pitchFamily="2" charset="2"/>
+                        </a:rPr>
+                        <a:t>50</a:t>
+                      </a:r>
+                      <a:r>
+                        <a:rPr kumimoji="1" lang="ko-KR" altLang="en-US" sz="1000" b="0" i="0" u="none" strike="noStrike" kern="1200" cap="none" spc="0" normalizeH="0" baseline="0" noProof="0" dirty="0" smtClean="0">
+                          <a:ln>
+                            <a:noFill/>
+                          </a:ln>
+                          <a:solidFill>
+                            <a:schemeClr val="tx1"/>
+                          </a:solidFill>
+                          <a:effectLst/>
+                          <a:uLnTx/>
+                          <a:uFillTx/>
+                          <a:latin typeface="Arial Narrow" panose="020B0606020202030204" pitchFamily="34" charset="0"/>
+                          <a:ea typeface="LG스마트체 Regular" panose="020B0600000101010101" pitchFamily="50" charset="-127"/>
+                          <a:cs typeface="Arial" pitchFamily="34" charset="0"/>
+                          <a:sym typeface="Wingdings" pitchFamily="2" charset="2"/>
+                        </a:rPr>
+                        <a:t>만원 이내 비용 발생 및 별도 코딩 작업 </a:t>
+                      </a:r>
+                      <a:r>
+                        <a:rPr kumimoji="1" lang="en-US" altLang="ko-KR" sz="1000" b="0" i="0" u="none" strike="noStrike" kern="1200" cap="none" spc="0" normalizeH="0" baseline="0" noProof="0" dirty="0" smtClean="0">
+                          <a:ln>
+                            <a:noFill/>
+                          </a:ln>
+                          <a:solidFill>
+                            <a:schemeClr val="tx1"/>
+                          </a:solidFill>
+                          <a:effectLst/>
+                          <a:uLnTx/>
+                          <a:uFillTx/>
+                          <a:latin typeface="Arial Narrow" panose="020B0606020202030204" pitchFamily="34" charset="0"/>
+                          <a:ea typeface="LG스마트체 Regular" panose="020B0600000101010101" pitchFamily="50" charset="-127"/>
+                          <a:cs typeface="Arial" pitchFamily="34" charset="0"/>
+                          <a:sym typeface="Wingdings" pitchFamily="2" charset="2"/>
+                        </a:rPr>
+                        <a:t>/ </a:t>
+                      </a:r>
+                      <a:r>
+                        <a:rPr kumimoji="1" lang="ko-KR" altLang="en-US" sz="1000" b="0" i="0" u="none" strike="noStrike" kern="1200" cap="none" spc="0" normalizeH="0" baseline="0" noProof="0" dirty="0" smtClean="0">
+                          <a:ln>
+                            <a:noFill/>
+                          </a:ln>
+                          <a:solidFill>
+                            <a:schemeClr val="tx1"/>
+                          </a:solidFill>
+                          <a:effectLst/>
+                          <a:uLnTx/>
+                          <a:uFillTx/>
+                          <a:latin typeface="Arial Narrow" panose="020B0606020202030204" pitchFamily="34" charset="0"/>
+                          <a:ea typeface="LG스마트체 Regular" panose="020B0600000101010101" pitchFamily="50" charset="-127"/>
+                          <a:cs typeface="Arial" pitchFamily="34" charset="0"/>
+                          <a:sym typeface="Wingdings" pitchFamily="2" charset="2"/>
+                        </a:rPr>
+                        <a:t>사후 유지보수 필요</a:t>
+                      </a:r>
+                      <a:endParaRPr kumimoji="1" lang="en-US" altLang="ko-KR" sz="1000" b="0" i="0" u="none" strike="noStrike" kern="1200" cap="none" spc="0" normalizeH="0" baseline="0" noProof="0" dirty="0" smtClean="0">
+                        <a:ln>
+                          <a:noFill/>
+                        </a:ln>
+                        <a:solidFill>
+                          <a:schemeClr val="tx1"/>
+                        </a:solidFill>
+                        <a:effectLst/>
+                        <a:uLnTx/>
+                        <a:uFillTx/>
+                        <a:latin typeface="Arial Narrow" panose="020B0606020202030204" pitchFamily="34" charset="0"/>
+                        <a:ea typeface="LG스마트체 Regular" panose="020B0600000101010101" pitchFamily="50" charset="-127"/>
+                        <a:cs typeface="Arial" pitchFamily="34" charset="0"/>
+                        <a:sym typeface="Wingdings" pitchFamily="2" charset="2"/>
+                      </a:endParaRPr>
+                    </a:p>
+                    <a:p>
+                      <a:pPr marL="0" marR="0" lvl="0" indent="0" algn="l" defTabSz="914400" rtl="0" eaLnBrk="1" fontAlgn="auto" latinLnBrk="1" hangingPunct="1">
+                        <a:lnSpc>
+                          <a:spcPct val="150000"/>
+                        </a:lnSpc>
+                        <a:spcBef>
+                          <a:spcPts val="0"/>
+                        </a:spcBef>
+                        <a:spcAft>
+                          <a:spcPts val="0"/>
+                        </a:spcAft>
+                        <a:buClrTx/>
+                        <a:buSzTx/>
+                        <a:buFont typeface="Wingdings" pitchFamily="2" charset="2"/>
+                        <a:buNone/>
+                        <a:tabLst>
+                          <a:tab pos="541338" algn="l"/>
+                        </a:tabLst>
+                        <a:defRPr/>
+                      </a:pPr>
+                      <a:r>
+                        <a:rPr kumimoji="1" lang="en-US" altLang="ko-KR" sz="1000" b="0" i="0" u="none" strike="noStrike" kern="1200" cap="none" spc="0" normalizeH="0" baseline="0" noProof="0" dirty="0" smtClean="0">
+                          <a:ln>
+                            <a:noFill/>
+                          </a:ln>
+                          <a:solidFill>
+                            <a:schemeClr val="tx1"/>
+                          </a:solidFill>
+                          <a:effectLst/>
+                          <a:uLnTx/>
+                          <a:uFillTx/>
+                          <a:latin typeface="Arial Narrow" panose="020B0606020202030204" pitchFamily="34" charset="0"/>
+                          <a:ea typeface="LG스마트체 Regular" panose="020B0600000101010101" pitchFamily="50" charset="-127"/>
+                          <a:cs typeface="Arial" pitchFamily="34" charset="0"/>
+                          <a:sym typeface="Wingdings" pitchFamily="2" charset="2"/>
+                        </a:rPr>
+                        <a:t>   </a:t>
+                      </a:r>
+                      <a:r>
+                        <a:rPr kumimoji="1" lang="ko-KR" altLang="en-US" sz="1000" b="0" i="0" u="none" strike="noStrike" kern="1200" cap="none" spc="0" normalizeH="0" baseline="0" noProof="0" dirty="0" smtClean="0">
+                          <a:ln>
+                            <a:noFill/>
+                          </a:ln>
+                          <a:solidFill>
+                            <a:schemeClr val="tx1"/>
+                          </a:solidFill>
+                          <a:effectLst/>
+                          <a:uLnTx/>
+                          <a:uFillTx/>
+                          <a:latin typeface="Arial Narrow" panose="020B0606020202030204" pitchFamily="34" charset="0"/>
+                          <a:ea typeface="LG스마트체 Regular" panose="020B0600000101010101" pitchFamily="50" charset="-127"/>
+                          <a:cs typeface="Arial" pitchFamily="34" charset="0"/>
+                          <a:sym typeface="Wingdings" pitchFamily="2" charset="2"/>
+                        </a:rPr>
+                        <a:t>→ 비전 카메라 장비 등 기존 장비에 대해 저렴하며 자체 유지보수가 가능하기에 </a:t>
+                      </a:r>
+                      <a:r>
+                        <a:rPr kumimoji="1" lang="ko-KR" altLang="en-US" sz="1000" b="0" i="0" u="none" strike="noStrike" kern="1200" cap="none" spc="0" normalizeH="0" baseline="0" noProof="0" dirty="0" err="1" smtClean="0">
+                          <a:ln>
+                            <a:noFill/>
+                          </a:ln>
+                          <a:solidFill>
+                            <a:schemeClr val="tx1"/>
+                          </a:solidFill>
+                          <a:effectLst/>
+                          <a:uLnTx/>
+                          <a:uFillTx/>
+                          <a:latin typeface="Arial Narrow" panose="020B0606020202030204" pitchFamily="34" charset="0"/>
+                          <a:ea typeface="LG스마트체 Regular" panose="020B0600000101010101" pitchFamily="50" charset="-127"/>
+                          <a:cs typeface="Arial" pitchFamily="34" charset="0"/>
+                          <a:sym typeface="Wingdings" pitchFamily="2" charset="2"/>
+                        </a:rPr>
+                        <a:t>비용면에서</a:t>
+                      </a:r>
+                      <a:r>
+                        <a:rPr kumimoji="1" lang="ko-KR" altLang="en-US" sz="1000" b="0" i="0" u="none" strike="noStrike" kern="1200" cap="none" spc="0" normalizeH="0" baseline="0" noProof="0" dirty="0" smtClean="0">
+                          <a:ln>
+                            <a:noFill/>
+                          </a:ln>
+                          <a:solidFill>
+                            <a:schemeClr val="tx1"/>
+                          </a:solidFill>
+                          <a:effectLst/>
+                          <a:uLnTx/>
+                          <a:uFillTx/>
+                          <a:latin typeface="Arial Narrow" panose="020B0606020202030204" pitchFamily="34" charset="0"/>
+                          <a:ea typeface="LG스마트체 Regular" panose="020B0600000101010101" pitchFamily="50" charset="-127"/>
+                          <a:cs typeface="Arial" pitchFamily="34" charset="0"/>
+                          <a:sym typeface="Wingdings" pitchFamily="2" charset="2"/>
+                        </a:rPr>
+                        <a:t> 유리하다 판단 됨</a:t>
+                      </a:r>
+                      <a:endParaRPr kumimoji="1" lang="en-US" altLang="ko-KR" sz="1000" b="0" i="0" u="none" strike="noStrike" kern="1200" cap="none" spc="0" normalizeH="0" baseline="0" noProof="0" dirty="0" smtClean="0">
+                        <a:ln>
+                          <a:noFill/>
+                        </a:ln>
+                        <a:solidFill>
+                          <a:schemeClr val="tx1"/>
+                        </a:solidFill>
+                        <a:effectLst/>
+                        <a:uLnTx/>
+                        <a:uFillTx/>
+                        <a:latin typeface="Arial Narrow" panose="020B0606020202030204" pitchFamily="34" charset="0"/>
+                        <a:ea typeface="LG스마트체 Regular" panose="020B0600000101010101" pitchFamily="50" charset="-127"/>
+                        <a:cs typeface="Arial" pitchFamily="34" charset="0"/>
+                        <a:sym typeface="Wingdings" pitchFamily="2" charset="2"/>
+                      </a:endParaRPr>
+                    </a:p>
+                    <a:p>
+                      <a:pPr marL="0" marR="0" lvl="0" indent="0" algn="l" defTabSz="914400" rtl="0" eaLnBrk="1" fontAlgn="auto" latinLnBrk="1" hangingPunct="1">
+                        <a:lnSpc>
+                          <a:spcPct val="150000"/>
+                        </a:lnSpc>
+                        <a:spcBef>
+                          <a:spcPts val="0"/>
+                        </a:spcBef>
+                        <a:spcAft>
+                          <a:spcPts val="0"/>
+                        </a:spcAft>
+                        <a:buClrTx/>
+                        <a:buSzTx/>
+                        <a:buFont typeface="Wingdings" pitchFamily="2" charset="2"/>
+                        <a:buNone/>
+                        <a:tabLst>
+                          <a:tab pos="541338" algn="l"/>
+                        </a:tabLst>
+                        <a:defRPr/>
+                      </a:pPr>
+                      <a:r>
+                        <a:rPr kumimoji="1" lang="en-US" altLang="ko-KR" sz="1000" b="0" i="0" u="none" strike="noStrike" kern="1200" cap="none" spc="0" normalizeH="0" baseline="0" noProof="0" dirty="0" smtClean="0">
+                          <a:ln>
+                            <a:noFill/>
+                          </a:ln>
+                          <a:solidFill>
+                            <a:schemeClr val="tx1"/>
+                          </a:solidFill>
+                          <a:effectLst/>
+                          <a:uLnTx/>
+                          <a:uFillTx/>
+                          <a:latin typeface="Arial Narrow" panose="020B0606020202030204" pitchFamily="34" charset="0"/>
+                          <a:ea typeface="LG스마트체 Regular" panose="020B0600000101010101" pitchFamily="50" charset="-127"/>
+                          <a:cs typeface="Arial" pitchFamily="34" charset="0"/>
+                          <a:sym typeface="Wingdings" pitchFamily="2" charset="2"/>
+                        </a:rPr>
+                        <a:t>   </a:t>
+                      </a:r>
+                      <a:r>
+                        <a:rPr kumimoji="1" lang="ko-KR" altLang="en-US" sz="1000" b="0" i="0" u="none" strike="noStrike" kern="1200" cap="none" spc="0" normalizeH="0" baseline="0" noProof="0" dirty="0" smtClean="0">
+                          <a:ln>
+                            <a:noFill/>
+                          </a:ln>
+                          <a:solidFill>
+                            <a:schemeClr val="tx1"/>
+                          </a:solidFill>
+                          <a:effectLst/>
+                          <a:uLnTx/>
+                          <a:uFillTx/>
+                          <a:latin typeface="Arial Narrow" panose="020B0606020202030204" pitchFamily="34" charset="0"/>
+                          <a:ea typeface="LG스마트체 Regular" panose="020B0600000101010101" pitchFamily="50" charset="-127"/>
+                          <a:cs typeface="Arial" pitchFamily="34" charset="0"/>
+                          <a:sym typeface="Wingdings" pitchFamily="2" charset="2"/>
+                        </a:rPr>
+                        <a:t>→ 최초 </a:t>
+                      </a:r>
+                      <a:r>
+                        <a:rPr kumimoji="1" lang="en-US" altLang="ko-KR" sz="1000" b="0" i="0" u="none" strike="noStrike" kern="1200" cap="none" spc="0" normalizeH="0" baseline="0" noProof="0" dirty="0" smtClean="0">
+                          <a:ln>
+                            <a:noFill/>
+                          </a:ln>
+                          <a:solidFill>
+                            <a:schemeClr val="tx1"/>
+                          </a:solidFill>
+                          <a:effectLst/>
+                          <a:uLnTx/>
+                          <a:uFillTx/>
+                          <a:latin typeface="Arial Narrow" panose="020B0606020202030204" pitchFamily="34" charset="0"/>
+                          <a:ea typeface="LG스마트체 Regular" panose="020B0600000101010101" pitchFamily="50" charset="-127"/>
+                          <a:cs typeface="Arial" pitchFamily="34" charset="0"/>
+                          <a:sym typeface="Wingdings" pitchFamily="2" charset="2"/>
+                        </a:rPr>
+                        <a:t>Pilot Test</a:t>
+                      </a:r>
+                      <a:r>
+                        <a:rPr kumimoji="1" lang="ko-KR" altLang="en-US" sz="1000" b="0" i="0" u="none" strike="noStrike" kern="1200" cap="none" spc="0" normalizeH="0" baseline="0" noProof="0" dirty="0" smtClean="0">
+                          <a:ln>
+                            <a:noFill/>
+                          </a:ln>
+                          <a:solidFill>
+                            <a:schemeClr val="tx1"/>
+                          </a:solidFill>
+                          <a:effectLst/>
+                          <a:uLnTx/>
+                          <a:uFillTx/>
+                          <a:latin typeface="Arial Narrow" panose="020B0606020202030204" pitchFamily="34" charset="0"/>
+                          <a:ea typeface="LG스마트체 Regular" panose="020B0600000101010101" pitchFamily="50" charset="-127"/>
+                          <a:cs typeface="Arial" pitchFamily="34" charset="0"/>
+                          <a:sym typeface="Wingdings" pitchFamily="2" charset="2"/>
+                        </a:rPr>
+                        <a:t>를 위해 현재 검토한 비전 카메라 장비 대여 요청</a:t>
+                      </a:r>
+                      <a:r>
+                        <a:rPr kumimoji="1" lang="en-US" altLang="ko-KR" sz="1000" b="0" i="0" u="none" strike="noStrike" kern="1200" cap="none" spc="0" normalizeH="0" baseline="0" noProof="0" dirty="0" smtClean="0">
+                          <a:ln>
+                            <a:noFill/>
+                          </a:ln>
+                          <a:solidFill>
+                            <a:schemeClr val="tx1"/>
+                          </a:solidFill>
+                          <a:effectLst/>
+                          <a:uLnTx/>
+                          <a:uFillTx/>
+                          <a:latin typeface="Arial Narrow" panose="020B0606020202030204" pitchFamily="34" charset="0"/>
+                          <a:ea typeface="LG스마트체 Regular" panose="020B0600000101010101" pitchFamily="50" charset="-127"/>
+                          <a:cs typeface="Arial" pitchFamily="34" charset="0"/>
+                          <a:sym typeface="Wingdings" pitchFamily="2" charset="2"/>
+                        </a:rPr>
+                        <a:t>(</a:t>
+                      </a:r>
+                      <a:r>
+                        <a:rPr kumimoji="1" lang="ko-KR" altLang="en-US" sz="1000" b="0" i="0" u="none" strike="noStrike" kern="1200" cap="none" spc="0" normalizeH="0" baseline="0" noProof="0" dirty="0" smtClean="0">
+                          <a:ln>
+                            <a:noFill/>
+                          </a:ln>
+                          <a:solidFill>
+                            <a:schemeClr val="tx1"/>
+                          </a:solidFill>
+                          <a:effectLst/>
+                          <a:uLnTx/>
+                          <a:uFillTx/>
+                          <a:latin typeface="Arial Narrow" panose="020B0606020202030204" pitchFamily="34" charset="0"/>
+                          <a:ea typeface="LG스마트체 Regular" panose="020B0600000101010101" pitchFamily="50" charset="-127"/>
+                          <a:cs typeface="Arial" pitchFamily="34" charset="0"/>
+                          <a:sym typeface="Wingdings" pitchFamily="2" charset="2"/>
+                        </a:rPr>
+                        <a:t>추후 출장자 통해 </a:t>
+                      </a:r>
+                      <a:r>
+                        <a:rPr kumimoji="1" lang="en-US" altLang="ko-KR" sz="1000" b="0" i="0" u="none" strike="noStrike" kern="1200" cap="none" spc="0" normalizeH="0" baseline="0" noProof="0" dirty="0" smtClean="0">
+                          <a:ln>
+                            <a:noFill/>
+                          </a:ln>
+                          <a:solidFill>
+                            <a:schemeClr val="tx1"/>
+                          </a:solidFill>
+                          <a:effectLst/>
+                          <a:uLnTx/>
+                          <a:uFillTx/>
+                          <a:latin typeface="Arial Narrow" panose="020B0606020202030204" pitchFamily="34" charset="0"/>
+                          <a:ea typeface="LG스마트체 Regular" panose="020B0600000101010101" pitchFamily="50" charset="-127"/>
+                          <a:cs typeface="Arial" pitchFamily="34" charset="0"/>
+                          <a:sym typeface="Wingdings" pitchFamily="2" charset="2"/>
+                        </a:rPr>
+                        <a:t>Hand-Carry </a:t>
+                      </a:r>
+                      <a:r>
+                        <a:rPr kumimoji="1" lang="ko-KR" altLang="en-US" sz="1000" b="0" i="0" u="none" strike="noStrike" kern="1200" cap="none" spc="0" normalizeH="0" baseline="0" noProof="0" dirty="0" smtClean="0">
+                          <a:ln>
+                            <a:noFill/>
+                          </a:ln>
+                          <a:solidFill>
+                            <a:schemeClr val="tx1"/>
+                          </a:solidFill>
+                          <a:effectLst/>
+                          <a:uLnTx/>
+                          <a:uFillTx/>
+                          <a:latin typeface="Arial Narrow" panose="020B0606020202030204" pitchFamily="34" charset="0"/>
+                          <a:ea typeface="LG스마트체 Regular" panose="020B0600000101010101" pitchFamily="50" charset="-127"/>
+                          <a:cs typeface="Arial" pitchFamily="34" charset="0"/>
+                          <a:sym typeface="Wingdings" pitchFamily="2" charset="2"/>
+                        </a:rPr>
+                        <a:t>필요</a:t>
+                      </a:r>
+                      <a:r>
+                        <a:rPr kumimoji="1" lang="en-US" altLang="ko-KR" sz="1000" b="0" i="0" u="none" strike="noStrike" kern="1200" cap="none" spc="0" normalizeH="0" baseline="0" noProof="0" dirty="0" smtClean="0">
+                          <a:ln>
+                            <a:noFill/>
+                          </a:ln>
+                          <a:solidFill>
+                            <a:schemeClr val="tx1"/>
+                          </a:solidFill>
+                          <a:effectLst/>
+                          <a:uLnTx/>
+                          <a:uFillTx/>
+                          <a:latin typeface="Arial Narrow" panose="020B0606020202030204" pitchFamily="34" charset="0"/>
+                          <a:ea typeface="LG스마트체 Regular" panose="020B0600000101010101" pitchFamily="50" charset="-127"/>
+                          <a:cs typeface="Arial" pitchFamily="34" charset="0"/>
+                          <a:sym typeface="Wingdings" pitchFamily="2" charset="2"/>
+                        </a:rPr>
+                        <a:t>)</a:t>
+                      </a:r>
+                    </a:p>
+                    <a:p>
+                      <a:pPr marL="0" marR="0" lvl="0" indent="0" algn="l" defTabSz="914400" rtl="0" eaLnBrk="1" fontAlgn="auto" latinLnBrk="1" hangingPunct="1">
+                        <a:lnSpc>
+                          <a:spcPct val="150000"/>
+                        </a:lnSpc>
+                        <a:spcBef>
+                          <a:spcPts val="0"/>
+                        </a:spcBef>
+                        <a:spcAft>
+                          <a:spcPts val="0"/>
+                        </a:spcAft>
+                        <a:buClrTx/>
+                        <a:buSzTx/>
+                        <a:buFont typeface="Wingdings" pitchFamily="2" charset="2"/>
+                        <a:buNone/>
+                        <a:tabLst>
+                          <a:tab pos="541338" algn="l"/>
+                        </a:tabLst>
+                        <a:defRPr/>
+                      </a:pPr>
+                      <a:endParaRPr kumimoji="1" lang="en-US" altLang="ko-KR" sz="900" b="0" i="0" u="none" strike="noStrike" kern="1200" cap="none" spc="0" normalizeH="0" baseline="0" noProof="0" dirty="0" smtClean="0">
+                        <a:ln>
+                          <a:noFill/>
+                        </a:ln>
+                        <a:solidFill>
+                          <a:schemeClr val="tx1"/>
+                        </a:solidFill>
+                        <a:effectLst/>
+                        <a:uLnTx/>
+                        <a:uFillTx/>
+                        <a:latin typeface="Arial Narrow" panose="020B0606020202030204" pitchFamily="34" charset="0"/>
+                        <a:ea typeface="LG스마트체 Regular" panose="020B0600000101010101" pitchFamily="50" charset="-127"/>
+                        <a:cs typeface="Arial" pitchFamily="34" charset="0"/>
+                        <a:sym typeface="Wingdings" pitchFamily="2" charset="2"/>
+                      </a:endParaRPr>
+                    </a:p>
+                    <a:p>
+                      <a:pPr marL="0" marR="0" lvl="0" indent="0" algn="l" defTabSz="914400" rtl="0" eaLnBrk="1" fontAlgn="auto" latinLnBrk="1" hangingPunct="1">
+                        <a:lnSpc>
+                          <a:spcPct val="150000"/>
+                        </a:lnSpc>
+                        <a:spcBef>
+                          <a:spcPts val="0"/>
+                        </a:spcBef>
+                        <a:spcAft>
+                          <a:spcPts val="0"/>
+                        </a:spcAft>
+                        <a:buClrTx/>
+                        <a:buSzTx/>
+                        <a:buFont typeface="Wingdings" pitchFamily="2" charset="2"/>
+                        <a:buNone/>
+                        <a:tabLst>
+                          <a:tab pos="541338" algn="l"/>
+                        </a:tabLst>
+                        <a:defRPr/>
+                      </a:pPr>
+                      <a:r>
+                        <a:rPr kumimoji="1" lang="en-US" altLang="ko-KR" sz="1000" b="0" i="0" u="none" strike="noStrike" kern="1200" cap="none" spc="0" normalizeH="0" baseline="0" noProof="0" dirty="0" smtClean="0">
+                          <a:ln>
+                            <a:noFill/>
+                          </a:ln>
+                          <a:solidFill>
+                            <a:schemeClr val="tx1"/>
+                          </a:solidFill>
+                          <a:effectLst/>
+                          <a:uLnTx/>
+                          <a:uFillTx/>
+                          <a:latin typeface="Arial Narrow" panose="020B0606020202030204" pitchFamily="34" charset="0"/>
+                          <a:ea typeface="LG스마트체 Regular" panose="020B0600000101010101" pitchFamily="50" charset="-127"/>
+                          <a:cs typeface="Arial" pitchFamily="34" charset="0"/>
+                          <a:sym typeface="Wingdings" pitchFamily="2" charset="2"/>
+                        </a:rPr>
+                        <a:t>4) </a:t>
+                      </a:r>
+                      <a:r>
+                        <a:rPr kumimoji="1" lang="ko-KR" altLang="en-US" sz="1000" b="0" i="0" u="none" strike="noStrike" kern="1200" cap="none" spc="0" normalizeH="0" baseline="0" noProof="0" dirty="0" smtClean="0">
+                          <a:ln>
+                            <a:noFill/>
+                          </a:ln>
+                          <a:solidFill>
+                            <a:schemeClr val="tx1"/>
+                          </a:solidFill>
+                          <a:effectLst/>
+                          <a:uLnTx/>
+                          <a:uFillTx/>
+                          <a:latin typeface="Arial Narrow" panose="020B0606020202030204" pitchFamily="34" charset="0"/>
+                          <a:ea typeface="LG스마트체 Regular" panose="020B0600000101010101" pitchFamily="50" charset="-127"/>
+                          <a:cs typeface="Arial" pitchFamily="34" charset="0"/>
+                          <a:sym typeface="Wingdings" pitchFamily="2" charset="2"/>
+                        </a:rPr>
+                        <a:t>프로그램 도입 후 유지보수 방법 문의 </a:t>
+                      </a:r>
+                      <a:r>
+                        <a:rPr kumimoji="1" lang="en-US" altLang="ko-KR" sz="1000" b="0" i="0" u="none" strike="noStrike" kern="1200" cap="none" spc="0" normalizeH="0" baseline="0" noProof="0" dirty="0" smtClean="0">
+                          <a:ln>
+                            <a:noFill/>
+                          </a:ln>
+                          <a:solidFill>
+                            <a:schemeClr val="tx1"/>
+                          </a:solidFill>
+                          <a:effectLst/>
+                          <a:uLnTx/>
+                          <a:uFillTx/>
+                          <a:latin typeface="Arial Narrow" panose="020B0606020202030204" pitchFamily="34" charset="0"/>
+                          <a:ea typeface="LG스마트체 Regular" panose="020B0600000101010101" pitchFamily="50" charset="-127"/>
+                          <a:cs typeface="Arial" pitchFamily="34" charset="0"/>
+                          <a:sym typeface="Wingdings" pitchFamily="2" charset="2"/>
+                        </a:rPr>
+                        <a:t>: </a:t>
+                      </a:r>
+                      <a:r>
+                        <a:rPr kumimoji="1" lang="ko-KR" altLang="en-US" sz="1000" b="0" i="0" u="none" strike="noStrike" kern="1200" cap="none" spc="0" normalizeH="0" baseline="0" noProof="0" dirty="0" smtClean="0">
+                          <a:ln>
+                            <a:noFill/>
+                          </a:ln>
+                          <a:solidFill>
+                            <a:schemeClr val="tx1"/>
+                          </a:solidFill>
+                          <a:effectLst/>
+                          <a:uLnTx/>
+                          <a:uFillTx/>
+                          <a:latin typeface="Arial Narrow" panose="020B0606020202030204" pitchFamily="34" charset="0"/>
+                          <a:ea typeface="LG스마트체 Regular" panose="020B0600000101010101" pitchFamily="50" charset="-127"/>
+                          <a:cs typeface="Arial" pitchFamily="34" charset="0"/>
+                          <a:sym typeface="Wingdings" pitchFamily="2" charset="2"/>
+                        </a:rPr>
+                        <a:t>현재 존재하는 비전장비 </a:t>
+                      </a:r>
+                      <a:r>
+                        <a:rPr kumimoji="1" lang="ko-KR" altLang="en-US" sz="1000" b="0" i="0" u="none" strike="noStrike" kern="1200" cap="none" spc="0" normalizeH="0" baseline="0" noProof="0" dirty="0" err="1" smtClean="0">
+                          <a:ln>
+                            <a:noFill/>
+                          </a:ln>
+                          <a:solidFill>
+                            <a:schemeClr val="tx1"/>
+                          </a:solidFill>
+                          <a:effectLst/>
+                          <a:uLnTx/>
+                          <a:uFillTx/>
+                          <a:latin typeface="Arial Narrow" panose="020B0606020202030204" pitchFamily="34" charset="0"/>
+                          <a:ea typeface="LG스마트체 Regular" panose="020B0600000101010101" pitchFamily="50" charset="-127"/>
+                          <a:cs typeface="Arial" pitchFamily="34" charset="0"/>
+                          <a:sym typeface="Wingdings" pitchFamily="2" charset="2"/>
+                        </a:rPr>
+                        <a:t>도입시</a:t>
+                      </a:r>
+                      <a:r>
+                        <a:rPr kumimoji="1" lang="ko-KR" altLang="en-US" sz="1000" b="0" i="0" u="none" strike="noStrike" kern="1200" cap="none" spc="0" normalizeH="0" baseline="0" noProof="0" dirty="0" smtClean="0">
+                          <a:ln>
+                            <a:noFill/>
+                          </a:ln>
+                          <a:solidFill>
+                            <a:schemeClr val="tx1"/>
+                          </a:solidFill>
+                          <a:effectLst/>
+                          <a:uLnTx/>
+                          <a:uFillTx/>
+                          <a:latin typeface="Arial Narrow" panose="020B0606020202030204" pitchFamily="34" charset="0"/>
+                          <a:ea typeface="LG스마트체 Regular" panose="020B0600000101010101" pitchFamily="50" charset="-127"/>
+                          <a:cs typeface="Arial" pitchFamily="34" charset="0"/>
+                          <a:sym typeface="Wingdings" pitchFamily="2" charset="2"/>
+                        </a:rPr>
+                        <a:t> 도입비용 및 사후관리 비용 발생으로 인해 적용</a:t>
+                      </a:r>
+                      <a:r>
+                        <a:rPr kumimoji="1" lang="en-US" altLang="ko-KR" sz="1000" b="0" i="0" u="none" strike="noStrike" kern="1200" cap="none" spc="0" normalizeH="0" baseline="0" noProof="0" dirty="0" smtClean="0">
+                          <a:ln>
+                            <a:noFill/>
+                          </a:ln>
+                          <a:solidFill>
+                            <a:schemeClr val="tx1"/>
+                          </a:solidFill>
+                          <a:effectLst/>
+                          <a:uLnTx/>
+                          <a:uFillTx/>
+                          <a:latin typeface="Arial Narrow" panose="020B0606020202030204" pitchFamily="34" charset="0"/>
+                          <a:ea typeface="LG스마트체 Regular" panose="020B0600000101010101" pitchFamily="50" charset="-127"/>
+                          <a:cs typeface="Arial" pitchFamily="34" charset="0"/>
+                          <a:sym typeface="Wingdings" pitchFamily="2" charset="2"/>
+                        </a:rPr>
+                        <a:t>, </a:t>
+                      </a:r>
+                      <a:r>
+                        <a:rPr kumimoji="1" lang="ko-KR" altLang="en-US" sz="1000" b="0" i="0" u="none" strike="noStrike" kern="1200" cap="none" spc="0" normalizeH="0" baseline="0" noProof="0" dirty="0" smtClean="0">
+                          <a:ln>
+                            <a:noFill/>
+                          </a:ln>
+                          <a:solidFill>
+                            <a:schemeClr val="tx1"/>
+                          </a:solidFill>
+                          <a:effectLst/>
+                          <a:uLnTx/>
+                          <a:uFillTx/>
+                          <a:latin typeface="Arial Narrow" panose="020B0606020202030204" pitchFamily="34" charset="0"/>
+                          <a:ea typeface="LG스마트체 Regular" panose="020B0600000101010101" pitchFamily="50" charset="-127"/>
+                          <a:cs typeface="Arial" pitchFamily="34" charset="0"/>
+                          <a:sym typeface="Wingdings" pitchFamily="2" charset="2"/>
+                        </a:rPr>
+                        <a:t>검토에 어려움이 있음</a:t>
+                      </a:r>
+                      <a:endParaRPr kumimoji="1" lang="en-US" altLang="ko-KR" sz="1000" b="0" i="0" u="none" strike="noStrike" kern="1200" cap="none" spc="0" normalizeH="0" baseline="0" noProof="0" dirty="0" smtClean="0">
+                        <a:ln>
+                          <a:noFill/>
+                        </a:ln>
+                        <a:solidFill>
+                          <a:schemeClr val="tx1"/>
+                        </a:solidFill>
+                        <a:effectLst/>
+                        <a:uLnTx/>
+                        <a:uFillTx/>
+                        <a:latin typeface="Arial Narrow" panose="020B0606020202030204" pitchFamily="34" charset="0"/>
+                        <a:ea typeface="LG스마트체 Regular" panose="020B0600000101010101" pitchFamily="50" charset="-127"/>
+                        <a:cs typeface="Arial" pitchFamily="34" charset="0"/>
+                        <a:sym typeface="Wingdings" pitchFamily="2" charset="2"/>
+                      </a:endParaRPr>
+                    </a:p>
+                    <a:p>
+                      <a:pPr marL="0" marR="0" lvl="0" indent="0" algn="l" defTabSz="914400" rtl="0" eaLnBrk="1" fontAlgn="auto" latinLnBrk="1" hangingPunct="1">
+                        <a:lnSpc>
+                          <a:spcPct val="150000"/>
+                        </a:lnSpc>
+                        <a:spcBef>
+                          <a:spcPts val="0"/>
+                        </a:spcBef>
+                        <a:spcAft>
+                          <a:spcPts val="0"/>
+                        </a:spcAft>
+                        <a:buClrTx/>
+                        <a:buSzTx/>
+                        <a:buFont typeface="Wingdings" pitchFamily="2" charset="2"/>
+                        <a:buNone/>
+                        <a:tabLst>
+                          <a:tab pos="541338" algn="l"/>
+                        </a:tabLst>
+                        <a:defRPr/>
+                      </a:pPr>
+                      <a:r>
+                        <a:rPr kumimoji="1" lang="en-US" altLang="ko-KR" sz="1000" b="0" i="0" u="none" strike="noStrike" kern="1200" cap="none" spc="0" normalizeH="0" baseline="0" noProof="0" dirty="0" smtClean="0">
+                          <a:ln>
+                            <a:noFill/>
+                          </a:ln>
+                          <a:solidFill>
+                            <a:schemeClr val="tx1"/>
+                          </a:solidFill>
+                          <a:effectLst/>
+                          <a:uLnTx/>
+                          <a:uFillTx/>
+                          <a:latin typeface="Arial Narrow" panose="020B0606020202030204" pitchFamily="34" charset="0"/>
+                          <a:ea typeface="LG스마트체 Regular" panose="020B0600000101010101" pitchFamily="50" charset="-127"/>
+                          <a:cs typeface="Arial" pitchFamily="34" charset="0"/>
+                          <a:sym typeface="Wingdings" pitchFamily="2" charset="2"/>
+                        </a:rPr>
+                        <a:t>   </a:t>
+                      </a:r>
+                      <a:r>
+                        <a:rPr kumimoji="1" lang="ko-KR" altLang="en-US" sz="1000" b="0" i="0" u="none" strike="noStrike" kern="1200" cap="none" spc="0" normalizeH="0" baseline="0" noProof="0" dirty="0" smtClean="0">
+                          <a:ln>
+                            <a:noFill/>
+                          </a:ln>
+                          <a:solidFill>
+                            <a:schemeClr val="tx1"/>
+                          </a:solidFill>
+                          <a:effectLst/>
+                          <a:uLnTx/>
+                          <a:uFillTx/>
+                          <a:latin typeface="Arial Narrow" panose="020B0606020202030204" pitchFamily="34" charset="0"/>
+                          <a:ea typeface="LG스마트체 Regular" panose="020B0600000101010101" pitchFamily="50" charset="-127"/>
+                          <a:cs typeface="Arial" pitchFamily="34" charset="0"/>
+                          <a:sym typeface="Wingdings" pitchFamily="2" charset="2"/>
+                        </a:rPr>
+                        <a:t>→</a:t>
+                      </a:r>
+                      <a:r>
+                        <a:rPr kumimoji="1" lang="en-US" altLang="ko-KR" sz="1000" b="0" i="0" u="none" strike="noStrike" kern="1200" cap="none" spc="0" normalizeH="0" baseline="0" noProof="0" dirty="0" smtClean="0">
+                          <a:ln>
+                            <a:noFill/>
+                          </a:ln>
+                          <a:solidFill>
+                            <a:schemeClr val="tx1"/>
+                          </a:solidFill>
+                          <a:effectLst/>
+                          <a:uLnTx/>
+                          <a:uFillTx/>
+                          <a:latin typeface="Arial Narrow" panose="020B0606020202030204" pitchFamily="34" charset="0"/>
+                          <a:ea typeface="LG스마트체 Regular" panose="020B0600000101010101" pitchFamily="50" charset="-127"/>
+                          <a:cs typeface="Arial" pitchFamily="34" charset="0"/>
+                          <a:sym typeface="Wingdings" pitchFamily="2" charset="2"/>
+                        </a:rPr>
+                        <a:t> 3D </a:t>
+                      </a:r>
+                      <a:r>
+                        <a:rPr kumimoji="1" lang="ko-KR" altLang="en-US" sz="1000" b="0" i="0" u="none" strike="noStrike" kern="1200" cap="none" spc="0" normalizeH="0" baseline="0" noProof="0" dirty="0" smtClean="0">
+                          <a:ln>
+                            <a:noFill/>
+                          </a:ln>
+                          <a:solidFill>
+                            <a:schemeClr val="tx1"/>
+                          </a:solidFill>
+                          <a:effectLst/>
+                          <a:uLnTx/>
+                          <a:uFillTx/>
+                          <a:latin typeface="Arial Narrow" panose="020B0606020202030204" pitchFamily="34" charset="0"/>
+                          <a:ea typeface="LG스마트체 Regular" panose="020B0600000101010101" pitchFamily="50" charset="-127"/>
+                          <a:cs typeface="Arial" pitchFamily="34" charset="0"/>
+                          <a:sym typeface="Wingdings" pitchFamily="2" charset="2"/>
+                        </a:rPr>
+                        <a:t>도면만으로 </a:t>
+                      </a:r>
+                      <a:r>
+                        <a:rPr kumimoji="1" lang="en-US" altLang="ko-KR" sz="1000" b="0" i="0" u="none" strike="noStrike" kern="1200" cap="none" spc="0" normalizeH="0" baseline="0" noProof="0" dirty="0" smtClean="0">
+                          <a:ln>
+                            <a:noFill/>
+                          </a:ln>
+                          <a:solidFill>
+                            <a:schemeClr val="tx1"/>
+                          </a:solidFill>
+                          <a:effectLst/>
+                          <a:uLnTx/>
+                          <a:uFillTx/>
+                          <a:latin typeface="Arial Narrow" panose="020B0606020202030204" pitchFamily="34" charset="0"/>
+                          <a:ea typeface="LG스마트체 Regular" panose="020B0600000101010101" pitchFamily="50" charset="-127"/>
+                          <a:cs typeface="Arial" pitchFamily="34" charset="0"/>
+                          <a:sym typeface="Wingdings" pitchFamily="2" charset="2"/>
+                        </a:rPr>
+                        <a:t>Data Set</a:t>
+                      </a:r>
+                      <a:r>
+                        <a:rPr kumimoji="1" lang="ko-KR" altLang="en-US" sz="1000" b="0" i="0" u="none" strike="noStrike" kern="1200" cap="none" spc="0" normalizeH="0" baseline="0" noProof="0" dirty="0" smtClean="0">
+                          <a:ln>
+                            <a:noFill/>
+                          </a:ln>
+                          <a:solidFill>
+                            <a:schemeClr val="tx1"/>
+                          </a:solidFill>
+                          <a:effectLst/>
+                          <a:uLnTx/>
+                          <a:uFillTx/>
+                          <a:latin typeface="Arial Narrow" panose="020B0606020202030204" pitchFamily="34" charset="0"/>
+                          <a:ea typeface="LG스마트체 Regular" panose="020B0600000101010101" pitchFamily="50" charset="-127"/>
+                          <a:cs typeface="Arial" pitchFamily="34" charset="0"/>
+                          <a:sym typeface="Wingdings" pitchFamily="2" charset="2"/>
+                        </a:rPr>
+                        <a:t>의 업데이트가 가능하며</a:t>
+                      </a:r>
+                      <a:r>
+                        <a:rPr kumimoji="1" lang="en-US" altLang="ko-KR" sz="1000" b="0" i="0" u="none" strike="noStrike" kern="1200" cap="none" spc="0" normalizeH="0" baseline="0" noProof="0" dirty="0" smtClean="0">
+                          <a:ln>
+                            <a:noFill/>
+                          </a:ln>
+                          <a:solidFill>
+                            <a:schemeClr val="tx1"/>
+                          </a:solidFill>
+                          <a:effectLst/>
+                          <a:uLnTx/>
+                          <a:uFillTx/>
+                          <a:latin typeface="Arial Narrow" panose="020B0606020202030204" pitchFamily="34" charset="0"/>
+                          <a:ea typeface="LG스마트체 Regular" panose="020B0600000101010101" pitchFamily="50" charset="-127"/>
+                          <a:cs typeface="Arial" pitchFamily="34" charset="0"/>
+                          <a:sym typeface="Wingdings" pitchFamily="2" charset="2"/>
+                        </a:rPr>
+                        <a:t>, </a:t>
+                      </a:r>
+                      <a:r>
+                        <a:rPr kumimoji="1" lang="ko-KR" altLang="en-US" sz="1000" b="0" i="0" u="none" strike="noStrike" kern="1200" cap="none" spc="0" normalizeH="0" baseline="0" noProof="0" dirty="0" smtClean="0">
+                          <a:ln>
+                            <a:noFill/>
+                          </a:ln>
+                          <a:solidFill>
+                            <a:schemeClr val="tx1"/>
+                          </a:solidFill>
+                          <a:effectLst/>
+                          <a:uLnTx/>
+                          <a:uFillTx/>
+                          <a:latin typeface="Arial Narrow" panose="020B0606020202030204" pitchFamily="34" charset="0"/>
+                          <a:ea typeface="LG스마트체 Regular" panose="020B0600000101010101" pitchFamily="50" charset="-127"/>
+                          <a:cs typeface="Arial" pitchFamily="34" charset="0"/>
+                          <a:sym typeface="Wingdings" pitchFamily="2" charset="2"/>
+                        </a:rPr>
+                        <a:t>추후 업데이트를 위한 가이드 제작 및 배포</a:t>
+                      </a:r>
+                      <a:endParaRPr kumimoji="1" lang="en-US" altLang="ko-KR" sz="1000" b="0" i="0" u="none" strike="noStrike" kern="1200" cap="none" spc="0" normalizeH="0" baseline="0" noProof="0" dirty="0" smtClean="0">
+                        <a:ln>
+                          <a:noFill/>
+                        </a:ln>
+                        <a:solidFill>
+                          <a:schemeClr val="tx1"/>
+                        </a:solidFill>
+                        <a:effectLst/>
+                        <a:uLnTx/>
+                        <a:uFillTx/>
+                        <a:latin typeface="Arial Narrow" panose="020B0606020202030204" pitchFamily="34" charset="0"/>
+                        <a:ea typeface="LG스마트체 Regular" panose="020B0600000101010101" pitchFamily="50" charset="-127"/>
+                        <a:cs typeface="Arial" pitchFamily="34" charset="0"/>
+                        <a:sym typeface="Wingdings" pitchFamily="2" charset="2"/>
+                      </a:endParaRPr>
+                    </a:p>
+                    <a:p>
+                      <a:pPr marL="0" marR="0" lvl="0" indent="0" algn="l" defTabSz="914400" rtl="0" eaLnBrk="1" fontAlgn="auto" latinLnBrk="1" hangingPunct="1">
+                        <a:lnSpc>
+                          <a:spcPct val="150000"/>
+                        </a:lnSpc>
+                        <a:spcBef>
+                          <a:spcPts val="0"/>
+                        </a:spcBef>
+                        <a:spcAft>
+                          <a:spcPts val="0"/>
+                        </a:spcAft>
+                        <a:buClrTx/>
+                        <a:buSzTx/>
+                        <a:buFont typeface="Wingdings" pitchFamily="2" charset="2"/>
+                        <a:buNone/>
+                        <a:tabLst>
+                          <a:tab pos="541338" algn="l"/>
+                        </a:tabLst>
+                        <a:defRPr/>
+                      </a:pPr>
+                      <a:endParaRPr kumimoji="1" lang="en-US" altLang="ko-KR" sz="900" b="0" i="0" u="none" strike="noStrike" kern="1200" cap="none" spc="0" normalizeH="0" baseline="0" noProof="0" dirty="0" smtClean="0">
+                        <a:ln>
+                          <a:noFill/>
+                        </a:ln>
+                        <a:solidFill>
+                          <a:schemeClr val="tx1"/>
+                        </a:solidFill>
+                        <a:effectLst/>
+                        <a:uLnTx/>
+                        <a:uFillTx/>
+                        <a:latin typeface="Arial Narrow" panose="020B0606020202030204" pitchFamily="34" charset="0"/>
+                        <a:ea typeface="LG스마트체 Regular" panose="020B0600000101010101" pitchFamily="50" charset="-127"/>
+                        <a:cs typeface="Arial" pitchFamily="34" charset="0"/>
+                        <a:sym typeface="Wingdings" pitchFamily="2" charset="2"/>
+                      </a:endParaRPr>
+                    </a:p>
+                    <a:p>
+                      <a:pPr marL="0" marR="0" lvl="0" indent="0" algn="l" defTabSz="914400" rtl="0" eaLnBrk="1" fontAlgn="auto" latinLnBrk="1" hangingPunct="1">
+                        <a:lnSpc>
+                          <a:spcPct val="150000"/>
+                        </a:lnSpc>
+                        <a:spcBef>
+                          <a:spcPts val="0"/>
+                        </a:spcBef>
+                        <a:spcAft>
+                          <a:spcPts val="0"/>
+                        </a:spcAft>
+                        <a:buClrTx/>
+                        <a:buSzTx/>
+                        <a:buFont typeface="Wingdings" pitchFamily="2" charset="2"/>
+                        <a:buNone/>
+                        <a:tabLst>
+                          <a:tab pos="541338" algn="l"/>
+                        </a:tabLst>
+                        <a:defRPr/>
+                      </a:pPr>
+                      <a:r>
+                        <a:rPr kumimoji="1" lang="en-US" altLang="ko-KR" sz="1000" b="0" i="0" u="none" strike="noStrike" kern="1200" cap="none" spc="0" normalizeH="0" baseline="0" noProof="0" dirty="0" smtClean="0">
+                          <a:ln>
+                            <a:noFill/>
+                          </a:ln>
+                          <a:solidFill>
+                            <a:schemeClr val="tx1"/>
+                          </a:solidFill>
+                          <a:effectLst/>
+                          <a:uLnTx/>
+                          <a:uFillTx/>
+                          <a:latin typeface="Arial Narrow" panose="020B0606020202030204" pitchFamily="34" charset="0"/>
+                          <a:ea typeface="LG스마트체 Regular" panose="020B0600000101010101" pitchFamily="50" charset="-127"/>
+                          <a:cs typeface="Arial" pitchFamily="34" charset="0"/>
+                          <a:sym typeface="Wingdings" pitchFamily="2" charset="2"/>
+                        </a:rPr>
+                        <a:t>5) </a:t>
+                      </a:r>
+                      <a:r>
+                        <a:rPr kumimoji="1" lang="ko-KR" altLang="en-US" sz="1000" b="0" i="0" u="none" strike="noStrike" kern="1200" cap="none" spc="0" normalizeH="0" baseline="0" noProof="0" dirty="0" smtClean="0">
+                          <a:ln>
+                            <a:noFill/>
+                          </a:ln>
+                          <a:solidFill>
+                            <a:schemeClr val="tx1"/>
+                          </a:solidFill>
+                          <a:effectLst/>
+                          <a:uLnTx/>
+                          <a:uFillTx/>
+                          <a:latin typeface="Arial Narrow" panose="020B0606020202030204" pitchFamily="34" charset="0"/>
+                          <a:ea typeface="LG스마트체 Regular" panose="020B0600000101010101" pitchFamily="50" charset="-127"/>
+                          <a:cs typeface="Arial" pitchFamily="34" charset="0"/>
+                          <a:sym typeface="Wingdings" pitchFamily="2" charset="2"/>
+                        </a:rPr>
+                        <a:t>실질적인 양불 판정 시스템의 적용을 위해 단순 판정만이 아닌</a:t>
+                      </a:r>
+                      <a:r>
+                        <a:rPr kumimoji="1" lang="en-US" altLang="ko-KR" sz="1000" b="0" i="0" u="none" strike="noStrike" kern="1200" cap="none" spc="0" normalizeH="0" baseline="0" noProof="0" dirty="0" smtClean="0">
+                          <a:ln>
+                            <a:noFill/>
+                          </a:ln>
+                          <a:solidFill>
+                            <a:schemeClr val="tx1"/>
+                          </a:solidFill>
+                          <a:effectLst/>
+                          <a:uLnTx/>
+                          <a:uFillTx/>
+                          <a:latin typeface="Arial Narrow" panose="020B0606020202030204" pitchFamily="34" charset="0"/>
+                          <a:ea typeface="LG스마트체 Regular" panose="020B0600000101010101" pitchFamily="50" charset="-127"/>
+                          <a:cs typeface="Arial" pitchFamily="34" charset="0"/>
+                          <a:sym typeface="Wingdings" pitchFamily="2" charset="2"/>
+                        </a:rPr>
+                        <a:t>, </a:t>
+                      </a:r>
+                      <a:r>
+                        <a:rPr kumimoji="1" lang="ko-KR" altLang="en-US" sz="1000" b="0" i="0" u="none" strike="noStrike" kern="1200" cap="none" spc="0" normalizeH="0" baseline="0" noProof="0" dirty="0" smtClean="0">
+                          <a:ln>
+                            <a:noFill/>
+                          </a:ln>
+                          <a:solidFill>
+                            <a:schemeClr val="tx1"/>
+                          </a:solidFill>
+                          <a:effectLst/>
+                          <a:uLnTx/>
+                          <a:uFillTx/>
+                          <a:latin typeface="Arial Narrow" panose="020B0606020202030204" pitchFamily="34" charset="0"/>
+                          <a:ea typeface="LG스마트체 Regular" panose="020B0600000101010101" pitchFamily="50" charset="-127"/>
+                          <a:cs typeface="Arial" pitchFamily="34" charset="0"/>
+                          <a:sym typeface="Wingdings" pitchFamily="2" charset="2"/>
+                        </a:rPr>
+                        <a:t>불량 발생시 컨베이어 라인의 정지 등 부가적인 기능 추가 요청 </a:t>
+                      </a:r>
+                      <a:r>
+                        <a:rPr kumimoji="1" lang="en-US" altLang="ko-KR" sz="1000" b="0" i="0" u="none" strike="noStrike" kern="1200" cap="none" spc="0" normalizeH="0" baseline="0" noProof="0" dirty="0" smtClean="0">
+                          <a:ln>
+                            <a:noFill/>
+                          </a:ln>
+                          <a:solidFill>
+                            <a:schemeClr val="tx1"/>
+                          </a:solidFill>
+                          <a:effectLst/>
+                          <a:uLnTx/>
+                          <a:uFillTx/>
+                          <a:latin typeface="Arial Narrow" panose="020B0606020202030204" pitchFamily="34" charset="0"/>
+                          <a:ea typeface="LG스마트체 Regular" panose="020B0600000101010101" pitchFamily="50" charset="-127"/>
+                          <a:cs typeface="Arial" pitchFamily="34" charset="0"/>
+                          <a:sym typeface="Wingdings" pitchFamily="2" charset="2"/>
+                        </a:rPr>
+                        <a:t>: </a:t>
+                      </a:r>
+                    </a:p>
+                    <a:p>
+                      <a:pPr marL="0" marR="0" lvl="0" indent="0" algn="l" defTabSz="914400" rtl="0" eaLnBrk="1" fontAlgn="auto" latinLnBrk="1" hangingPunct="1">
+                        <a:lnSpc>
+                          <a:spcPct val="150000"/>
+                        </a:lnSpc>
+                        <a:spcBef>
+                          <a:spcPts val="0"/>
+                        </a:spcBef>
+                        <a:spcAft>
+                          <a:spcPts val="0"/>
+                        </a:spcAft>
+                        <a:buClrTx/>
+                        <a:buSzTx/>
+                        <a:buFont typeface="Wingdings" pitchFamily="2" charset="2"/>
+                        <a:buNone/>
+                        <a:tabLst>
+                          <a:tab pos="541338" algn="l"/>
+                        </a:tabLst>
+                        <a:defRPr/>
+                      </a:pPr>
+                      <a:r>
+                        <a:rPr kumimoji="1" lang="en-US" altLang="ko-KR" sz="1000" b="0" i="0" u="none" strike="noStrike" kern="1200" cap="none" spc="0" normalizeH="0" baseline="0" noProof="0" dirty="0" smtClean="0">
+                          <a:ln>
+                            <a:noFill/>
+                          </a:ln>
+                          <a:solidFill>
+                            <a:schemeClr val="tx1"/>
+                          </a:solidFill>
+                          <a:effectLst/>
+                          <a:uLnTx/>
+                          <a:uFillTx/>
+                          <a:latin typeface="Arial Narrow" panose="020B0606020202030204" pitchFamily="34" charset="0"/>
+                          <a:ea typeface="LG스마트체 Regular" panose="020B0600000101010101" pitchFamily="50" charset="-127"/>
+                          <a:cs typeface="Arial" pitchFamily="34" charset="0"/>
+                          <a:sym typeface="Wingdings" pitchFamily="2" charset="2"/>
+                        </a:rPr>
+                        <a:t>  </a:t>
+                      </a:r>
+                      <a:r>
+                        <a:rPr kumimoji="1" lang="ko-KR" altLang="en-US" sz="1000" b="0" i="0" u="none" strike="noStrike" kern="1200" cap="none" spc="0" normalizeH="0" baseline="0" noProof="0" dirty="0" smtClean="0">
+                          <a:ln>
+                            <a:noFill/>
+                          </a:ln>
+                          <a:solidFill>
+                            <a:schemeClr val="tx1"/>
+                          </a:solidFill>
+                          <a:effectLst/>
+                          <a:uLnTx/>
+                          <a:uFillTx/>
+                          <a:latin typeface="Arial Narrow" panose="020B0606020202030204" pitchFamily="34" charset="0"/>
+                          <a:ea typeface="LG스마트체 Regular" panose="020B0600000101010101" pitchFamily="50" charset="-127"/>
+                          <a:cs typeface="Arial" pitchFamily="34" charset="0"/>
+                          <a:sym typeface="Wingdings" pitchFamily="2" charset="2"/>
+                        </a:rPr>
+                        <a:t>→ 단기간에 추가하기는 어려운 가능이며</a:t>
+                      </a:r>
+                      <a:r>
+                        <a:rPr kumimoji="1" lang="en-US" altLang="ko-KR" sz="1000" b="0" i="0" u="none" strike="noStrike" kern="1200" cap="none" spc="0" normalizeH="0" baseline="0" noProof="0" dirty="0" smtClean="0">
+                          <a:ln>
+                            <a:noFill/>
+                          </a:ln>
+                          <a:solidFill>
+                            <a:schemeClr val="tx1"/>
+                          </a:solidFill>
+                          <a:effectLst/>
+                          <a:uLnTx/>
+                          <a:uFillTx/>
+                          <a:latin typeface="Arial Narrow" panose="020B0606020202030204" pitchFamily="34" charset="0"/>
+                          <a:ea typeface="LG스마트체 Regular" panose="020B0600000101010101" pitchFamily="50" charset="-127"/>
+                          <a:cs typeface="Arial" pitchFamily="34" charset="0"/>
+                          <a:sym typeface="Wingdings" pitchFamily="2" charset="2"/>
+                        </a:rPr>
+                        <a:t>, </a:t>
+                      </a:r>
+                      <a:r>
+                        <a:rPr kumimoji="1" lang="ko-KR" altLang="en-US" sz="1000" b="0" i="0" u="none" strike="noStrike" kern="1200" cap="none" spc="0" normalizeH="0" baseline="0" noProof="0" dirty="0" smtClean="0">
+                          <a:ln>
+                            <a:noFill/>
+                          </a:ln>
+                          <a:solidFill>
+                            <a:schemeClr val="tx1"/>
+                          </a:solidFill>
+                          <a:effectLst/>
+                          <a:uLnTx/>
+                          <a:uFillTx/>
+                          <a:latin typeface="Arial Narrow" panose="020B0606020202030204" pitchFamily="34" charset="0"/>
+                          <a:ea typeface="LG스마트체 Regular" panose="020B0600000101010101" pitchFamily="50" charset="-127"/>
+                          <a:cs typeface="Arial" pitchFamily="34" charset="0"/>
+                          <a:sym typeface="Wingdings" pitchFamily="2" charset="2"/>
+                        </a:rPr>
+                        <a:t>장기 개선안으로 </a:t>
+                      </a:r>
+                      <a:r>
+                        <a:rPr kumimoji="1" lang="ko-KR" altLang="en-US" sz="1000" b="0" i="0" u="none" strike="noStrike" kern="1200" cap="none" spc="0" normalizeH="0" baseline="0" noProof="0" dirty="0" smtClean="0">
+                          <a:ln>
+                            <a:noFill/>
+                          </a:ln>
+                          <a:solidFill>
+                            <a:schemeClr val="tx1"/>
+                          </a:solidFill>
+                          <a:effectLst/>
+                          <a:uLnTx/>
+                          <a:uFillTx/>
+                          <a:latin typeface="Arial Narrow" panose="020B0606020202030204" pitchFamily="34" charset="0"/>
+                          <a:ea typeface="LG스마트체 Regular" panose="020B0600000101010101" pitchFamily="50" charset="-127"/>
+                          <a:cs typeface="Arial" pitchFamily="34" charset="0"/>
+                          <a:sym typeface="Wingdings" pitchFamily="2" charset="2"/>
+                        </a:rPr>
+                        <a:t>검토</a:t>
+                      </a:r>
+                      <a:endParaRPr kumimoji="1" lang="en-US" altLang="ko-KR" sz="1000" b="0" i="0" u="none" strike="noStrike" kern="1200" cap="none" spc="0" normalizeH="0" baseline="0" noProof="0" dirty="0" smtClean="0">
+                        <a:ln>
+                          <a:noFill/>
+                        </a:ln>
+                        <a:solidFill>
+                          <a:schemeClr val="tx1"/>
+                        </a:solidFill>
+                        <a:effectLst/>
+                        <a:uLnTx/>
+                        <a:uFillTx/>
+                        <a:latin typeface="Arial Narrow" panose="020B0606020202030204" pitchFamily="34" charset="0"/>
+                        <a:ea typeface="LG스마트체 Regular" panose="020B0600000101010101" pitchFamily="50" charset="-127"/>
+                        <a:cs typeface="Arial" pitchFamily="34" charset="0"/>
+                        <a:sym typeface="Wingdings" pitchFamily="2" charset="2"/>
+                      </a:endParaRPr>
+                    </a:p>
+                    <a:p>
+                      <a:pPr marL="0" marR="0" lvl="0" indent="0" algn="l" defTabSz="914400" rtl="0" eaLnBrk="1" fontAlgn="auto" latinLnBrk="1" hangingPunct="1">
+                        <a:lnSpc>
+                          <a:spcPct val="150000"/>
+                        </a:lnSpc>
+                        <a:spcBef>
+                          <a:spcPts val="0"/>
+                        </a:spcBef>
+                        <a:spcAft>
+                          <a:spcPts val="0"/>
+                        </a:spcAft>
+                        <a:buClrTx/>
+                        <a:buSzTx/>
+                        <a:buFont typeface="Wingdings" pitchFamily="2" charset="2"/>
+                        <a:buNone/>
+                        <a:tabLst>
+                          <a:tab pos="541338" algn="l"/>
+                        </a:tabLst>
+                        <a:defRPr/>
+                      </a:pPr>
+                      <a:endParaRPr kumimoji="1" lang="en-US" altLang="ko-KR" sz="900" b="0" i="0" u="none" strike="noStrike" kern="1200" cap="none" spc="0" normalizeH="0" baseline="0" noProof="0" dirty="0" smtClean="0">
+                        <a:ln>
+                          <a:noFill/>
+                        </a:ln>
+                        <a:solidFill>
+                          <a:schemeClr val="tx1"/>
+                        </a:solidFill>
+                        <a:effectLst/>
+                        <a:uLnTx/>
+                        <a:uFillTx/>
+                        <a:latin typeface="Arial Narrow" panose="020B0606020202030204" pitchFamily="34" charset="0"/>
+                        <a:ea typeface="LG스마트체 Regular" panose="020B0600000101010101" pitchFamily="50" charset="-127"/>
+                        <a:cs typeface="Arial" pitchFamily="34" charset="0"/>
+                        <a:sym typeface="Wingdings" pitchFamily="2" charset="2"/>
+                      </a:endParaRPr>
+                    </a:p>
+                    <a:p>
+                      <a:pPr marL="0" marR="0" lvl="0" indent="0" algn="l" defTabSz="914400" rtl="0" eaLnBrk="1" fontAlgn="auto" latinLnBrk="1" hangingPunct="1">
+                        <a:lnSpc>
+                          <a:spcPct val="150000"/>
+                        </a:lnSpc>
+                        <a:spcBef>
+                          <a:spcPts val="0"/>
+                        </a:spcBef>
+                        <a:spcAft>
+                          <a:spcPts val="0"/>
+                        </a:spcAft>
+                        <a:buClrTx/>
+                        <a:buSzTx/>
+                        <a:buFont typeface="Wingdings" pitchFamily="2" charset="2"/>
+                        <a:buNone/>
+                        <a:tabLst>
+                          <a:tab pos="541338" algn="l"/>
+                        </a:tabLst>
+                        <a:defRPr/>
+                      </a:pPr>
+                      <a:r>
+                        <a:rPr kumimoji="1" lang="en-US" altLang="ko-KR" sz="1000" b="0" i="0" u="none" strike="noStrike" kern="1200" cap="none" spc="0" normalizeH="0" baseline="0" noProof="0" dirty="0" smtClean="0">
+                          <a:ln>
+                            <a:noFill/>
+                          </a:ln>
+                          <a:solidFill>
+                            <a:schemeClr val="tx1"/>
+                          </a:solidFill>
+                          <a:effectLst/>
+                          <a:uLnTx/>
+                          <a:uFillTx/>
+                          <a:latin typeface="Arial Narrow" panose="020B0606020202030204" pitchFamily="34" charset="0"/>
+                          <a:ea typeface="LG스마트체 Regular" panose="020B0600000101010101" pitchFamily="50" charset="-127"/>
+                          <a:cs typeface="Arial" pitchFamily="34" charset="0"/>
+                          <a:sym typeface="Wingdings" pitchFamily="2" charset="2"/>
+                        </a:rPr>
+                        <a:t>6) </a:t>
+                      </a:r>
+                      <a:r>
+                        <a:rPr kumimoji="1" lang="ko-KR" altLang="en-US" sz="1000" b="0" i="0" u="none" strike="noStrike" kern="1200" cap="none" spc="0" normalizeH="0" baseline="0" noProof="0" dirty="0" smtClean="0">
+                          <a:ln>
+                            <a:noFill/>
+                          </a:ln>
+                          <a:solidFill>
+                            <a:schemeClr val="tx1"/>
+                          </a:solidFill>
+                          <a:effectLst/>
+                          <a:uLnTx/>
+                          <a:uFillTx/>
+                          <a:latin typeface="Arial Narrow" panose="020B0606020202030204" pitchFamily="34" charset="0"/>
+                          <a:ea typeface="LG스마트체 Regular" panose="020B0600000101010101" pitchFamily="50" charset="-127"/>
+                          <a:cs typeface="Arial" pitchFamily="34" charset="0"/>
+                          <a:sym typeface="Wingdings" pitchFamily="2" charset="2"/>
+                        </a:rPr>
+                        <a:t>추가 판정 아이템 제안 </a:t>
+                      </a:r>
+                      <a:r>
+                        <a:rPr kumimoji="1" lang="en-US" altLang="ko-KR" sz="1000" b="0" i="0" u="none" strike="noStrike" kern="1200" cap="none" spc="0" normalizeH="0" baseline="0" noProof="0" dirty="0" smtClean="0">
+                          <a:ln>
+                            <a:noFill/>
+                          </a:ln>
+                          <a:solidFill>
+                            <a:schemeClr val="tx1"/>
+                          </a:solidFill>
+                          <a:effectLst/>
+                          <a:uLnTx/>
+                          <a:uFillTx/>
+                          <a:latin typeface="Arial Narrow" panose="020B0606020202030204" pitchFamily="34" charset="0"/>
+                          <a:ea typeface="LG스마트체 Regular" panose="020B0600000101010101" pitchFamily="50" charset="-127"/>
+                          <a:cs typeface="Arial" pitchFamily="34" charset="0"/>
+                          <a:sym typeface="Wingdings" pitchFamily="2" charset="2"/>
+                        </a:rPr>
+                        <a:t>: </a:t>
+                      </a:r>
+                      <a:r>
+                        <a:rPr kumimoji="1" lang="ko-KR" altLang="en-US" sz="1000" b="0" i="0" u="none" strike="noStrike" kern="1200" cap="none" spc="0" normalizeH="0" baseline="0" noProof="0" dirty="0" err="1" smtClean="0">
+                          <a:ln>
+                            <a:noFill/>
+                          </a:ln>
+                          <a:solidFill>
+                            <a:schemeClr val="tx1"/>
+                          </a:solidFill>
+                          <a:effectLst/>
+                          <a:uLnTx/>
+                          <a:uFillTx/>
+                          <a:latin typeface="Arial Narrow" panose="020B0606020202030204" pitchFamily="34" charset="0"/>
+                          <a:ea typeface="LG스마트체 Regular" panose="020B0600000101010101" pitchFamily="50" charset="-127"/>
+                          <a:cs typeface="Arial" pitchFamily="34" charset="0"/>
+                          <a:sym typeface="Wingdings" pitchFamily="2" charset="2"/>
+                        </a:rPr>
+                        <a:t>펨넛</a:t>
+                      </a:r>
+                      <a:r>
+                        <a:rPr kumimoji="1" lang="en-US" altLang="ko-KR" sz="1000" b="0" i="0" u="none" strike="noStrike" kern="1200" cap="none" spc="0" normalizeH="0" baseline="0" noProof="0" dirty="0" smtClean="0">
+                          <a:ln>
+                            <a:noFill/>
+                          </a:ln>
+                          <a:solidFill>
+                            <a:schemeClr val="tx1"/>
+                          </a:solidFill>
+                          <a:effectLst/>
+                          <a:uLnTx/>
+                          <a:uFillTx/>
+                          <a:latin typeface="Arial Narrow" panose="020B0606020202030204" pitchFamily="34" charset="0"/>
+                          <a:ea typeface="LG스마트체 Regular" panose="020B0600000101010101" pitchFamily="50" charset="-127"/>
+                          <a:cs typeface="Arial" pitchFamily="34" charset="0"/>
+                          <a:sym typeface="Wingdings" pitchFamily="2" charset="2"/>
+                        </a:rPr>
+                        <a:t>, </a:t>
+                      </a:r>
+                      <a:r>
+                        <a:rPr kumimoji="1" lang="ko-KR" altLang="en-US" sz="1000" b="0" i="0" u="none" strike="noStrike" kern="1200" cap="none" spc="0" normalizeH="0" baseline="0" noProof="0" dirty="0" err="1" smtClean="0">
+                          <a:ln>
+                            <a:noFill/>
+                          </a:ln>
+                          <a:solidFill>
+                            <a:schemeClr val="tx1"/>
+                          </a:solidFill>
+                          <a:effectLst/>
+                          <a:uLnTx/>
+                          <a:uFillTx/>
+                          <a:latin typeface="Arial Narrow" panose="020B0606020202030204" pitchFamily="34" charset="0"/>
+                          <a:ea typeface="LG스마트체 Regular" panose="020B0600000101010101" pitchFamily="50" charset="-127"/>
+                          <a:cs typeface="Arial" pitchFamily="34" charset="0"/>
+                          <a:sym typeface="Wingdings" pitchFamily="2" charset="2"/>
+                        </a:rPr>
+                        <a:t>홀막음</a:t>
+                      </a:r>
+                      <a:r>
+                        <a:rPr kumimoji="1" lang="en-US" altLang="ko-KR" sz="1000" b="0" i="0" u="none" strike="noStrike" kern="1200" cap="none" spc="0" normalizeH="0" baseline="0" noProof="0" dirty="0" smtClean="0">
+                          <a:ln>
+                            <a:noFill/>
+                          </a:ln>
+                          <a:solidFill>
+                            <a:schemeClr val="tx1"/>
+                          </a:solidFill>
+                          <a:effectLst/>
+                          <a:uLnTx/>
+                          <a:uFillTx/>
+                          <a:latin typeface="Arial Narrow" panose="020B0606020202030204" pitchFamily="34" charset="0"/>
+                          <a:ea typeface="LG스마트체 Regular" panose="020B0600000101010101" pitchFamily="50" charset="-127"/>
+                          <a:cs typeface="Arial" pitchFamily="34" charset="0"/>
+                          <a:sym typeface="Wingdings" pitchFamily="2" charset="2"/>
+                        </a:rPr>
+                        <a:t>, </a:t>
+                      </a:r>
+                      <a:r>
+                        <a:rPr kumimoji="1" lang="ko-KR" altLang="en-US" sz="1000" b="0" i="0" u="none" strike="noStrike" kern="1200" cap="none" spc="0" normalizeH="0" baseline="0" noProof="0" dirty="0" smtClean="0">
+                          <a:ln>
+                            <a:noFill/>
+                          </a:ln>
+                          <a:solidFill>
+                            <a:schemeClr val="tx1"/>
+                          </a:solidFill>
+                          <a:effectLst/>
+                          <a:uLnTx/>
+                          <a:uFillTx/>
+                          <a:latin typeface="Arial Narrow" panose="020B0606020202030204" pitchFamily="34" charset="0"/>
+                          <a:ea typeface="LG스마트체 Regular" panose="020B0600000101010101" pitchFamily="50" charset="-127"/>
+                          <a:cs typeface="Arial" pitchFamily="34" charset="0"/>
+                          <a:sym typeface="Wingdings" pitchFamily="2" charset="2"/>
+                        </a:rPr>
+                        <a:t>사출 </a:t>
+                      </a:r>
+                      <a:r>
+                        <a:rPr kumimoji="1" lang="ko-KR" altLang="en-US" sz="1000" b="0" i="0" u="none" strike="noStrike" kern="1200" cap="none" spc="0" normalizeH="0" baseline="0" noProof="0" dirty="0" err="1" smtClean="0">
+                          <a:ln>
+                            <a:noFill/>
+                          </a:ln>
+                          <a:solidFill>
+                            <a:schemeClr val="tx1"/>
+                          </a:solidFill>
+                          <a:effectLst/>
+                          <a:uLnTx/>
+                          <a:uFillTx/>
+                          <a:latin typeface="Arial Narrow" panose="020B0606020202030204" pitchFamily="34" charset="0"/>
+                          <a:ea typeface="LG스마트체 Regular" panose="020B0600000101010101" pitchFamily="50" charset="-127"/>
+                          <a:cs typeface="Arial" pitchFamily="34" charset="0"/>
+                          <a:sym typeface="Wingdings" pitchFamily="2" charset="2"/>
+                        </a:rPr>
+                        <a:t>미성형</a:t>
+                      </a:r>
+                      <a:r>
+                        <a:rPr kumimoji="1" lang="ko-KR" altLang="en-US" sz="1000" b="0" i="0" u="none" strike="noStrike" kern="1200" cap="none" spc="0" normalizeH="0" baseline="0" noProof="0" dirty="0" smtClean="0">
+                          <a:ln>
+                            <a:noFill/>
+                          </a:ln>
+                          <a:solidFill>
+                            <a:schemeClr val="tx1"/>
+                          </a:solidFill>
+                          <a:effectLst/>
+                          <a:uLnTx/>
+                          <a:uFillTx/>
+                          <a:latin typeface="Arial Narrow" panose="020B0606020202030204" pitchFamily="34" charset="0"/>
+                          <a:ea typeface="LG스마트체 Regular" panose="020B0600000101010101" pitchFamily="50" charset="-127"/>
+                          <a:cs typeface="Arial" pitchFamily="34" charset="0"/>
+                          <a:sym typeface="Wingdings" pitchFamily="2" charset="2"/>
+                        </a:rPr>
+                        <a:t> 등</a:t>
+                      </a:r>
+                      <a:r>
+                        <a:rPr kumimoji="1" lang="en-US" altLang="ko-KR" sz="1000" b="0" i="0" u="none" strike="noStrike" kern="1200" cap="none" spc="0" normalizeH="0" baseline="0" noProof="0" dirty="0" smtClean="0">
+                          <a:ln>
+                            <a:noFill/>
+                          </a:ln>
+                          <a:solidFill>
+                            <a:schemeClr val="tx1"/>
+                          </a:solidFill>
+                          <a:effectLst/>
+                          <a:uLnTx/>
+                          <a:uFillTx/>
+                          <a:latin typeface="Arial Narrow" panose="020B0606020202030204" pitchFamily="34" charset="0"/>
+                          <a:ea typeface="LG스마트체 Regular" panose="020B0600000101010101" pitchFamily="50" charset="-127"/>
+                          <a:cs typeface="Arial" pitchFamily="34" charset="0"/>
+                          <a:sym typeface="Wingdings" pitchFamily="2" charset="2"/>
+                        </a:rPr>
+                        <a:t> / </a:t>
+                      </a:r>
+                      <a:r>
+                        <a:rPr kumimoji="1" lang="ko-KR" altLang="en-US" sz="1000" b="0" i="0" u="none" strike="noStrike" kern="1200" cap="none" spc="0" normalizeH="0" baseline="0" noProof="0" dirty="0" smtClean="0">
+                          <a:ln>
+                            <a:noFill/>
+                          </a:ln>
+                          <a:solidFill>
+                            <a:schemeClr val="tx1"/>
+                          </a:solidFill>
+                          <a:effectLst/>
+                          <a:uLnTx/>
+                          <a:uFillTx/>
+                          <a:latin typeface="Arial Narrow" panose="020B0606020202030204" pitchFamily="34" charset="0"/>
+                          <a:ea typeface="LG스마트체 Regular" panose="020B0600000101010101" pitchFamily="50" charset="-127"/>
+                          <a:cs typeface="Arial" pitchFamily="34" charset="0"/>
+                          <a:sym typeface="Wingdings" pitchFamily="2" charset="2"/>
+                        </a:rPr>
+                        <a:t>사출 </a:t>
+                      </a:r>
+                      <a:r>
+                        <a:rPr kumimoji="1" lang="ko-KR" altLang="en-US" sz="1000" b="0" i="0" u="none" strike="noStrike" kern="1200" cap="none" spc="0" normalizeH="0" baseline="0" noProof="0" dirty="0" err="1" smtClean="0">
+                          <a:ln>
+                            <a:noFill/>
+                          </a:ln>
+                          <a:solidFill>
+                            <a:schemeClr val="tx1"/>
+                          </a:solidFill>
+                          <a:effectLst/>
+                          <a:uLnTx/>
+                          <a:uFillTx/>
+                          <a:latin typeface="Arial Narrow" panose="020B0606020202030204" pitchFamily="34" charset="0"/>
+                          <a:ea typeface="LG스마트체 Regular" panose="020B0600000101010101" pitchFamily="50" charset="-127"/>
+                          <a:cs typeface="Arial" pitchFamily="34" charset="0"/>
+                          <a:sym typeface="Wingdings" pitchFamily="2" charset="2"/>
+                        </a:rPr>
+                        <a:t>미성형의</a:t>
+                      </a:r>
+                      <a:r>
+                        <a:rPr kumimoji="1" lang="ko-KR" altLang="en-US" sz="1000" b="0" i="0" u="none" strike="noStrike" kern="1200" cap="none" spc="0" normalizeH="0" baseline="0" noProof="0" dirty="0" smtClean="0">
+                          <a:ln>
+                            <a:noFill/>
+                          </a:ln>
+                          <a:solidFill>
+                            <a:schemeClr val="tx1"/>
+                          </a:solidFill>
+                          <a:effectLst/>
+                          <a:uLnTx/>
+                          <a:uFillTx/>
+                          <a:latin typeface="Arial Narrow" panose="020B0606020202030204" pitchFamily="34" charset="0"/>
+                          <a:ea typeface="LG스마트체 Regular" panose="020B0600000101010101" pitchFamily="50" charset="-127"/>
+                          <a:cs typeface="Arial" pitchFamily="34" charset="0"/>
+                          <a:sym typeface="Wingdings" pitchFamily="2" charset="2"/>
+                        </a:rPr>
+                        <a:t> 경우 이미지기반 판정을 위해 </a:t>
+                      </a:r>
+                      <a:r>
+                        <a:rPr kumimoji="1" lang="ko-KR" altLang="en-US" sz="1000" b="0" i="0" u="none" strike="noStrike" kern="1200" cap="none" spc="0" normalizeH="0" baseline="0" noProof="0" dirty="0" err="1" smtClean="0">
+                          <a:ln>
+                            <a:noFill/>
+                          </a:ln>
+                          <a:solidFill>
+                            <a:schemeClr val="tx1"/>
+                          </a:solidFill>
+                          <a:effectLst/>
+                          <a:uLnTx/>
+                          <a:uFillTx/>
+                          <a:latin typeface="Arial Narrow" panose="020B0606020202030204" pitchFamily="34" charset="0"/>
+                          <a:ea typeface="LG스마트체 Regular" panose="020B0600000101010101" pitchFamily="50" charset="-127"/>
+                          <a:cs typeface="Arial" pitchFamily="34" charset="0"/>
+                          <a:sym typeface="Wingdings" pitchFamily="2" charset="2"/>
+                        </a:rPr>
+                        <a:t>양불에</a:t>
+                      </a:r>
+                      <a:r>
+                        <a:rPr kumimoji="1" lang="ko-KR" altLang="en-US" sz="1000" b="0" i="0" u="none" strike="noStrike" kern="1200" cap="none" spc="0" normalizeH="0" baseline="0" noProof="0" dirty="0" smtClean="0">
+                          <a:ln>
+                            <a:noFill/>
+                          </a:ln>
+                          <a:solidFill>
+                            <a:schemeClr val="tx1"/>
+                          </a:solidFill>
+                          <a:effectLst/>
+                          <a:uLnTx/>
+                          <a:uFillTx/>
+                          <a:latin typeface="Arial Narrow" panose="020B0606020202030204" pitchFamily="34" charset="0"/>
+                          <a:ea typeface="LG스마트체 Regular" panose="020B0600000101010101" pitchFamily="50" charset="-127"/>
+                          <a:cs typeface="Arial" pitchFamily="34" charset="0"/>
+                          <a:sym typeface="Wingdings" pitchFamily="2" charset="2"/>
+                        </a:rPr>
+                        <a:t> 대한 명확한 기준 수립 필요</a:t>
+                      </a:r>
+                      <a:endParaRPr kumimoji="1" lang="en-US" altLang="ko-KR" sz="1000" b="0" i="0" u="none" strike="noStrike" kern="1200" cap="none" spc="0" normalizeH="0" baseline="0" noProof="0" dirty="0" smtClean="0">
                         <a:ln>
                           <a:noFill/>
                         </a:ln>
